--- a/Project 1 Trollin.pptx
+++ b/Project 1 Trollin.pptx
@@ -1,26 +1,125 @@
 
 <file path=ppt/presentation.xml><?xml version="1.0" encoding="utf-8"?>
-<p:presentation xmlns:a="http://schemas.openxmlformats.org/drawingml/2006/main" xmlns:p="http://schemas.openxmlformats.org/presentationml/2006/main" xmlns:r="http://schemas.openxmlformats.org/officeDocument/2006/relationships" xmlns:p14="http://schemas.microsoft.com/office/powerpoint/2010/main" xmlns:p15="http://schemas.microsoft.com/office/powerpoint/2012/main" xmlns:mc="http://schemas.openxmlformats.org/markup-compatibility/2006">
+<p:presentation xmlns:a="http://schemas.openxmlformats.org/drawingml/2006/main" xmlns:r="http://schemas.openxmlformats.org/officeDocument/2006/relationships" xmlns:p="http://schemas.openxmlformats.org/presentationml/2006/main">
   <p:sldMasterIdLst>
-    <p:sldMasterId id="2147483648" r:id="rId2"/>
-    <p:sldMasterId id="2147483661" r:id="rId3"/>
-    <p:sldMasterId id="2147483674" r:id="rId4"/>
+    <p:sldMasterId id="2147483648" r:id="rId1"/>
+    <p:sldMasterId id="2147483661" r:id="rId2"/>
+    <p:sldMasterId id="2147483674" r:id="rId3"/>
   </p:sldMasterIdLst>
   <p:sldIdLst>
-    <p:sldId id="256" r:id="rId5"/>
-    <p:sldId id="257" r:id="rId6"/>
-    <p:sldId id="258" r:id="rId7"/>
-    <p:sldId id="259" r:id="rId8"/>
-    <p:sldId id="260" r:id="rId9"/>
-    <p:sldId id="261" r:id="rId10"/>
+    <p:sldId id="256" r:id="rId4"/>
+    <p:sldId id="257" r:id="rId5"/>
+    <p:sldId id="258" r:id="rId6"/>
+    <p:sldId id="259" r:id="rId7"/>
+    <p:sldId id="260" r:id="rId8"/>
+    <p:sldId id="261" r:id="rId9"/>
   </p:sldIdLst>
   <p:sldSz cx="10080625" cy="7559675"/>
-  <p:notesSz cx="7559675" cy="10691812"/>
+  <p:notesSz cx="7559675" cy="10691813"/>
+  <p:defaultTextStyle>
+    <a:defPPr>
+      <a:defRPr lang="en-US"/>
+    </a:defPPr>
+    <a:lvl1pPr marL="0" algn="l" defTabSz="914400" rtl="0" eaLnBrk="1" latinLnBrk="0" hangingPunct="1">
+      <a:defRPr sz="1800" kern="1200">
+        <a:solidFill>
+          <a:schemeClr val="tx1"/>
+        </a:solidFill>
+        <a:latin typeface="+mn-lt"/>
+        <a:ea typeface="+mn-ea"/>
+        <a:cs typeface="+mn-cs"/>
+      </a:defRPr>
+    </a:lvl1pPr>
+    <a:lvl2pPr marL="457200" algn="l" defTabSz="914400" rtl="0" eaLnBrk="1" latinLnBrk="0" hangingPunct="1">
+      <a:defRPr sz="1800" kern="1200">
+        <a:solidFill>
+          <a:schemeClr val="tx1"/>
+        </a:solidFill>
+        <a:latin typeface="+mn-lt"/>
+        <a:ea typeface="+mn-ea"/>
+        <a:cs typeface="+mn-cs"/>
+      </a:defRPr>
+    </a:lvl2pPr>
+    <a:lvl3pPr marL="914400" algn="l" defTabSz="914400" rtl="0" eaLnBrk="1" latinLnBrk="0" hangingPunct="1">
+      <a:defRPr sz="1800" kern="1200">
+        <a:solidFill>
+          <a:schemeClr val="tx1"/>
+        </a:solidFill>
+        <a:latin typeface="+mn-lt"/>
+        <a:ea typeface="+mn-ea"/>
+        <a:cs typeface="+mn-cs"/>
+      </a:defRPr>
+    </a:lvl3pPr>
+    <a:lvl4pPr marL="1371600" algn="l" defTabSz="914400" rtl="0" eaLnBrk="1" latinLnBrk="0" hangingPunct="1">
+      <a:defRPr sz="1800" kern="1200">
+        <a:solidFill>
+          <a:schemeClr val="tx1"/>
+        </a:solidFill>
+        <a:latin typeface="+mn-lt"/>
+        <a:ea typeface="+mn-ea"/>
+        <a:cs typeface="+mn-cs"/>
+      </a:defRPr>
+    </a:lvl4pPr>
+    <a:lvl5pPr marL="1828800" algn="l" defTabSz="914400" rtl="0" eaLnBrk="1" latinLnBrk="0" hangingPunct="1">
+      <a:defRPr sz="1800" kern="1200">
+        <a:solidFill>
+          <a:schemeClr val="tx1"/>
+        </a:solidFill>
+        <a:latin typeface="+mn-lt"/>
+        <a:ea typeface="+mn-ea"/>
+        <a:cs typeface="+mn-cs"/>
+      </a:defRPr>
+    </a:lvl5pPr>
+    <a:lvl6pPr marL="2286000" algn="l" defTabSz="914400" rtl="0" eaLnBrk="1" latinLnBrk="0" hangingPunct="1">
+      <a:defRPr sz="1800" kern="1200">
+        <a:solidFill>
+          <a:schemeClr val="tx1"/>
+        </a:solidFill>
+        <a:latin typeface="+mn-lt"/>
+        <a:ea typeface="+mn-ea"/>
+        <a:cs typeface="+mn-cs"/>
+      </a:defRPr>
+    </a:lvl6pPr>
+    <a:lvl7pPr marL="2743200" algn="l" defTabSz="914400" rtl="0" eaLnBrk="1" latinLnBrk="0" hangingPunct="1">
+      <a:defRPr sz="1800" kern="1200">
+        <a:solidFill>
+          <a:schemeClr val="tx1"/>
+        </a:solidFill>
+        <a:latin typeface="+mn-lt"/>
+        <a:ea typeface="+mn-ea"/>
+        <a:cs typeface="+mn-cs"/>
+      </a:defRPr>
+    </a:lvl7pPr>
+    <a:lvl8pPr marL="3200400" algn="l" defTabSz="914400" rtl="0" eaLnBrk="1" latinLnBrk="0" hangingPunct="1">
+      <a:defRPr sz="1800" kern="1200">
+        <a:solidFill>
+          <a:schemeClr val="tx1"/>
+        </a:solidFill>
+        <a:latin typeface="+mn-lt"/>
+        <a:ea typeface="+mn-ea"/>
+        <a:cs typeface="+mn-cs"/>
+      </a:defRPr>
+    </a:lvl8pPr>
+    <a:lvl9pPr marL="3657600" algn="l" defTabSz="914400" rtl="0" eaLnBrk="1" latinLnBrk="0" hangingPunct="1">
+      <a:defRPr sz="1800" kern="1200">
+        <a:solidFill>
+          <a:schemeClr val="tx1"/>
+        </a:solidFill>
+        <a:latin typeface="+mn-lt"/>
+        <a:ea typeface="+mn-ea"/>
+        <a:cs typeface="+mn-cs"/>
+      </a:defRPr>
+    </a:lvl9pPr>
+  </p:defaultTextStyle>
 </p:presentation>
 </file>
 
+<file path=ppt/revisionInfo.xml><?xml version="1.0" encoding="utf-8"?>
+<p1510:revInfo xmlns:a="http://schemas.openxmlformats.org/drawingml/2006/main" xmlns:r="http://schemas.openxmlformats.org/officeDocument/2006/relationships" xmlns:p1510="http://schemas.microsoft.com/office/powerpoint/2015/10/main"/>
+</file>
+
 <file path=ppt/slideLayouts/slideLayout1.xml><?xml version="1.0" encoding="utf-8"?>
-<p:sldLayout xmlns:a="http://schemas.openxmlformats.org/drawingml/2006/main" xmlns:p="http://schemas.openxmlformats.org/presentationml/2006/main" xmlns:r="http://schemas.openxmlformats.org/officeDocument/2006/relationships" xmlns:p14="http://schemas.microsoft.com/office/powerpoint/2010/main" xmlns:p15="http://schemas.microsoft.com/office/powerpoint/2012/main" xmlns:mc="http://schemas.openxmlformats.org/markup-compatibility/2006" type="blank" preserve="1">
+<p:sldLayout xmlns:a="http://schemas.openxmlformats.org/drawingml/2006/main" xmlns:r="http://schemas.openxmlformats.org/officeDocument/2006/relationships" xmlns:p="http://schemas.openxmlformats.org/presentationml/2006/main" type="blank" preserve="1">
   <p:cSld name="Blank Slide">
     <p:spTree>
       <p:nvGrpSpPr>
@@ -38,11 +137,14 @@
       </p:grpSpPr>
     </p:spTree>
   </p:cSld>
+  <p:clrMapOvr>
+    <a:masterClrMapping/>
+  </p:clrMapOvr>
 </p:sldLayout>
 </file>
 
 <file path=ppt/slideLayouts/slideLayout10.xml><?xml version="1.0" encoding="utf-8"?>
-<p:sldLayout xmlns:a="http://schemas.openxmlformats.org/drawingml/2006/main" xmlns:p="http://schemas.openxmlformats.org/presentationml/2006/main" xmlns:r="http://schemas.openxmlformats.org/officeDocument/2006/relationships" xmlns:p14="http://schemas.microsoft.com/office/powerpoint/2010/main" xmlns:p15="http://schemas.microsoft.com/office/powerpoint/2012/main" xmlns:mc="http://schemas.openxmlformats.org/markup-compatibility/2006" type="objOverTx" preserve="1">
+<p:sldLayout xmlns:a="http://schemas.openxmlformats.org/drawingml/2006/main" xmlns:r="http://schemas.openxmlformats.org/officeDocument/2006/relationships" xmlns:p="http://schemas.openxmlformats.org/presentationml/2006/main" type="objOverTx" preserve="1">
   <p:cSld name="Title, Content over Content">
     <p:spTree>
       <p:nvGrpSpPr>
@@ -78,12 +180,13 @@
           </a:prstGeom>
         </p:spPr>
         <p:txBody>
-          <a:bodyPr lIns="0" rIns="0" tIns="0" bIns="0" anchor="ctr"/>
+          <a:bodyPr lIns="0" tIns="0" rIns="0" bIns="0" anchor="ctr"/>
+          <a:lstStyle/>
           <a:p>
             <a:pPr algn="ctr"/>
-            <a:endParaRPr b="1" lang="en-US" sz="3600" spc="-1" strike="noStrike">
-              <a:solidFill>
-                <a:srgbClr val="ffffff"/>
+            <a:endParaRPr lang="en-US" sz="3600" b="1" strike="noStrike" spc="-1">
+              <a:solidFill>
+                <a:srgbClr val="FFFFFF"/>
               </a:solidFill>
               <a:latin typeface="Source Sans Pro Black"/>
             </a:endParaRPr>
@@ -110,13 +213,14 @@
           </a:prstGeom>
         </p:spPr>
         <p:txBody>
-          <a:bodyPr lIns="0" rIns="0" tIns="0" bIns="0">
+          <a:bodyPr lIns="0" tIns="0" rIns="0" bIns="0">
             <a:normAutofit/>
           </a:bodyPr>
-          <a:p>
-            <a:endParaRPr b="1" lang="en-US" sz="3200" spc="-1" strike="noStrike">
-              <a:solidFill>
-                <a:srgbClr val="2c3e50"/>
+          <a:lstStyle/>
+          <a:p>
+            <a:endParaRPr lang="en-US" sz="3200" b="1" strike="noStrike" spc="-1">
+              <a:solidFill>
+                <a:srgbClr val="2C3E50"/>
               </a:solidFill>
               <a:latin typeface="Source Sans Pro Semibold"/>
             </a:endParaRPr>
@@ -143,13 +247,14 @@
           </a:prstGeom>
         </p:spPr>
         <p:txBody>
-          <a:bodyPr lIns="0" rIns="0" tIns="0" bIns="0">
+          <a:bodyPr lIns="0" tIns="0" rIns="0" bIns="0">
             <a:normAutofit/>
           </a:bodyPr>
-          <a:p>
-            <a:endParaRPr b="1" lang="en-US" sz="3200" spc="-1" strike="noStrike">
-              <a:solidFill>
-                <a:srgbClr val="2c3e50"/>
+          <a:lstStyle/>
+          <a:p>
+            <a:endParaRPr lang="en-US" sz="3200" b="1" strike="noStrike" spc="-1">
+              <a:solidFill>
+                <a:srgbClr val="2C3E50"/>
               </a:solidFill>
               <a:latin typeface="Source Sans Pro Semibold"/>
             </a:endParaRPr>
@@ -158,11 +263,14 @@
       </p:sp>
     </p:spTree>
   </p:cSld>
+  <p:clrMapOvr>
+    <a:masterClrMapping/>
+  </p:clrMapOvr>
 </p:sldLayout>
 </file>
 
 <file path=ppt/slideLayouts/slideLayout11.xml><?xml version="1.0" encoding="utf-8"?>
-<p:sldLayout xmlns:a="http://schemas.openxmlformats.org/drawingml/2006/main" xmlns:p="http://schemas.openxmlformats.org/presentationml/2006/main" xmlns:r="http://schemas.openxmlformats.org/officeDocument/2006/relationships" xmlns:p14="http://schemas.microsoft.com/office/powerpoint/2010/main" xmlns:p15="http://schemas.microsoft.com/office/powerpoint/2012/main" xmlns:mc="http://schemas.openxmlformats.org/markup-compatibility/2006" type="fourObj" preserve="1">
+<p:sldLayout xmlns:a="http://schemas.openxmlformats.org/drawingml/2006/main" xmlns:r="http://schemas.openxmlformats.org/officeDocument/2006/relationships" xmlns:p="http://schemas.openxmlformats.org/presentationml/2006/main" type="fourObj" preserve="1">
   <p:cSld name="Title, 4 Content">
     <p:spTree>
       <p:nvGrpSpPr>
@@ -198,12 +306,13 @@
           </a:prstGeom>
         </p:spPr>
         <p:txBody>
-          <a:bodyPr lIns="0" rIns="0" tIns="0" bIns="0" anchor="ctr"/>
+          <a:bodyPr lIns="0" tIns="0" rIns="0" bIns="0" anchor="ctr"/>
+          <a:lstStyle/>
           <a:p>
             <a:pPr algn="ctr"/>
-            <a:endParaRPr b="1" lang="en-US" sz="3600" spc="-1" strike="noStrike">
-              <a:solidFill>
-                <a:srgbClr val="ffffff"/>
+            <a:endParaRPr lang="en-US" sz="3600" b="1" strike="noStrike" spc="-1">
+              <a:solidFill>
+                <a:srgbClr val="FFFFFF"/>
               </a:solidFill>
               <a:latin typeface="Source Sans Pro Black"/>
             </a:endParaRPr>
@@ -230,13 +339,14 @@
           </a:prstGeom>
         </p:spPr>
         <p:txBody>
-          <a:bodyPr lIns="0" rIns="0" tIns="0" bIns="0">
+          <a:bodyPr lIns="0" tIns="0" rIns="0" bIns="0">
             <a:normAutofit/>
           </a:bodyPr>
-          <a:p>
-            <a:endParaRPr b="1" lang="en-US" sz="3200" spc="-1" strike="noStrike">
-              <a:solidFill>
-                <a:srgbClr val="2c3e50"/>
+          <a:lstStyle/>
+          <a:p>
+            <a:endParaRPr lang="en-US" sz="3200" b="1" strike="noStrike" spc="-1">
+              <a:solidFill>
+                <a:srgbClr val="2C3E50"/>
               </a:solidFill>
               <a:latin typeface="Source Sans Pro Semibold"/>
             </a:endParaRPr>
@@ -263,13 +373,14 @@
           </a:prstGeom>
         </p:spPr>
         <p:txBody>
-          <a:bodyPr lIns="0" rIns="0" tIns="0" bIns="0">
+          <a:bodyPr lIns="0" tIns="0" rIns="0" bIns="0">
             <a:normAutofit/>
           </a:bodyPr>
-          <a:p>
-            <a:endParaRPr b="1" lang="en-US" sz="3200" spc="-1" strike="noStrike">
-              <a:solidFill>
-                <a:srgbClr val="2c3e50"/>
+          <a:lstStyle/>
+          <a:p>
+            <a:endParaRPr lang="en-US" sz="3200" b="1" strike="noStrike" spc="-1">
+              <a:solidFill>
+                <a:srgbClr val="2C3E50"/>
               </a:solidFill>
               <a:latin typeface="Source Sans Pro Semibold"/>
             </a:endParaRPr>
@@ -296,13 +407,14 @@
           </a:prstGeom>
         </p:spPr>
         <p:txBody>
-          <a:bodyPr lIns="0" rIns="0" tIns="0" bIns="0">
+          <a:bodyPr lIns="0" tIns="0" rIns="0" bIns="0">
             <a:normAutofit/>
           </a:bodyPr>
-          <a:p>
-            <a:endParaRPr b="1" lang="en-US" sz="3200" spc="-1" strike="noStrike">
-              <a:solidFill>
-                <a:srgbClr val="2c3e50"/>
+          <a:lstStyle/>
+          <a:p>
+            <a:endParaRPr lang="en-US" sz="3200" b="1" strike="noStrike" spc="-1">
+              <a:solidFill>
+                <a:srgbClr val="2C3E50"/>
               </a:solidFill>
               <a:latin typeface="Source Sans Pro Semibold"/>
             </a:endParaRPr>
@@ -329,13 +441,14 @@
           </a:prstGeom>
         </p:spPr>
         <p:txBody>
-          <a:bodyPr lIns="0" rIns="0" tIns="0" bIns="0">
+          <a:bodyPr lIns="0" tIns="0" rIns="0" bIns="0">
             <a:normAutofit/>
           </a:bodyPr>
-          <a:p>
-            <a:endParaRPr b="1" lang="en-US" sz="3200" spc="-1" strike="noStrike">
-              <a:solidFill>
-                <a:srgbClr val="2c3e50"/>
+          <a:lstStyle/>
+          <a:p>
+            <a:endParaRPr lang="en-US" sz="3200" b="1" strike="noStrike" spc="-1">
+              <a:solidFill>
+                <a:srgbClr val="2C3E50"/>
               </a:solidFill>
               <a:latin typeface="Source Sans Pro Semibold"/>
             </a:endParaRPr>
@@ -344,11 +457,14 @@
       </p:sp>
     </p:spTree>
   </p:cSld>
+  <p:clrMapOvr>
+    <a:masterClrMapping/>
+  </p:clrMapOvr>
 </p:sldLayout>
 </file>
 
 <file path=ppt/slideLayouts/slideLayout12.xml><?xml version="1.0" encoding="utf-8"?>
-<p:sldLayout xmlns:a="http://schemas.openxmlformats.org/drawingml/2006/main" xmlns:p="http://schemas.openxmlformats.org/presentationml/2006/main" xmlns:r="http://schemas.openxmlformats.org/officeDocument/2006/relationships" xmlns:p14="http://schemas.microsoft.com/office/powerpoint/2010/main" xmlns:p15="http://schemas.microsoft.com/office/powerpoint/2012/main" xmlns:mc="http://schemas.openxmlformats.org/markup-compatibility/2006" type="blank" preserve="1">
+<p:sldLayout xmlns:a="http://schemas.openxmlformats.org/drawingml/2006/main" xmlns:r="http://schemas.openxmlformats.org/officeDocument/2006/relationships" xmlns:p="http://schemas.openxmlformats.org/presentationml/2006/main" type="blank" preserve="1">
   <p:cSld name="Title, 6 Content">
     <p:spTree>
       <p:nvGrpSpPr>
@@ -384,12 +500,13 @@
           </a:prstGeom>
         </p:spPr>
         <p:txBody>
-          <a:bodyPr lIns="0" rIns="0" tIns="0" bIns="0" anchor="ctr"/>
+          <a:bodyPr lIns="0" tIns="0" rIns="0" bIns="0" anchor="ctr"/>
+          <a:lstStyle/>
           <a:p>
             <a:pPr algn="ctr"/>
-            <a:endParaRPr b="1" lang="en-US" sz="3600" spc="-1" strike="noStrike">
-              <a:solidFill>
-                <a:srgbClr val="ffffff"/>
+            <a:endParaRPr lang="en-US" sz="3600" b="1" strike="noStrike" spc="-1">
+              <a:solidFill>
+                <a:srgbClr val="FFFFFF"/>
               </a:solidFill>
               <a:latin typeface="Source Sans Pro Black"/>
             </a:endParaRPr>
@@ -416,13 +533,14 @@
           </a:prstGeom>
         </p:spPr>
         <p:txBody>
-          <a:bodyPr lIns="0" rIns="0" tIns="0" bIns="0">
+          <a:bodyPr lIns="0" tIns="0" rIns="0" bIns="0">
             <a:normAutofit/>
           </a:bodyPr>
-          <a:p>
-            <a:endParaRPr b="1" lang="en-US" sz="3200" spc="-1" strike="noStrike">
-              <a:solidFill>
-                <a:srgbClr val="2c3e50"/>
+          <a:lstStyle/>
+          <a:p>
+            <a:endParaRPr lang="en-US" sz="3200" b="1" strike="noStrike" spc="-1">
+              <a:solidFill>
+                <a:srgbClr val="2C3E50"/>
               </a:solidFill>
               <a:latin typeface="Source Sans Pro Semibold"/>
             </a:endParaRPr>
@@ -449,13 +567,14 @@
           </a:prstGeom>
         </p:spPr>
         <p:txBody>
-          <a:bodyPr lIns="0" rIns="0" tIns="0" bIns="0">
+          <a:bodyPr lIns="0" tIns="0" rIns="0" bIns="0">
             <a:normAutofit/>
           </a:bodyPr>
-          <a:p>
-            <a:endParaRPr b="1" lang="en-US" sz="3200" spc="-1" strike="noStrike">
-              <a:solidFill>
-                <a:srgbClr val="2c3e50"/>
+          <a:lstStyle/>
+          <a:p>
+            <a:endParaRPr lang="en-US" sz="3200" b="1" strike="noStrike" spc="-1">
+              <a:solidFill>
+                <a:srgbClr val="2C3E50"/>
               </a:solidFill>
               <a:latin typeface="Source Sans Pro Semibold"/>
             </a:endParaRPr>
@@ -482,13 +601,14 @@
           </a:prstGeom>
         </p:spPr>
         <p:txBody>
-          <a:bodyPr lIns="0" rIns="0" tIns="0" bIns="0">
+          <a:bodyPr lIns="0" tIns="0" rIns="0" bIns="0">
             <a:normAutofit/>
           </a:bodyPr>
-          <a:p>
-            <a:endParaRPr b="1" lang="en-US" sz="3200" spc="-1" strike="noStrike">
-              <a:solidFill>
-                <a:srgbClr val="2c3e50"/>
+          <a:lstStyle/>
+          <a:p>
+            <a:endParaRPr lang="en-US" sz="3200" b="1" strike="noStrike" spc="-1">
+              <a:solidFill>
+                <a:srgbClr val="2C3E50"/>
               </a:solidFill>
               <a:latin typeface="Source Sans Pro Semibold"/>
             </a:endParaRPr>
@@ -515,13 +635,14 @@
           </a:prstGeom>
         </p:spPr>
         <p:txBody>
-          <a:bodyPr lIns="0" rIns="0" tIns="0" bIns="0">
+          <a:bodyPr lIns="0" tIns="0" rIns="0" bIns="0">
             <a:normAutofit/>
           </a:bodyPr>
-          <a:p>
-            <a:endParaRPr b="1" lang="en-US" sz="3200" spc="-1" strike="noStrike">
-              <a:solidFill>
-                <a:srgbClr val="2c3e50"/>
+          <a:lstStyle/>
+          <a:p>
+            <a:endParaRPr lang="en-US" sz="3200" b="1" strike="noStrike" spc="-1">
+              <a:solidFill>
+                <a:srgbClr val="2C3E50"/>
               </a:solidFill>
               <a:latin typeface="Source Sans Pro Semibold"/>
             </a:endParaRPr>
@@ -548,13 +669,14 @@
           </a:prstGeom>
         </p:spPr>
         <p:txBody>
-          <a:bodyPr lIns="0" rIns="0" tIns="0" bIns="0">
+          <a:bodyPr lIns="0" tIns="0" rIns="0" bIns="0">
             <a:normAutofit/>
           </a:bodyPr>
-          <a:p>
-            <a:endParaRPr b="1" lang="en-US" sz="3200" spc="-1" strike="noStrike">
-              <a:solidFill>
-                <a:srgbClr val="2c3e50"/>
+          <a:lstStyle/>
+          <a:p>
+            <a:endParaRPr lang="en-US" sz="3200" b="1" strike="noStrike" spc="-1">
+              <a:solidFill>
+                <a:srgbClr val="2C3E50"/>
               </a:solidFill>
               <a:latin typeface="Source Sans Pro Semibold"/>
             </a:endParaRPr>
@@ -581,13 +703,14 @@
           </a:prstGeom>
         </p:spPr>
         <p:txBody>
-          <a:bodyPr lIns="0" rIns="0" tIns="0" bIns="0">
+          <a:bodyPr lIns="0" tIns="0" rIns="0" bIns="0">
             <a:normAutofit/>
           </a:bodyPr>
-          <a:p>
-            <a:endParaRPr b="1" lang="en-US" sz="3200" spc="-1" strike="noStrike">
-              <a:solidFill>
-                <a:srgbClr val="2c3e50"/>
+          <a:lstStyle/>
+          <a:p>
+            <a:endParaRPr lang="en-US" sz="3200" b="1" strike="noStrike" spc="-1">
+              <a:solidFill>
+                <a:srgbClr val="2C3E50"/>
               </a:solidFill>
               <a:latin typeface="Source Sans Pro Semibold"/>
             </a:endParaRPr>
@@ -596,11 +719,14 @@
       </p:sp>
     </p:spTree>
   </p:cSld>
+  <p:clrMapOvr>
+    <a:masterClrMapping/>
+  </p:clrMapOvr>
 </p:sldLayout>
 </file>
 
 <file path=ppt/slideLayouts/slideLayout13.xml><?xml version="1.0" encoding="utf-8"?>
-<p:sldLayout xmlns:a="http://schemas.openxmlformats.org/drawingml/2006/main" xmlns:p="http://schemas.openxmlformats.org/presentationml/2006/main" xmlns:r="http://schemas.openxmlformats.org/officeDocument/2006/relationships" xmlns:p14="http://schemas.microsoft.com/office/powerpoint/2010/main" xmlns:p15="http://schemas.microsoft.com/office/powerpoint/2012/main" xmlns:mc="http://schemas.openxmlformats.org/markup-compatibility/2006" type="blank" preserve="1">
+<p:sldLayout xmlns:a="http://schemas.openxmlformats.org/drawingml/2006/main" xmlns:r="http://schemas.openxmlformats.org/officeDocument/2006/relationships" xmlns:p="http://schemas.openxmlformats.org/presentationml/2006/main" type="blank" preserve="1">
   <p:cSld name="Blank Slide">
     <p:spTree>
       <p:nvGrpSpPr>
@@ -618,11 +744,14 @@
       </p:grpSpPr>
     </p:spTree>
   </p:cSld>
+  <p:clrMapOvr>
+    <a:masterClrMapping/>
+  </p:clrMapOvr>
 </p:sldLayout>
 </file>
 
 <file path=ppt/slideLayouts/slideLayout14.xml><?xml version="1.0" encoding="utf-8"?>
-<p:sldLayout xmlns:a="http://schemas.openxmlformats.org/drawingml/2006/main" xmlns:p="http://schemas.openxmlformats.org/presentationml/2006/main" xmlns:r="http://schemas.openxmlformats.org/officeDocument/2006/relationships" xmlns:p14="http://schemas.microsoft.com/office/powerpoint/2010/main" xmlns:p15="http://schemas.microsoft.com/office/powerpoint/2012/main" xmlns:mc="http://schemas.openxmlformats.org/markup-compatibility/2006" type="tx" preserve="1">
+<p:sldLayout xmlns:a="http://schemas.openxmlformats.org/drawingml/2006/main" xmlns:r="http://schemas.openxmlformats.org/officeDocument/2006/relationships" xmlns:p="http://schemas.openxmlformats.org/presentationml/2006/main" type="tx" preserve="1">
   <p:cSld name="Title Slide">
     <p:spTree>
       <p:nvGrpSpPr>
@@ -658,12 +787,13 @@
           </a:prstGeom>
         </p:spPr>
         <p:txBody>
-          <a:bodyPr lIns="0" rIns="0" tIns="0" bIns="0" anchor="ctr"/>
+          <a:bodyPr lIns="0" tIns="0" rIns="0" bIns="0" anchor="ctr"/>
+          <a:lstStyle/>
           <a:p>
             <a:pPr algn="ctr"/>
-            <a:endParaRPr b="1" lang="en-US" sz="3600" spc="-1" strike="noStrike">
-              <a:solidFill>
-                <a:srgbClr val="ffffff"/>
+            <a:endParaRPr lang="en-US" sz="3600" b="1" strike="noStrike" spc="-1">
+              <a:solidFill>
+                <a:srgbClr val="FFFFFF"/>
               </a:solidFill>
               <a:latin typeface="Source Sans Pro Black"/>
             </a:endParaRPr>
@@ -690,12 +820,13 @@
           </a:prstGeom>
         </p:spPr>
         <p:txBody>
-          <a:bodyPr lIns="0" rIns="0" tIns="0" bIns="0" anchor="ctr"/>
+          <a:bodyPr lIns="0" tIns="0" rIns="0" bIns="0" anchor="ctr"/>
+          <a:lstStyle/>
           <a:p>
             <a:pPr algn="ctr"/>
-            <a:endParaRPr b="0" lang="en-US" sz="3200" spc="-1" strike="noStrike">
-              <a:solidFill>
-                <a:srgbClr val="2c3e50"/>
+            <a:endParaRPr lang="en-US" sz="3200" b="0" strike="noStrike" spc="-1">
+              <a:solidFill>
+                <a:srgbClr val="2C3E50"/>
               </a:solidFill>
               <a:latin typeface="Source Sans Pro"/>
             </a:endParaRPr>
@@ -704,11 +835,14 @@
       </p:sp>
     </p:spTree>
   </p:cSld>
+  <p:clrMapOvr>
+    <a:masterClrMapping/>
+  </p:clrMapOvr>
 </p:sldLayout>
 </file>
 
 <file path=ppt/slideLayouts/slideLayout15.xml><?xml version="1.0" encoding="utf-8"?>
-<p:sldLayout xmlns:a="http://schemas.openxmlformats.org/drawingml/2006/main" xmlns:p="http://schemas.openxmlformats.org/presentationml/2006/main" xmlns:r="http://schemas.openxmlformats.org/officeDocument/2006/relationships" xmlns:p14="http://schemas.microsoft.com/office/powerpoint/2010/main" xmlns:p15="http://schemas.microsoft.com/office/powerpoint/2012/main" xmlns:mc="http://schemas.openxmlformats.org/markup-compatibility/2006" type="obj" preserve="1">
+<p:sldLayout xmlns:a="http://schemas.openxmlformats.org/drawingml/2006/main" xmlns:r="http://schemas.openxmlformats.org/officeDocument/2006/relationships" xmlns:p="http://schemas.openxmlformats.org/presentationml/2006/main" type="obj" preserve="1">
   <p:cSld name="Title, Content">
     <p:spTree>
       <p:nvGrpSpPr>
@@ -744,12 +878,13 @@
           </a:prstGeom>
         </p:spPr>
         <p:txBody>
-          <a:bodyPr lIns="0" rIns="0" tIns="0" bIns="0" anchor="ctr"/>
+          <a:bodyPr lIns="0" tIns="0" rIns="0" bIns="0" anchor="ctr"/>
+          <a:lstStyle/>
           <a:p>
             <a:pPr algn="ctr"/>
-            <a:endParaRPr b="1" lang="en-US" sz="3600" spc="-1" strike="noStrike">
-              <a:solidFill>
-                <a:srgbClr val="ffffff"/>
+            <a:endParaRPr lang="en-US" sz="3600" b="1" strike="noStrike" spc="-1">
+              <a:solidFill>
+                <a:srgbClr val="FFFFFF"/>
               </a:solidFill>
               <a:latin typeface="Source Sans Pro Black"/>
             </a:endParaRPr>
@@ -776,13 +911,14 @@
           </a:prstGeom>
         </p:spPr>
         <p:txBody>
-          <a:bodyPr lIns="0" rIns="0" tIns="0" bIns="0">
+          <a:bodyPr lIns="0" tIns="0" rIns="0" bIns="0">
             <a:normAutofit/>
           </a:bodyPr>
-          <a:p>
-            <a:endParaRPr b="1" lang="en-US" sz="3200" spc="-1" strike="noStrike">
-              <a:solidFill>
-                <a:srgbClr val="2c3e50"/>
+          <a:lstStyle/>
+          <a:p>
+            <a:endParaRPr lang="en-US" sz="3200" b="1" strike="noStrike" spc="-1">
+              <a:solidFill>
+                <a:srgbClr val="2C3E50"/>
               </a:solidFill>
               <a:latin typeface="Source Sans Pro Semibold"/>
             </a:endParaRPr>
@@ -791,11 +927,14 @@
       </p:sp>
     </p:spTree>
   </p:cSld>
+  <p:clrMapOvr>
+    <a:masterClrMapping/>
+  </p:clrMapOvr>
 </p:sldLayout>
 </file>
 
 <file path=ppt/slideLayouts/slideLayout16.xml><?xml version="1.0" encoding="utf-8"?>
-<p:sldLayout xmlns:a="http://schemas.openxmlformats.org/drawingml/2006/main" xmlns:p="http://schemas.openxmlformats.org/presentationml/2006/main" xmlns:r="http://schemas.openxmlformats.org/officeDocument/2006/relationships" xmlns:p14="http://schemas.microsoft.com/office/powerpoint/2010/main" xmlns:p15="http://schemas.microsoft.com/office/powerpoint/2012/main" xmlns:mc="http://schemas.openxmlformats.org/markup-compatibility/2006" type="twoObj" preserve="1">
+<p:sldLayout xmlns:a="http://schemas.openxmlformats.org/drawingml/2006/main" xmlns:r="http://schemas.openxmlformats.org/officeDocument/2006/relationships" xmlns:p="http://schemas.openxmlformats.org/presentationml/2006/main" type="twoObj" preserve="1">
   <p:cSld name="Title, 2 Content">
     <p:spTree>
       <p:nvGrpSpPr>
@@ -831,12 +970,13 @@
           </a:prstGeom>
         </p:spPr>
         <p:txBody>
-          <a:bodyPr lIns="0" rIns="0" tIns="0" bIns="0" anchor="ctr"/>
+          <a:bodyPr lIns="0" tIns="0" rIns="0" bIns="0" anchor="ctr"/>
+          <a:lstStyle/>
           <a:p>
             <a:pPr algn="ctr"/>
-            <a:endParaRPr b="1" lang="en-US" sz="3600" spc="-1" strike="noStrike">
-              <a:solidFill>
-                <a:srgbClr val="ffffff"/>
+            <a:endParaRPr lang="en-US" sz="3600" b="1" strike="noStrike" spc="-1">
+              <a:solidFill>
+                <a:srgbClr val="FFFFFF"/>
               </a:solidFill>
               <a:latin typeface="Source Sans Pro Black"/>
             </a:endParaRPr>
@@ -863,13 +1003,14 @@
           </a:prstGeom>
         </p:spPr>
         <p:txBody>
-          <a:bodyPr lIns="0" rIns="0" tIns="0" bIns="0">
+          <a:bodyPr lIns="0" tIns="0" rIns="0" bIns="0">
             <a:normAutofit/>
           </a:bodyPr>
-          <a:p>
-            <a:endParaRPr b="1" lang="en-US" sz="3200" spc="-1" strike="noStrike">
-              <a:solidFill>
-                <a:srgbClr val="2c3e50"/>
+          <a:lstStyle/>
+          <a:p>
+            <a:endParaRPr lang="en-US" sz="3200" b="1" strike="noStrike" spc="-1">
+              <a:solidFill>
+                <a:srgbClr val="2C3E50"/>
               </a:solidFill>
               <a:latin typeface="Source Sans Pro Semibold"/>
             </a:endParaRPr>
@@ -896,13 +1037,14 @@
           </a:prstGeom>
         </p:spPr>
         <p:txBody>
-          <a:bodyPr lIns="0" rIns="0" tIns="0" bIns="0">
+          <a:bodyPr lIns="0" tIns="0" rIns="0" bIns="0">
             <a:normAutofit/>
           </a:bodyPr>
-          <a:p>
-            <a:endParaRPr b="1" lang="en-US" sz="3200" spc="-1" strike="noStrike">
-              <a:solidFill>
-                <a:srgbClr val="2c3e50"/>
+          <a:lstStyle/>
+          <a:p>
+            <a:endParaRPr lang="en-US" sz="3200" b="1" strike="noStrike" spc="-1">
+              <a:solidFill>
+                <a:srgbClr val="2C3E50"/>
               </a:solidFill>
               <a:latin typeface="Source Sans Pro Semibold"/>
             </a:endParaRPr>
@@ -911,11 +1053,14 @@
       </p:sp>
     </p:spTree>
   </p:cSld>
+  <p:clrMapOvr>
+    <a:masterClrMapping/>
+  </p:clrMapOvr>
 </p:sldLayout>
 </file>
 
 <file path=ppt/slideLayouts/slideLayout17.xml><?xml version="1.0" encoding="utf-8"?>
-<p:sldLayout xmlns:a="http://schemas.openxmlformats.org/drawingml/2006/main" xmlns:p="http://schemas.openxmlformats.org/presentationml/2006/main" xmlns:r="http://schemas.openxmlformats.org/officeDocument/2006/relationships" xmlns:p14="http://schemas.microsoft.com/office/powerpoint/2010/main" xmlns:p15="http://schemas.microsoft.com/office/powerpoint/2012/main" xmlns:mc="http://schemas.openxmlformats.org/markup-compatibility/2006" type="titleOnly" preserve="1">
+<p:sldLayout xmlns:a="http://schemas.openxmlformats.org/drawingml/2006/main" xmlns:r="http://schemas.openxmlformats.org/officeDocument/2006/relationships" xmlns:p="http://schemas.openxmlformats.org/presentationml/2006/main" type="titleOnly" preserve="1">
   <p:cSld name="Title Only">
     <p:spTree>
       <p:nvGrpSpPr>
@@ -951,12 +1096,13 @@
           </a:prstGeom>
         </p:spPr>
         <p:txBody>
-          <a:bodyPr lIns="0" rIns="0" tIns="0" bIns="0" anchor="ctr"/>
+          <a:bodyPr lIns="0" tIns="0" rIns="0" bIns="0" anchor="ctr"/>
+          <a:lstStyle/>
           <a:p>
             <a:pPr algn="ctr"/>
-            <a:endParaRPr b="1" lang="en-US" sz="3600" spc="-1" strike="noStrike">
-              <a:solidFill>
-                <a:srgbClr val="ffffff"/>
+            <a:endParaRPr lang="en-US" sz="3600" b="1" strike="noStrike" spc="-1">
+              <a:solidFill>
+                <a:srgbClr val="FFFFFF"/>
               </a:solidFill>
               <a:latin typeface="Source Sans Pro Black"/>
             </a:endParaRPr>
@@ -965,11 +1111,14 @@
       </p:sp>
     </p:spTree>
   </p:cSld>
+  <p:clrMapOvr>
+    <a:masterClrMapping/>
+  </p:clrMapOvr>
 </p:sldLayout>
 </file>
 
 <file path=ppt/slideLayouts/slideLayout18.xml><?xml version="1.0" encoding="utf-8"?>
-<p:sldLayout xmlns:a="http://schemas.openxmlformats.org/drawingml/2006/main" xmlns:p="http://schemas.openxmlformats.org/presentationml/2006/main" xmlns:r="http://schemas.openxmlformats.org/officeDocument/2006/relationships" xmlns:p14="http://schemas.microsoft.com/office/powerpoint/2010/main" xmlns:p15="http://schemas.microsoft.com/office/powerpoint/2012/main" xmlns:mc="http://schemas.openxmlformats.org/markup-compatibility/2006" type="objOnly" preserve="1">
+<p:sldLayout xmlns:a="http://schemas.openxmlformats.org/drawingml/2006/main" xmlns:r="http://schemas.openxmlformats.org/officeDocument/2006/relationships" xmlns:p="http://schemas.openxmlformats.org/presentationml/2006/main" type="objOnly" preserve="1">
   <p:cSld name="Centered Text">
     <p:spTree>
       <p:nvGrpSpPr>
@@ -1005,12 +1154,13 @@
           </a:prstGeom>
         </p:spPr>
         <p:txBody>
-          <a:bodyPr lIns="0" rIns="0" tIns="0" bIns="0" anchor="ctr"/>
+          <a:bodyPr lIns="0" tIns="0" rIns="0" bIns="0" anchor="ctr"/>
+          <a:lstStyle/>
           <a:p>
             <a:pPr algn="ctr"/>
-            <a:endParaRPr b="0" lang="en-US" sz="3200" spc="-1" strike="noStrike">
-              <a:solidFill>
-                <a:srgbClr val="2c3e50"/>
+            <a:endParaRPr lang="en-US" sz="3200" b="0" strike="noStrike" spc="-1">
+              <a:solidFill>
+                <a:srgbClr val="2C3E50"/>
               </a:solidFill>
               <a:latin typeface="Source Sans Pro"/>
             </a:endParaRPr>
@@ -1019,11 +1169,14 @@
       </p:sp>
     </p:spTree>
   </p:cSld>
+  <p:clrMapOvr>
+    <a:masterClrMapping/>
+  </p:clrMapOvr>
 </p:sldLayout>
 </file>
 
 <file path=ppt/slideLayouts/slideLayout19.xml><?xml version="1.0" encoding="utf-8"?>
-<p:sldLayout xmlns:a="http://schemas.openxmlformats.org/drawingml/2006/main" xmlns:p="http://schemas.openxmlformats.org/presentationml/2006/main" xmlns:r="http://schemas.openxmlformats.org/officeDocument/2006/relationships" xmlns:p14="http://schemas.microsoft.com/office/powerpoint/2010/main" xmlns:p15="http://schemas.microsoft.com/office/powerpoint/2012/main" xmlns:mc="http://schemas.openxmlformats.org/markup-compatibility/2006" type="twoObjAndObj" preserve="1">
+<p:sldLayout xmlns:a="http://schemas.openxmlformats.org/drawingml/2006/main" xmlns:r="http://schemas.openxmlformats.org/officeDocument/2006/relationships" xmlns:p="http://schemas.openxmlformats.org/presentationml/2006/main" type="twoObjAndObj" preserve="1">
   <p:cSld name="Title, 2 Content and Content">
     <p:spTree>
       <p:nvGrpSpPr>
@@ -1059,12 +1212,13 @@
           </a:prstGeom>
         </p:spPr>
         <p:txBody>
-          <a:bodyPr lIns="0" rIns="0" tIns="0" bIns="0" anchor="ctr"/>
+          <a:bodyPr lIns="0" tIns="0" rIns="0" bIns="0" anchor="ctr"/>
+          <a:lstStyle/>
           <a:p>
             <a:pPr algn="ctr"/>
-            <a:endParaRPr b="1" lang="en-US" sz="3600" spc="-1" strike="noStrike">
-              <a:solidFill>
-                <a:srgbClr val="ffffff"/>
+            <a:endParaRPr lang="en-US" sz="3600" b="1" strike="noStrike" spc="-1">
+              <a:solidFill>
+                <a:srgbClr val="FFFFFF"/>
               </a:solidFill>
               <a:latin typeface="Source Sans Pro Black"/>
             </a:endParaRPr>
@@ -1091,13 +1245,14 @@
           </a:prstGeom>
         </p:spPr>
         <p:txBody>
-          <a:bodyPr lIns="0" rIns="0" tIns="0" bIns="0">
+          <a:bodyPr lIns="0" tIns="0" rIns="0" bIns="0">
             <a:normAutofit/>
           </a:bodyPr>
-          <a:p>
-            <a:endParaRPr b="1" lang="en-US" sz="3200" spc="-1" strike="noStrike">
-              <a:solidFill>
-                <a:srgbClr val="2c3e50"/>
+          <a:lstStyle/>
+          <a:p>
+            <a:endParaRPr lang="en-US" sz="3200" b="1" strike="noStrike" spc="-1">
+              <a:solidFill>
+                <a:srgbClr val="2C3E50"/>
               </a:solidFill>
               <a:latin typeface="Source Sans Pro Semibold"/>
             </a:endParaRPr>
@@ -1124,13 +1279,14 @@
           </a:prstGeom>
         </p:spPr>
         <p:txBody>
-          <a:bodyPr lIns="0" rIns="0" tIns="0" bIns="0">
+          <a:bodyPr lIns="0" tIns="0" rIns="0" bIns="0">
             <a:normAutofit/>
           </a:bodyPr>
-          <a:p>
-            <a:endParaRPr b="1" lang="en-US" sz="3200" spc="-1" strike="noStrike">
-              <a:solidFill>
-                <a:srgbClr val="2c3e50"/>
+          <a:lstStyle/>
+          <a:p>
+            <a:endParaRPr lang="en-US" sz="3200" b="1" strike="noStrike" spc="-1">
+              <a:solidFill>
+                <a:srgbClr val="2C3E50"/>
               </a:solidFill>
               <a:latin typeface="Source Sans Pro Semibold"/>
             </a:endParaRPr>
@@ -1157,13 +1313,14 @@
           </a:prstGeom>
         </p:spPr>
         <p:txBody>
-          <a:bodyPr lIns="0" rIns="0" tIns="0" bIns="0">
+          <a:bodyPr lIns="0" tIns="0" rIns="0" bIns="0">
             <a:normAutofit/>
           </a:bodyPr>
-          <a:p>
-            <a:endParaRPr b="1" lang="en-US" sz="3200" spc="-1" strike="noStrike">
-              <a:solidFill>
-                <a:srgbClr val="2c3e50"/>
+          <a:lstStyle/>
+          <a:p>
+            <a:endParaRPr lang="en-US" sz="3200" b="1" strike="noStrike" spc="-1">
+              <a:solidFill>
+                <a:srgbClr val="2C3E50"/>
               </a:solidFill>
               <a:latin typeface="Source Sans Pro Semibold"/>
             </a:endParaRPr>
@@ -1172,11 +1329,14 @@
       </p:sp>
     </p:spTree>
   </p:cSld>
+  <p:clrMapOvr>
+    <a:masterClrMapping/>
+  </p:clrMapOvr>
 </p:sldLayout>
 </file>
 
 <file path=ppt/slideLayouts/slideLayout2.xml><?xml version="1.0" encoding="utf-8"?>
-<p:sldLayout xmlns:a="http://schemas.openxmlformats.org/drawingml/2006/main" xmlns:p="http://schemas.openxmlformats.org/presentationml/2006/main" xmlns:r="http://schemas.openxmlformats.org/officeDocument/2006/relationships" xmlns:p14="http://schemas.microsoft.com/office/powerpoint/2010/main" xmlns:p15="http://schemas.microsoft.com/office/powerpoint/2012/main" xmlns:mc="http://schemas.openxmlformats.org/markup-compatibility/2006" type="tx" preserve="1">
+<p:sldLayout xmlns:a="http://schemas.openxmlformats.org/drawingml/2006/main" xmlns:r="http://schemas.openxmlformats.org/officeDocument/2006/relationships" xmlns:p="http://schemas.openxmlformats.org/presentationml/2006/main" type="tx" preserve="1">
   <p:cSld name="Title Slide">
     <p:spTree>
       <p:nvGrpSpPr>
@@ -1212,12 +1372,13 @@
           </a:prstGeom>
         </p:spPr>
         <p:txBody>
-          <a:bodyPr lIns="0" rIns="0" tIns="0" bIns="0" anchor="ctr"/>
+          <a:bodyPr lIns="0" tIns="0" rIns="0" bIns="0" anchor="ctr"/>
+          <a:lstStyle/>
           <a:p>
             <a:pPr algn="ctr"/>
-            <a:endParaRPr b="1" lang="en-US" sz="3600" spc="-1" strike="noStrike">
-              <a:solidFill>
-                <a:srgbClr val="ffffff"/>
+            <a:endParaRPr lang="en-US" sz="3600" b="1" strike="noStrike" spc="-1">
+              <a:solidFill>
+                <a:srgbClr val="FFFFFF"/>
               </a:solidFill>
               <a:latin typeface="Source Sans Pro Black"/>
             </a:endParaRPr>
@@ -1244,12 +1405,13 @@
           </a:prstGeom>
         </p:spPr>
         <p:txBody>
-          <a:bodyPr lIns="0" rIns="0" tIns="0" bIns="0" anchor="ctr"/>
+          <a:bodyPr lIns="0" tIns="0" rIns="0" bIns="0" anchor="ctr"/>
+          <a:lstStyle/>
           <a:p>
             <a:pPr algn="ctr"/>
-            <a:endParaRPr b="0" lang="en-US" sz="3200" spc="-1" strike="noStrike">
-              <a:solidFill>
-                <a:srgbClr val="2c3e50"/>
+            <a:endParaRPr lang="en-US" sz="3200" b="0" strike="noStrike" spc="-1">
+              <a:solidFill>
+                <a:srgbClr val="2C3E50"/>
               </a:solidFill>
               <a:latin typeface="Source Sans Pro"/>
             </a:endParaRPr>
@@ -1258,11 +1420,14 @@
       </p:sp>
     </p:spTree>
   </p:cSld>
+  <p:clrMapOvr>
+    <a:masterClrMapping/>
+  </p:clrMapOvr>
 </p:sldLayout>
 </file>
 
 <file path=ppt/slideLayouts/slideLayout20.xml><?xml version="1.0" encoding="utf-8"?>
-<p:sldLayout xmlns:a="http://schemas.openxmlformats.org/drawingml/2006/main" xmlns:p="http://schemas.openxmlformats.org/presentationml/2006/main" xmlns:r="http://schemas.openxmlformats.org/officeDocument/2006/relationships" xmlns:p14="http://schemas.microsoft.com/office/powerpoint/2010/main" xmlns:p15="http://schemas.microsoft.com/office/powerpoint/2012/main" xmlns:mc="http://schemas.openxmlformats.org/markup-compatibility/2006" type="objAndTwoObj" preserve="1">
+<p:sldLayout xmlns:a="http://schemas.openxmlformats.org/drawingml/2006/main" xmlns:r="http://schemas.openxmlformats.org/officeDocument/2006/relationships" xmlns:p="http://schemas.openxmlformats.org/presentationml/2006/main" type="objAndTwoObj" preserve="1">
   <p:cSld name="Title Content and 2 Content">
     <p:spTree>
       <p:nvGrpSpPr>
@@ -1298,12 +1463,13 @@
           </a:prstGeom>
         </p:spPr>
         <p:txBody>
-          <a:bodyPr lIns="0" rIns="0" tIns="0" bIns="0" anchor="ctr"/>
+          <a:bodyPr lIns="0" tIns="0" rIns="0" bIns="0" anchor="ctr"/>
+          <a:lstStyle/>
           <a:p>
             <a:pPr algn="ctr"/>
-            <a:endParaRPr b="1" lang="en-US" sz="3600" spc="-1" strike="noStrike">
-              <a:solidFill>
-                <a:srgbClr val="ffffff"/>
+            <a:endParaRPr lang="en-US" sz="3600" b="1" strike="noStrike" spc="-1">
+              <a:solidFill>
+                <a:srgbClr val="FFFFFF"/>
               </a:solidFill>
               <a:latin typeface="Source Sans Pro Black"/>
             </a:endParaRPr>
@@ -1330,13 +1496,14 @@
           </a:prstGeom>
         </p:spPr>
         <p:txBody>
-          <a:bodyPr lIns="0" rIns="0" tIns="0" bIns="0">
+          <a:bodyPr lIns="0" tIns="0" rIns="0" bIns="0">
             <a:normAutofit/>
           </a:bodyPr>
-          <a:p>
-            <a:endParaRPr b="1" lang="en-US" sz="3200" spc="-1" strike="noStrike">
-              <a:solidFill>
-                <a:srgbClr val="2c3e50"/>
+          <a:lstStyle/>
+          <a:p>
+            <a:endParaRPr lang="en-US" sz="3200" b="1" strike="noStrike" spc="-1">
+              <a:solidFill>
+                <a:srgbClr val="2C3E50"/>
               </a:solidFill>
               <a:latin typeface="Source Sans Pro Semibold"/>
             </a:endParaRPr>
@@ -1363,13 +1530,14 @@
           </a:prstGeom>
         </p:spPr>
         <p:txBody>
-          <a:bodyPr lIns="0" rIns="0" tIns="0" bIns="0">
+          <a:bodyPr lIns="0" tIns="0" rIns="0" bIns="0">
             <a:normAutofit/>
           </a:bodyPr>
-          <a:p>
-            <a:endParaRPr b="1" lang="en-US" sz="3200" spc="-1" strike="noStrike">
-              <a:solidFill>
-                <a:srgbClr val="2c3e50"/>
+          <a:lstStyle/>
+          <a:p>
+            <a:endParaRPr lang="en-US" sz="3200" b="1" strike="noStrike" spc="-1">
+              <a:solidFill>
+                <a:srgbClr val="2C3E50"/>
               </a:solidFill>
               <a:latin typeface="Source Sans Pro Semibold"/>
             </a:endParaRPr>
@@ -1396,13 +1564,14 @@
           </a:prstGeom>
         </p:spPr>
         <p:txBody>
-          <a:bodyPr lIns="0" rIns="0" tIns="0" bIns="0">
+          <a:bodyPr lIns="0" tIns="0" rIns="0" bIns="0">
             <a:normAutofit/>
           </a:bodyPr>
-          <a:p>
-            <a:endParaRPr b="1" lang="en-US" sz="3200" spc="-1" strike="noStrike">
-              <a:solidFill>
-                <a:srgbClr val="2c3e50"/>
+          <a:lstStyle/>
+          <a:p>
+            <a:endParaRPr lang="en-US" sz="3200" b="1" strike="noStrike" spc="-1">
+              <a:solidFill>
+                <a:srgbClr val="2C3E50"/>
               </a:solidFill>
               <a:latin typeface="Source Sans Pro Semibold"/>
             </a:endParaRPr>
@@ -1411,11 +1580,14 @@
       </p:sp>
     </p:spTree>
   </p:cSld>
+  <p:clrMapOvr>
+    <a:masterClrMapping/>
+  </p:clrMapOvr>
 </p:sldLayout>
 </file>
 
 <file path=ppt/slideLayouts/slideLayout21.xml><?xml version="1.0" encoding="utf-8"?>
-<p:sldLayout xmlns:a="http://schemas.openxmlformats.org/drawingml/2006/main" xmlns:p="http://schemas.openxmlformats.org/presentationml/2006/main" xmlns:r="http://schemas.openxmlformats.org/officeDocument/2006/relationships" xmlns:p14="http://schemas.microsoft.com/office/powerpoint/2010/main" xmlns:p15="http://schemas.microsoft.com/office/powerpoint/2012/main" xmlns:mc="http://schemas.openxmlformats.org/markup-compatibility/2006" type="twoObjOverTx" preserve="1">
+<p:sldLayout xmlns:a="http://schemas.openxmlformats.org/drawingml/2006/main" xmlns:r="http://schemas.openxmlformats.org/officeDocument/2006/relationships" xmlns:p="http://schemas.openxmlformats.org/presentationml/2006/main" type="twoObjOverTx" preserve="1">
   <p:cSld name="Title, 2 Content over Content">
     <p:spTree>
       <p:nvGrpSpPr>
@@ -1451,12 +1623,13 @@
           </a:prstGeom>
         </p:spPr>
         <p:txBody>
-          <a:bodyPr lIns="0" rIns="0" tIns="0" bIns="0" anchor="ctr"/>
+          <a:bodyPr lIns="0" tIns="0" rIns="0" bIns="0" anchor="ctr"/>
+          <a:lstStyle/>
           <a:p>
             <a:pPr algn="ctr"/>
-            <a:endParaRPr b="1" lang="en-US" sz="3600" spc="-1" strike="noStrike">
-              <a:solidFill>
-                <a:srgbClr val="ffffff"/>
+            <a:endParaRPr lang="en-US" sz="3600" b="1" strike="noStrike" spc="-1">
+              <a:solidFill>
+                <a:srgbClr val="FFFFFF"/>
               </a:solidFill>
               <a:latin typeface="Source Sans Pro Black"/>
             </a:endParaRPr>
@@ -1483,13 +1656,14 @@
           </a:prstGeom>
         </p:spPr>
         <p:txBody>
-          <a:bodyPr lIns="0" rIns="0" tIns="0" bIns="0">
+          <a:bodyPr lIns="0" tIns="0" rIns="0" bIns="0">
             <a:normAutofit/>
           </a:bodyPr>
-          <a:p>
-            <a:endParaRPr b="1" lang="en-US" sz="3200" spc="-1" strike="noStrike">
-              <a:solidFill>
-                <a:srgbClr val="2c3e50"/>
+          <a:lstStyle/>
+          <a:p>
+            <a:endParaRPr lang="en-US" sz="3200" b="1" strike="noStrike" spc="-1">
+              <a:solidFill>
+                <a:srgbClr val="2C3E50"/>
               </a:solidFill>
               <a:latin typeface="Source Sans Pro Semibold"/>
             </a:endParaRPr>
@@ -1516,13 +1690,14 @@
           </a:prstGeom>
         </p:spPr>
         <p:txBody>
-          <a:bodyPr lIns="0" rIns="0" tIns="0" bIns="0">
+          <a:bodyPr lIns="0" tIns="0" rIns="0" bIns="0">
             <a:normAutofit/>
           </a:bodyPr>
-          <a:p>
-            <a:endParaRPr b="1" lang="en-US" sz="3200" spc="-1" strike="noStrike">
-              <a:solidFill>
-                <a:srgbClr val="2c3e50"/>
+          <a:lstStyle/>
+          <a:p>
+            <a:endParaRPr lang="en-US" sz="3200" b="1" strike="noStrike" spc="-1">
+              <a:solidFill>
+                <a:srgbClr val="2C3E50"/>
               </a:solidFill>
               <a:latin typeface="Source Sans Pro Semibold"/>
             </a:endParaRPr>
@@ -1549,13 +1724,14 @@
           </a:prstGeom>
         </p:spPr>
         <p:txBody>
-          <a:bodyPr lIns="0" rIns="0" tIns="0" bIns="0">
+          <a:bodyPr lIns="0" tIns="0" rIns="0" bIns="0">
             <a:normAutofit/>
           </a:bodyPr>
-          <a:p>
-            <a:endParaRPr b="1" lang="en-US" sz="3200" spc="-1" strike="noStrike">
-              <a:solidFill>
-                <a:srgbClr val="2c3e50"/>
+          <a:lstStyle/>
+          <a:p>
+            <a:endParaRPr lang="en-US" sz="3200" b="1" strike="noStrike" spc="-1">
+              <a:solidFill>
+                <a:srgbClr val="2C3E50"/>
               </a:solidFill>
               <a:latin typeface="Source Sans Pro Semibold"/>
             </a:endParaRPr>
@@ -1564,11 +1740,14 @@
       </p:sp>
     </p:spTree>
   </p:cSld>
+  <p:clrMapOvr>
+    <a:masterClrMapping/>
+  </p:clrMapOvr>
 </p:sldLayout>
 </file>
 
 <file path=ppt/slideLayouts/slideLayout22.xml><?xml version="1.0" encoding="utf-8"?>
-<p:sldLayout xmlns:a="http://schemas.openxmlformats.org/drawingml/2006/main" xmlns:p="http://schemas.openxmlformats.org/presentationml/2006/main" xmlns:r="http://schemas.openxmlformats.org/officeDocument/2006/relationships" xmlns:p14="http://schemas.microsoft.com/office/powerpoint/2010/main" xmlns:p15="http://schemas.microsoft.com/office/powerpoint/2012/main" xmlns:mc="http://schemas.openxmlformats.org/markup-compatibility/2006" type="objOverTx" preserve="1">
+<p:sldLayout xmlns:a="http://schemas.openxmlformats.org/drawingml/2006/main" xmlns:r="http://schemas.openxmlformats.org/officeDocument/2006/relationships" xmlns:p="http://schemas.openxmlformats.org/presentationml/2006/main" type="objOverTx" preserve="1">
   <p:cSld name="Title, Content over Content">
     <p:spTree>
       <p:nvGrpSpPr>
@@ -1604,12 +1783,13 @@
           </a:prstGeom>
         </p:spPr>
         <p:txBody>
-          <a:bodyPr lIns="0" rIns="0" tIns="0" bIns="0" anchor="ctr"/>
+          <a:bodyPr lIns="0" tIns="0" rIns="0" bIns="0" anchor="ctr"/>
+          <a:lstStyle/>
           <a:p>
             <a:pPr algn="ctr"/>
-            <a:endParaRPr b="1" lang="en-US" sz="3600" spc="-1" strike="noStrike">
-              <a:solidFill>
-                <a:srgbClr val="ffffff"/>
+            <a:endParaRPr lang="en-US" sz="3600" b="1" strike="noStrike" spc="-1">
+              <a:solidFill>
+                <a:srgbClr val="FFFFFF"/>
               </a:solidFill>
               <a:latin typeface="Source Sans Pro Black"/>
             </a:endParaRPr>
@@ -1636,13 +1816,14 @@
           </a:prstGeom>
         </p:spPr>
         <p:txBody>
-          <a:bodyPr lIns="0" rIns="0" tIns="0" bIns="0">
+          <a:bodyPr lIns="0" tIns="0" rIns="0" bIns="0">
             <a:normAutofit/>
           </a:bodyPr>
-          <a:p>
-            <a:endParaRPr b="1" lang="en-US" sz="3200" spc="-1" strike="noStrike">
-              <a:solidFill>
-                <a:srgbClr val="2c3e50"/>
+          <a:lstStyle/>
+          <a:p>
+            <a:endParaRPr lang="en-US" sz="3200" b="1" strike="noStrike" spc="-1">
+              <a:solidFill>
+                <a:srgbClr val="2C3E50"/>
               </a:solidFill>
               <a:latin typeface="Source Sans Pro Semibold"/>
             </a:endParaRPr>
@@ -1669,13 +1850,14 @@
           </a:prstGeom>
         </p:spPr>
         <p:txBody>
-          <a:bodyPr lIns="0" rIns="0" tIns="0" bIns="0">
+          <a:bodyPr lIns="0" tIns="0" rIns="0" bIns="0">
             <a:normAutofit/>
           </a:bodyPr>
-          <a:p>
-            <a:endParaRPr b="1" lang="en-US" sz="3200" spc="-1" strike="noStrike">
-              <a:solidFill>
-                <a:srgbClr val="2c3e50"/>
+          <a:lstStyle/>
+          <a:p>
+            <a:endParaRPr lang="en-US" sz="3200" b="1" strike="noStrike" spc="-1">
+              <a:solidFill>
+                <a:srgbClr val="2C3E50"/>
               </a:solidFill>
               <a:latin typeface="Source Sans Pro Semibold"/>
             </a:endParaRPr>
@@ -1684,11 +1866,14 @@
       </p:sp>
     </p:spTree>
   </p:cSld>
+  <p:clrMapOvr>
+    <a:masterClrMapping/>
+  </p:clrMapOvr>
 </p:sldLayout>
 </file>
 
 <file path=ppt/slideLayouts/slideLayout23.xml><?xml version="1.0" encoding="utf-8"?>
-<p:sldLayout xmlns:a="http://schemas.openxmlformats.org/drawingml/2006/main" xmlns:p="http://schemas.openxmlformats.org/presentationml/2006/main" xmlns:r="http://schemas.openxmlformats.org/officeDocument/2006/relationships" xmlns:p14="http://schemas.microsoft.com/office/powerpoint/2010/main" xmlns:p15="http://schemas.microsoft.com/office/powerpoint/2012/main" xmlns:mc="http://schemas.openxmlformats.org/markup-compatibility/2006" type="fourObj" preserve="1">
+<p:sldLayout xmlns:a="http://schemas.openxmlformats.org/drawingml/2006/main" xmlns:r="http://schemas.openxmlformats.org/officeDocument/2006/relationships" xmlns:p="http://schemas.openxmlformats.org/presentationml/2006/main" type="fourObj" preserve="1">
   <p:cSld name="Title, 4 Content">
     <p:spTree>
       <p:nvGrpSpPr>
@@ -1724,12 +1909,13 @@
           </a:prstGeom>
         </p:spPr>
         <p:txBody>
-          <a:bodyPr lIns="0" rIns="0" tIns="0" bIns="0" anchor="ctr"/>
+          <a:bodyPr lIns="0" tIns="0" rIns="0" bIns="0" anchor="ctr"/>
+          <a:lstStyle/>
           <a:p>
             <a:pPr algn="ctr"/>
-            <a:endParaRPr b="1" lang="en-US" sz="3600" spc="-1" strike="noStrike">
-              <a:solidFill>
-                <a:srgbClr val="ffffff"/>
+            <a:endParaRPr lang="en-US" sz="3600" b="1" strike="noStrike" spc="-1">
+              <a:solidFill>
+                <a:srgbClr val="FFFFFF"/>
               </a:solidFill>
               <a:latin typeface="Source Sans Pro Black"/>
             </a:endParaRPr>
@@ -1756,13 +1942,14 @@
           </a:prstGeom>
         </p:spPr>
         <p:txBody>
-          <a:bodyPr lIns="0" rIns="0" tIns="0" bIns="0">
+          <a:bodyPr lIns="0" tIns="0" rIns="0" bIns="0">
             <a:normAutofit/>
           </a:bodyPr>
-          <a:p>
-            <a:endParaRPr b="1" lang="en-US" sz="3200" spc="-1" strike="noStrike">
-              <a:solidFill>
-                <a:srgbClr val="2c3e50"/>
+          <a:lstStyle/>
+          <a:p>
+            <a:endParaRPr lang="en-US" sz="3200" b="1" strike="noStrike" spc="-1">
+              <a:solidFill>
+                <a:srgbClr val="2C3E50"/>
               </a:solidFill>
               <a:latin typeface="Source Sans Pro Semibold"/>
             </a:endParaRPr>
@@ -1789,13 +1976,14 @@
           </a:prstGeom>
         </p:spPr>
         <p:txBody>
-          <a:bodyPr lIns="0" rIns="0" tIns="0" bIns="0">
+          <a:bodyPr lIns="0" tIns="0" rIns="0" bIns="0">
             <a:normAutofit/>
           </a:bodyPr>
-          <a:p>
-            <a:endParaRPr b="1" lang="en-US" sz="3200" spc="-1" strike="noStrike">
-              <a:solidFill>
-                <a:srgbClr val="2c3e50"/>
+          <a:lstStyle/>
+          <a:p>
+            <a:endParaRPr lang="en-US" sz="3200" b="1" strike="noStrike" spc="-1">
+              <a:solidFill>
+                <a:srgbClr val="2C3E50"/>
               </a:solidFill>
               <a:latin typeface="Source Sans Pro Semibold"/>
             </a:endParaRPr>
@@ -1822,13 +2010,14 @@
           </a:prstGeom>
         </p:spPr>
         <p:txBody>
-          <a:bodyPr lIns="0" rIns="0" tIns="0" bIns="0">
+          <a:bodyPr lIns="0" tIns="0" rIns="0" bIns="0">
             <a:normAutofit/>
           </a:bodyPr>
-          <a:p>
-            <a:endParaRPr b="1" lang="en-US" sz="3200" spc="-1" strike="noStrike">
-              <a:solidFill>
-                <a:srgbClr val="2c3e50"/>
+          <a:lstStyle/>
+          <a:p>
+            <a:endParaRPr lang="en-US" sz="3200" b="1" strike="noStrike" spc="-1">
+              <a:solidFill>
+                <a:srgbClr val="2C3E50"/>
               </a:solidFill>
               <a:latin typeface="Source Sans Pro Semibold"/>
             </a:endParaRPr>
@@ -1855,13 +2044,14 @@
           </a:prstGeom>
         </p:spPr>
         <p:txBody>
-          <a:bodyPr lIns="0" rIns="0" tIns="0" bIns="0">
+          <a:bodyPr lIns="0" tIns="0" rIns="0" bIns="0">
             <a:normAutofit/>
           </a:bodyPr>
-          <a:p>
-            <a:endParaRPr b="1" lang="en-US" sz="3200" spc="-1" strike="noStrike">
-              <a:solidFill>
-                <a:srgbClr val="2c3e50"/>
+          <a:lstStyle/>
+          <a:p>
+            <a:endParaRPr lang="en-US" sz="3200" b="1" strike="noStrike" spc="-1">
+              <a:solidFill>
+                <a:srgbClr val="2C3E50"/>
               </a:solidFill>
               <a:latin typeface="Source Sans Pro Semibold"/>
             </a:endParaRPr>
@@ -1870,11 +2060,14 @@
       </p:sp>
     </p:spTree>
   </p:cSld>
+  <p:clrMapOvr>
+    <a:masterClrMapping/>
+  </p:clrMapOvr>
 </p:sldLayout>
 </file>
 
 <file path=ppt/slideLayouts/slideLayout24.xml><?xml version="1.0" encoding="utf-8"?>
-<p:sldLayout xmlns:a="http://schemas.openxmlformats.org/drawingml/2006/main" xmlns:p="http://schemas.openxmlformats.org/presentationml/2006/main" xmlns:r="http://schemas.openxmlformats.org/officeDocument/2006/relationships" xmlns:p14="http://schemas.microsoft.com/office/powerpoint/2010/main" xmlns:p15="http://schemas.microsoft.com/office/powerpoint/2012/main" xmlns:mc="http://schemas.openxmlformats.org/markup-compatibility/2006" type="blank" preserve="1">
+<p:sldLayout xmlns:a="http://schemas.openxmlformats.org/drawingml/2006/main" xmlns:r="http://schemas.openxmlformats.org/officeDocument/2006/relationships" xmlns:p="http://schemas.openxmlformats.org/presentationml/2006/main" type="blank" preserve="1">
   <p:cSld name="Title, 6 Content">
     <p:spTree>
       <p:nvGrpSpPr>
@@ -1910,12 +2103,13 @@
           </a:prstGeom>
         </p:spPr>
         <p:txBody>
-          <a:bodyPr lIns="0" rIns="0" tIns="0" bIns="0" anchor="ctr"/>
+          <a:bodyPr lIns="0" tIns="0" rIns="0" bIns="0" anchor="ctr"/>
+          <a:lstStyle/>
           <a:p>
             <a:pPr algn="ctr"/>
-            <a:endParaRPr b="1" lang="en-US" sz="3600" spc="-1" strike="noStrike">
-              <a:solidFill>
-                <a:srgbClr val="ffffff"/>
+            <a:endParaRPr lang="en-US" sz="3600" b="1" strike="noStrike" spc="-1">
+              <a:solidFill>
+                <a:srgbClr val="FFFFFF"/>
               </a:solidFill>
               <a:latin typeface="Source Sans Pro Black"/>
             </a:endParaRPr>
@@ -1942,13 +2136,14 @@
           </a:prstGeom>
         </p:spPr>
         <p:txBody>
-          <a:bodyPr lIns="0" rIns="0" tIns="0" bIns="0">
+          <a:bodyPr lIns="0" tIns="0" rIns="0" bIns="0">
             <a:normAutofit/>
           </a:bodyPr>
-          <a:p>
-            <a:endParaRPr b="1" lang="en-US" sz="3200" spc="-1" strike="noStrike">
-              <a:solidFill>
-                <a:srgbClr val="2c3e50"/>
+          <a:lstStyle/>
+          <a:p>
+            <a:endParaRPr lang="en-US" sz="3200" b="1" strike="noStrike" spc="-1">
+              <a:solidFill>
+                <a:srgbClr val="2C3E50"/>
               </a:solidFill>
               <a:latin typeface="Source Sans Pro Semibold"/>
             </a:endParaRPr>
@@ -1975,13 +2170,14 @@
           </a:prstGeom>
         </p:spPr>
         <p:txBody>
-          <a:bodyPr lIns="0" rIns="0" tIns="0" bIns="0">
+          <a:bodyPr lIns="0" tIns="0" rIns="0" bIns="0">
             <a:normAutofit/>
           </a:bodyPr>
-          <a:p>
-            <a:endParaRPr b="1" lang="en-US" sz="3200" spc="-1" strike="noStrike">
-              <a:solidFill>
-                <a:srgbClr val="2c3e50"/>
+          <a:lstStyle/>
+          <a:p>
+            <a:endParaRPr lang="en-US" sz="3200" b="1" strike="noStrike" spc="-1">
+              <a:solidFill>
+                <a:srgbClr val="2C3E50"/>
               </a:solidFill>
               <a:latin typeface="Source Sans Pro Semibold"/>
             </a:endParaRPr>
@@ -2008,13 +2204,14 @@
           </a:prstGeom>
         </p:spPr>
         <p:txBody>
-          <a:bodyPr lIns="0" rIns="0" tIns="0" bIns="0">
+          <a:bodyPr lIns="0" tIns="0" rIns="0" bIns="0">
             <a:normAutofit/>
           </a:bodyPr>
-          <a:p>
-            <a:endParaRPr b="1" lang="en-US" sz="3200" spc="-1" strike="noStrike">
-              <a:solidFill>
-                <a:srgbClr val="2c3e50"/>
+          <a:lstStyle/>
+          <a:p>
+            <a:endParaRPr lang="en-US" sz="3200" b="1" strike="noStrike" spc="-1">
+              <a:solidFill>
+                <a:srgbClr val="2C3E50"/>
               </a:solidFill>
               <a:latin typeface="Source Sans Pro Semibold"/>
             </a:endParaRPr>
@@ -2041,13 +2238,14 @@
           </a:prstGeom>
         </p:spPr>
         <p:txBody>
-          <a:bodyPr lIns="0" rIns="0" tIns="0" bIns="0">
+          <a:bodyPr lIns="0" tIns="0" rIns="0" bIns="0">
             <a:normAutofit/>
           </a:bodyPr>
-          <a:p>
-            <a:endParaRPr b="1" lang="en-US" sz="3200" spc="-1" strike="noStrike">
-              <a:solidFill>
-                <a:srgbClr val="2c3e50"/>
+          <a:lstStyle/>
+          <a:p>
+            <a:endParaRPr lang="en-US" sz="3200" b="1" strike="noStrike" spc="-1">
+              <a:solidFill>
+                <a:srgbClr val="2C3E50"/>
               </a:solidFill>
               <a:latin typeface="Source Sans Pro Semibold"/>
             </a:endParaRPr>
@@ -2074,13 +2272,14 @@
           </a:prstGeom>
         </p:spPr>
         <p:txBody>
-          <a:bodyPr lIns="0" rIns="0" tIns="0" bIns="0">
+          <a:bodyPr lIns="0" tIns="0" rIns="0" bIns="0">
             <a:normAutofit/>
           </a:bodyPr>
-          <a:p>
-            <a:endParaRPr b="1" lang="en-US" sz="3200" spc="-1" strike="noStrike">
-              <a:solidFill>
-                <a:srgbClr val="2c3e50"/>
+          <a:lstStyle/>
+          <a:p>
+            <a:endParaRPr lang="en-US" sz="3200" b="1" strike="noStrike" spc="-1">
+              <a:solidFill>
+                <a:srgbClr val="2C3E50"/>
               </a:solidFill>
               <a:latin typeface="Source Sans Pro Semibold"/>
             </a:endParaRPr>
@@ -2107,13 +2306,14 @@
           </a:prstGeom>
         </p:spPr>
         <p:txBody>
-          <a:bodyPr lIns="0" rIns="0" tIns="0" bIns="0">
+          <a:bodyPr lIns="0" tIns="0" rIns="0" bIns="0">
             <a:normAutofit/>
           </a:bodyPr>
-          <a:p>
-            <a:endParaRPr b="1" lang="en-US" sz="3200" spc="-1" strike="noStrike">
-              <a:solidFill>
-                <a:srgbClr val="2c3e50"/>
+          <a:lstStyle/>
+          <a:p>
+            <a:endParaRPr lang="en-US" sz="3200" b="1" strike="noStrike" spc="-1">
+              <a:solidFill>
+                <a:srgbClr val="2C3E50"/>
               </a:solidFill>
               <a:latin typeface="Source Sans Pro Semibold"/>
             </a:endParaRPr>
@@ -2122,11 +2322,14 @@
       </p:sp>
     </p:spTree>
   </p:cSld>
+  <p:clrMapOvr>
+    <a:masterClrMapping/>
+  </p:clrMapOvr>
 </p:sldLayout>
 </file>
 
 <file path=ppt/slideLayouts/slideLayout25.xml><?xml version="1.0" encoding="utf-8"?>
-<p:sldLayout xmlns:a="http://schemas.openxmlformats.org/drawingml/2006/main" xmlns:p="http://schemas.openxmlformats.org/presentationml/2006/main" xmlns:r="http://schemas.openxmlformats.org/officeDocument/2006/relationships" xmlns:p14="http://schemas.microsoft.com/office/powerpoint/2010/main" xmlns:p15="http://schemas.microsoft.com/office/powerpoint/2012/main" xmlns:mc="http://schemas.openxmlformats.org/markup-compatibility/2006" type="blank" preserve="1">
+<p:sldLayout xmlns:a="http://schemas.openxmlformats.org/drawingml/2006/main" xmlns:r="http://schemas.openxmlformats.org/officeDocument/2006/relationships" xmlns:p="http://schemas.openxmlformats.org/presentationml/2006/main" type="blank" preserve="1">
   <p:cSld name="Blank Slide">
     <p:spTree>
       <p:nvGrpSpPr>
@@ -2144,11 +2347,14 @@
       </p:grpSpPr>
     </p:spTree>
   </p:cSld>
+  <p:clrMapOvr>
+    <a:masterClrMapping/>
+  </p:clrMapOvr>
 </p:sldLayout>
 </file>
 
 <file path=ppt/slideLayouts/slideLayout26.xml><?xml version="1.0" encoding="utf-8"?>
-<p:sldLayout xmlns:a="http://schemas.openxmlformats.org/drawingml/2006/main" xmlns:p="http://schemas.openxmlformats.org/presentationml/2006/main" xmlns:r="http://schemas.openxmlformats.org/officeDocument/2006/relationships" xmlns:p14="http://schemas.microsoft.com/office/powerpoint/2010/main" xmlns:p15="http://schemas.microsoft.com/office/powerpoint/2012/main" xmlns:mc="http://schemas.openxmlformats.org/markup-compatibility/2006" type="tx" preserve="1">
+<p:sldLayout xmlns:a="http://schemas.openxmlformats.org/drawingml/2006/main" xmlns:r="http://schemas.openxmlformats.org/officeDocument/2006/relationships" xmlns:p="http://schemas.openxmlformats.org/presentationml/2006/main" type="tx" preserve="1">
   <p:cSld name="Title Slide">
     <p:spTree>
       <p:nvGrpSpPr>
@@ -2184,12 +2390,13 @@
           </a:prstGeom>
         </p:spPr>
         <p:txBody>
-          <a:bodyPr lIns="0" rIns="0" tIns="0" bIns="0" anchor="ctr"/>
+          <a:bodyPr lIns="0" tIns="0" rIns="0" bIns="0" anchor="ctr"/>
+          <a:lstStyle/>
           <a:p>
             <a:pPr algn="ctr"/>
-            <a:endParaRPr b="1" lang="en-US" sz="3600" spc="-1" strike="noStrike">
-              <a:solidFill>
-                <a:srgbClr val="ffffff"/>
+            <a:endParaRPr lang="en-US" sz="3600" b="1" strike="noStrike" spc="-1">
+              <a:solidFill>
+                <a:srgbClr val="FFFFFF"/>
               </a:solidFill>
               <a:latin typeface="Source Sans Pro Black"/>
             </a:endParaRPr>
@@ -2216,12 +2423,13 @@
           </a:prstGeom>
         </p:spPr>
         <p:txBody>
-          <a:bodyPr lIns="0" rIns="0" tIns="0" bIns="0" anchor="ctr"/>
+          <a:bodyPr lIns="0" tIns="0" rIns="0" bIns="0" anchor="ctr"/>
+          <a:lstStyle/>
           <a:p>
             <a:pPr algn="ctr"/>
-            <a:endParaRPr b="0" lang="en-US" sz="3200" spc="-1" strike="noStrike">
-              <a:solidFill>
-                <a:srgbClr val="2c3e50"/>
+            <a:endParaRPr lang="en-US" sz="3200" b="0" strike="noStrike" spc="-1">
+              <a:solidFill>
+                <a:srgbClr val="2C3E50"/>
               </a:solidFill>
               <a:latin typeface="Source Sans Pro"/>
             </a:endParaRPr>
@@ -2230,11 +2438,14 @@
       </p:sp>
     </p:spTree>
   </p:cSld>
+  <p:clrMapOvr>
+    <a:masterClrMapping/>
+  </p:clrMapOvr>
 </p:sldLayout>
 </file>
 
 <file path=ppt/slideLayouts/slideLayout27.xml><?xml version="1.0" encoding="utf-8"?>
-<p:sldLayout xmlns:a="http://schemas.openxmlformats.org/drawingml/2006/main" xmlns:p="http://schemas.openxmlformats.org/presentationml/2006/main" xmlns:r="http://schemas.openxmlformats.org/officeDocument/2006/relationships" xmlns:p14="http://schemas.microsoft.com/office/powerpoint/2010/main" xmlns:p15="http://schemas.microsoft.com/office/powerpoint/2012/main" xmlns:mc="http://schemas.openxmlformats.org/markup-compatibility/2006" type="obj" preserve="1">
+<p:sldLayout xmlns:a="http://schemas.openxmlformats.org/drawingml/2006/main" xmlns:r="http://schemas.openxmlformats.org/officeDocument/2006/relationships" xmlns:p="http://schemas.openxmlformats.org/presentationml/2006/main" type="obj" preserve="1">
   <p:cSld name="Title, Content">
     <p:spTree>
       <p:nvGrpSpPr>
@@ -2270,12 +2481,13 @@
           </a:prstGeom>
         </p:spPr>
         <p:txBody>
-          <a:bodyPr lIns="0" rIns="0" tIns="0" bIns="0" anchor="ctr"/>
+          <a:bodyPr lIns="0" tIns="0" rIns="0" bIns="0" anchor="ctr"/>
+          <a:lstStyle/>
           <a:p>
             <a:pPr algn="ctr"/>
-            <a:endParaRPr b="1" lang="en-US" sz="3600" spc="-1" strike="noStrike">
-              <a:solidFill>
-                <a:srgbClr val="ffffff"/>
+            <a:endParaRPr lang="en-US" sz="3600" b="1" strike="noStrike" spc="-1">
+              <a:solidFill>
+                <a:srgbClr val="FFFFFF"/>
               </a:solidFill>
               <a:latin typeface="Source Sans Pro Black"/>
             </a:endParaRPr>
@@ -2302,13 +2514,14 @@
           </a:prstGeom>
         </p:spPr>
         <p:txBody>
-          <a:bodyPr lIns="0" rIns="0" tIns="0" bIns="0">
+          <a:bodyPr lIns="0" tIns="0" rIns="0" bIns="0">
             <a:normAutofit/>
           </a:bodyPr>
-          <a:p>
-            <a:endParaRPr b="1" lang="en-US" sz="3200" spc="-1" strike="noStrike">
-              <a:solidFill>
-                <a:srgbClr val="2c3e50"/>
+          <a:lstStyle/>
+          <a:p>
+            <a:endParaRPr lang="en-US" sz="3200" b="1" strike="noStrike" spc="-1">
+              <a:solidFill>
+                <a:srgbClr val="2C3E50"/>
               </a:solidFill>
               <a:latin typeface="Source Sans Pro Semibold"/>
             </a:endParaRPr>
@@ -2317,11 +2530,14 @@
       </p:sp>
     </p:spTree>
   </p:cSld>
+  <p:clrMapOvr>
+    <a:masterClrMapping/>
+  </p:clrMapOvr>
 </p:sldLayout>
 </file>
 
 <file path=ppt/slideLayouts/slideLayout28.xml><?xml version="1.0" encoding="utf-8"?>
-<p:sldLayout xmlns:a="http://schemas.openxmlformats.org/drawingml/2006/main" xmlns:p="http://schemas.openxmlformats.org/presentationml/2006/main" xmlns:r="http://schemas.openxmlformats.org/officeDocument/2006/relationships" xmlns:p14="http://schemas.microsoft.com/office/powerpoint/2010/main" xmlns:p15="http://schemas.microsoft.com/office/powerpoint/2012/main" xmlns:mc="http://schemas.openxmlformats.org/markup-compatibility/2006" type="twoObj" preserve="1">
+<p:sldLayout xmlns:a="http://schemas.openxmlformats.org/drawingml/2006/main" xmlns:r="http://schemas.openxmlformats.org/officeDocument/2006/relationships" xmlns:p="http://schemas.openxmlformats.org/presentationml/2006/main" type="twoObj" preserve="1">
   <p:cSld name="Title, 2 Content">
     <p:spTree>
       <p:nvGrpSpPr>
@@ -2357,12 +2573,13 @@
           </a:prstGeom>
         </p:spPr>
         <p:txBody>
-          <a:bodyPr lIns="0" rIns="0" tIns="0" bIns="0" anchor="ctr"/>
+          <a:bodyPr lIns="0" tIns="0" rIns="0" bIns="0" anchor="ctr"/>
+          <a:lstStyle/>
           <a:p>
             <a:pPr algn="ctr"/>
-            <a:endParaRPr b="1" lang="en-US" sz="3600" spc="-1" strike="noStrike">
-              <a:solidFill>
-                <a:srgbClr val="ffffff"/>
+            <a:endParaRPr lang="en-US" sz="3600" b="1" strike="noStrike" spc="-1">
+              <a:solidFill>
+                <a:srgbClr val="FFFFFF"/>
               </a:solidFill>
               <a:latin typeface="Source Sans Pro Black"/>
             </a:endParaRPr>
@@ -2389,13 +2606,14 @@
           </a:prstGeom>
         </p:spPr>
         <p:txBody>
-          <a:bodyPr lIns="0" rIns="0" tIns="0" bIns="0">
+          <a:bodyPr lIns="0" tIns="0" rIns="0" bIns="0">
             <a:normAutofit/>
           </a:bodyPr>
-          <a:p>
-            <a:endParaRPr b="1" lang="en-US" sz="3200" spc="-1" strike="noStrike">
-              <a:solidFill>
-                <a:srgbClr val="2c3e50"/>
+          <a:lstStyle/>
+          <a:p>
+            <a:endParaRPr lang="en-US" sz="3200" b="1" strike="noStrike" spc="-1">
+              <a:solidFill>
+                <a:srgbClr val="2C3E50"/>
               </a:solidFill>
               <a:latin typeface="Source Sans Pro Semibold"/>
             </a:endParaRPr>
@@ -2422,13 +2640,14 @@
           </a:prstGeom>
         </p:spPr>
         <p:txBody>
-          <a:bodyPr lIns="0" rIns="0" tIns="0" bIns="0">
+          <a:bodyPr lIns="0" tIns="0" rIns="0" bIns="0">
             <a:normAutofit/>
           </a:bodyPr>
-          <a:p>
-            <a:endParaRPr b="1" lang="en-US" sz="3200" spc="-1" strike="noStrike">
-              <a:solidFill>
-                <a:srgbClr val="2c3e50"/>
+          <a:lstStyle/>
+          <a:p>
+            <a:endParaRPr lang="en-US" sz="3200" b="1" strike="noStrike" spc="-1">
+              <a:solidFill>
+                <a:srgbClr val="2C3E50"/>
               </a:solidFill>
               <a:latin typeface="Source Sans Pro Semibold"/>
             </a:endParaRPr>
@@ -2437,11 +2656,14 @@
       </p:sp>
     </p:spTree>
   </p:cSld>
+  <p:clrMapOvr>
+    <a:masterClrMapping/>
+  </p:clrMapOvr>
 </p:sldLayout>
 </file>
 
 <file path=ppt/slideLayouts/slideLayout29.xml><?xml version="1.0" encoding="utf-8"?>
-<p:sldLayout xmlns:a="http://schemas.openxmlformats.org/drawingml/2006/main" xmlns:p="http://schemas.openxmlformats.org/presentationml/2006/main" xmlns:r="http://schemas.openxmlformats.org/officeDocument/2006/relationships" xmlns:p14="http://schemas.microsoft.com/office/powerpoint/2010/main" xmlns:p15="http://schemas.microsoft.com/office/powerpoint/2012/main" xmlns:mc="http://schemas.openxmlformats.org/markup-compatibility/2006" type="titleOnly" preserve="1">
+<p:sldLayout xmlns:a="http://schemas.openxmlformats.org/drawingml/2006/main" xmlns:r="http://schemas.openxmlformats.org/officeDocument/2006/relationships" xmlns:p="http://schemas.openxmlformats.org/presentationml/2006/main" type="titleOnly" preserve="1">
   <p:cSld name="Title Only">
     <p:spTree>
       <p:nvGrpSpPr>
@@ -2477,12 +2699,13 @@
           </a:prstGeom>
         </p:spPr>
         <p:txBody>
-          <a:bodyPr lIns="0" rIns="0" tIns="0" bIns="0" anchor="ctr"/>
+          <a:bodyPr lIns="0" tIns="0" rIns="0" bIns="0" anchor="ctr"/>
+          <a:lstStyle/>
           <a:p>
             <a:pPr algn="ctr"/>
-            <a:endParaRPr b="1" lang="en-US" sz="3600" spc="-1" strike="noStrike">
-              <a:solidFill>
-                <a:srgbClr val="ffffff"/>
+            <a:endParaRPr lang="en-US" sz="3600" b="1" strike="noStrike" spc="-1">
+              <a:solidFill>
+                <a:srgbClr val="FFFFFF"/>
               </a:solidFill>
               <a:latin typeface="Source Sans Pro Black"/>
             </a:endParaRPr>
@@ -2491,11 +2714,14 @@
       </p:sp>
     </p:spTree>
   </p:cSld>
+  <p:clrMapOvr>
+    <a:masterClrMapping/>
+  </p:clrMapOvr>
 </p:sldLayout>
 </file>
 
 <file path=ppt/slideLayouts/slideLayout3.xml><?xml version="1.0" encoding="utf-8"?>
-<p:sldLayout xmlns:a="http://schemas.openxmlformats.org/drawingml/2006/main" xmlns:p="http://schemas.openxmlformats.org/presentationml/2006/main" xmlns:r="http://schemas.openxmlformats.org/officeDocument/2006/relationships" xmlns:p14="http://schemas.microsoft.com/office/powerpoint/2010/main" xmlns:p15="http://schemas.microsoft.com/office/powerpoint/2012/main" xmlns:mc="http://schemas.openxmlformats.org/markup-compatibility/2006" type="obj" preserve="1">
+<p:sldLayout xmlns:a="http://schemas.openxmlformats.org/drawingml/2006/main" xmlns:r="http://schemas.openxmlformats.org/officeDocument/2006/relationships" xmlns:p="http://schemas.openxmlformats.org/presentationml/2006/main" type="obj" preserve="1">
   <p:cSld name="Title, Content">
     <p:spTree>
       <p:nvGrpSpPr>
@@ -2531,12 +2757,13 @@
           </a:prstGeom>
         </p:spPr>
         <p:txBody>
-          <a:bodyPr lIns="0" rIns="0" tIns="0" bIns="0" anchor="ctr"/>
+          <a:bodyPr lIns="0" tIns="0" rIns="0" bIns="0" anchor="ctr"/>
+          <a:lstStyle/>
           <a:p>
             <a:pPr algn="ctr"/>
-            <a:endParaRPr b="1" lang="en-US" sz="3600" spc="-1" strike="noStrike">
-              <a:solidFill>
-                <a:srgbClr val="ffffff"/>
+            <a:endParaRPr lang="en-US" sz="3600" b="1" strike="noStrike" spc="-1">
+              <a:solidFill>
+                <a:srgbClr val="FFFFFF"/>
               </a:solidFill>
               <a:latin typeface="Source Sans Pro Black"/>
             </a:endParaRPr>
@@ -2563,13 +2790,14 @@
           </a:prstGeom>
         </p:spPr>
         <p:txBody>
-          <a:bodyPr lIns="0" rIns="0" tIns="0" bIns="0">
+          <a:bodyPr lIns="0" tIns="0" rIns="0" bIns="0">
             <a:normAutofit/>
           </a:bodyPr>
-          <a:p>
-            <a:endParaRPr b="1" lang="en-US" sz="3200" spc="-1" strike="noStrike">
-              <a:solidFill>
-                <a:srgbClr val="2c3e50"/>
+          <a:lstStyle/>
+          <a:p>
+            <a:endParaRPr lang="en-US" sz="3200" b="1" strike="noStrike" spc="-1">
+              <a:solidFill>
+                <a:srgbClr val="2C3E50"/>
               </a:solidFill>
               <a:latin typeface="Source Sans Pro Semibold"/>
             </a:endParaRPr>
@@ -2578,11 +2806,14 @@
       </p:sp>
     </p:spTree>
   </p:cSld>
+  <p:clrMapOvr>
+    <a:masterClrMapping/>
+  </p:clrMapOvr>
 </p:sldLayout>
 </file>
 
 <file path=ppt/slideLayouts/slideLayout30.xml><?xml version="1.0" encoding="utf-8"?>
-<p:sldLayout xmlns:a="http://schemas.openxmlformats.org/drawingml/2006/main" xmlns:p="http://schemas.openxmlformats.org/presentationml/2006/main" xmlns:r="http://schemas.openxmlformats.org/officeDocument/2006/relationships" xmlns:p14="http://schemas.microsoft.com/office/powerpoint/2010/main" xmlns:p15="http://schemas.microsoft.com/office/powerpoint/2012/main" xmlns:mc="http://schemas.openxmlformats.org/markup-compatibility/2006" type="objOnly" preserve="1">
+<p:sldLayout xmlns:a="http://schemas.openxmlformats.org/drawingml/2006/main" xmlns:r="http://schemas.openxmlformats.org/officeDocument/2006/relationships" xmlns:p="http://schemas.openxmlformats.org/presentationml/2006/main" type="objOnly" preserve="1">
   <p:cSld name="Centered Text">
     <p:spTree>
       <p:nvGrpSpPr>
@@ -2618,12 +2849,13 @@
           </a:prstGeom>
         </p:spPr>
         <p:txBody>
-          <a:bodyPr lIns="0" rIns="0" tIns="0" bIns="0" anchor="ctr"/>
+          <a:bodyPr lIns="0" tIns="0" rIns="0" bIns="0" anchor="ctr"/>
+          <a:lstStyle/>
           <a:p>
             <a:pPr algn="ctr"/>
-            <a:endParaRPr b="0" lang="en-US" sz="3200" spc="-1" strike="noStrike">
-              <a:solidFill>
-                <a:srgbClr val="2c3e50"/>
+            <a:endParaRPr lang="en-US" sz="3200" b="0" strike="noStrike" spc="-1">
+              <a:solidFill>
+                <a:srgbClr val="2C3E50"/>
               </a:solidFill>
               <a:latin typeface="Source Sans Pro"/>
             </a:endParaRPr>
@@ -2632,11 +2864,14 @@
       </p:sp>
     </p:spTree>
   </p:cSld>
+  <p:clrMapOvr>
+    <a:masterClrMapping/>
+  </p:clrMapOvr>
 </p:sldLayout>
 </file>
 
 <file path=ppt/slideLayouts/slideLayout31.xml><?xml version="1.0" encoding="utf-8"?>
-<p:sldLayout xmlns:a="http://schemas.openxmlformats.org/drawingml/2006/main" xmlns:p="http://schemas.openxmlformats.org/presentationml/2006/main" xmlns:r="http://schemas.openxmlformats.org/officeDocument/2006/relationships" xmlns:p14="http://schemas.microsoft.com/office/powerpoint/2010/main" xmlns:p15="http://schemas.microsoft.com/office/powerpoint/2012/main" xmlns:mc="http://schemas.openxmlformats.org/markup-compatibility/2006" type="twoObjAndObj" preserve="1">
+<p:sldLayout xmlns:a="http://schemas.openxmlformats.org/drawingml/2006/main" xmlns:r="http://schemas.openxmlformats.org/officeDocument/2006/relationships" xmlns:p="http://schemas.openxmlformats.org/presentationml/2006/main" type="twoObjAndObj" preserve="1">
   <p:cSld name="Title, 2 Content and Content">
     <p:spTree>
       <p:nvGrpSpPr>
@@ -2672,12 +2907,13 @@
           </a:prstGeom>
         </p:spPr>
         <p:txBody>
-          <a:bodyPr lIns="0" rIns="0" tIns="0" bIns="0" anchor="ctr"/>
+          <a:bodyPr lIns="0" tIns="0" rIns="0" bIns="0" anchor="ctr"/>
+          <a:lstStyle/>
           <a:p>
             <a:pPr algn="ctr"/>
-            <a:endParaRPr b="1" lang="en-US" sz="3600" spc="-1" strike="noStrike">
-              <a:solidFill>
-                <a:srgbClr val="ffffff"/>
+            <a:endParaRPr lang="en-US" sz="3600" b="1" strike="noStrike" spc="-1">
+              <a:solidFill>
+                <a:srgbClr val="FFFFFF"/>
               </a:solidFill>
               <a:latin typeface="Source Sans Pro Black"/>
             </a:endParaRPr>
@@ -2704,13 +2940,14 @@
           </a:prstGeom>
         </p:spPr>
         <p:txBody>
-          <a:bodyPr lIns="0" rIns="0" tIns="0" bIns="0">
+          <a:bodyPr lIns="0" tIns="0" rIns="0" bIns="0">
             <a:normAutofit/>
           </a:bodyPr>
-          <a:p>
-            <a:endParaRPr b="1" lang="en-US" sz="3200" spc="-1" strike="noStrike">
-              <a:solidFill>
-                <a:srgbClr val="2c3e50"/>
+          <a:lstStyle/>
+          <a:p>
+            <a:endParaRPr lang="en-US" sz="3200" b="1" strike="noStrike" spc="-1">
+              <a:solidFill>
+                <a:srgbClr val="2C3E50"/>
               </a:solidFill>
               <a:latin typeface="Source Sans Pro Semibold"/>
             </a:endParaRPr>
@@ -2737,13 +2974,14 @@
           </a:prstGeom>
         </p:spPr>
         <p:txBody>
-          <a:bodyPr lIns="0" rIns="0" tIns="0" bIns="0">
+          <a:bodyPr lIns="0" tIns="0" rIns="0" bIns="0">
             <a:normAutofit/>
           </a:bodyPr>
-          <a:p>
-            <a:endParaRPr b="1" lang="en-US" sz="3200" spc="-1" strike="noStrike">
-              <a:solidFill>
-                <a:srgbClr val="2c3e50"/>
+          <a:lstStyle/>
+          <a:p>
+            <a:endParaRPr lang="en-US" sz="3200" b="1" strike="noStrike" spc="-1">
+              <a:solidFill>
+                <a:srgbClr val="2C3E50"/>
               </a:solidFill>
               <a:latin typeface="Source Sans Pro Semibold"/>
             </a:endParaRPr>
@@ -2770,13 +3008,14 @@
           </a:prstGeom>
         </p:spPr>
         <p:txBody>
-          <a:bodyPr lIns="0" rIns="0" tIns="0" bIns="0">
+          <a:bodyPr lIns="0" tIns="0" rIns="0" bIns="0">
             <a:normAutofit/>
           </a:bodyPr>
-          <a:p>
-            <a:endParaRPr b="1" lang="en-US" sz="3200" spc="-1" strike="noStrike">
-              <a:solidFill>
-                <a:srgbClr val="2c3e50"/>
+          <a:lstStyle/>
+          <a:p>
+            <a:endParaRPr lang="en-US" sz="3200" b="1" strike="noStrike" spc="-1">
+              <a:solidFill>
+                <a:srgbClr val="2C3E50"/>
               </a:solidFill>
               <a:latin typeface="Source Sans Pro Semibold"/>
             </a:endParaRPr>
@@ -2785,11 +3024,14 @@
       </p:sp>
     </p:spTree>
   </p:cSld>
+  <p:clrMapOvr>
+    <a:masterClrMapping/>
+  </p:clrMapOvr>
 </p:sldLayout>
 </file>
 
 <file path=ppt/slideLayouts/slideLayout32.xml><?xml version="1.0" encoding="utf-8"?>
-<p:sldLayout xmlns:a="http://schemas.openxmlformats.org/drawingml/2006/main" xmlns:p="http://schemas.openxmlformats.org/presentationml/2006/main" xmlns:r="http://schemas.openxmlformats.org/officeDocument/2006/relationships" xmlns:p14="http://schemas.microsoft.com/office/powerpoint/2010/main" xmlns:p15="http://schemas.microsoft.com/office/powerpoint/2012/main" xmlns:mc="http://schemas.openxmlformats.org/markup-compatibility/2006" type="objAndTwoObj" preserve="1">
+<p:sldLayout xmlns:a="http://schemas.openxmlformats.org/drawingml/2006/main" xmlns:r="http://schemas.openxmlformats.org/officeDocument/2006/relationships" xmlns:p="http://schemas.openxmlformats.org/presentationml/2006/main" type="objAndTwoObj" preserve="1">
   <p:cSld name="Title Content and 2 Content">
     <p:spTree>
       <p:nvGrpSpPr>
@@ -2825,12 +3067,13 @@
           </a:prstGeom>
         </p:spPr>
         <p:txBody>
-          <a:bodyPr lIns="0" rIns="0" tIns="0" bIns="0" anchor="ctr"/>
+          <a:bodyPr lIns="0" tIns="0" rIns="0" bIns="0" anchor="ctr"/>
+          <a:lstStyle/>
           <a:p>
             <a:pPr algn="ctr"/>
-            <a:endParaRPr b="1" lang="en-US" sz="3600" spc="-1" strike="noStrike">
-              <a:solidFill>
-                <a:srgbClr val="ffffff"/>
+            <a:endParaRPr lang="en-US" sz="3600" b="1" strike="noStrike" spc="-1">
+              <a:solidFill>
+                <a:srgbClr val="FFFFFF"/>
               </a:solidFill>
               <a:latin typeface="Source Sans Pro Black"/>
             </a:endParaRPr>
@@ -2857,13 +3100,14 @@
           </a:prstGeom>
         </p:spPr>
         <p:txBody>
-          <a:bodyPr lIns="0" rIns="0" tIns="0" bIns="0">
+          <a:bodyPr lIns="0" tIns="0" rIns="0" bIns="0">
             <a:normAutofit/>
           </a:bodyPr>
-          <a:p>
-            <a:endParaRPr b="1" lang="en-US" sz="3200" spc="-1" strike="noStrike">
-              <a:solidFill>
-                <a:srgbClr val="2c3e50"/>
+          <a:lstStyle/>
+          <a:p>
+            <a:endParaRPr lang="en-US" sz="3200" b="1" strike="noStrike" spc="-1">
+              <a:solidFill>
+                <a:srgbClr val="2C3E50"/>
               </a:solidFill>
               <a:latin typeface="Source Sans Pro Semibold"/>
             </a:endParaRPr>
@@ -2890,13 +3134,14 @@
           </a:prstGeom>
         </p:spPr>
         <p:txBody>
-          <a:bodyPr lIns="0" rIns="0" tIns="0" bIns="0">
+          <a:bodyPr lIns="0" tIns="0" rIns="0" bIns="0">
             <a:normAutofit/>
           </a:bodyPr>
-          <a:p>
-            <a:endParaRPr b="1" lang="en-US" sz="3200" spc="-1" strike="noStrike">
-              <a:solidFill>
-                <a:srgbClr val="2c3e50"/>
+          <a:lstStyle/>
+          <a:p>
+            <a:endParaRPr lang="en-US" sz="3200" b="1" strike="noStrike" spc="-1">
+              <a:solidFill>
+                <a:srgbClr val="2C3E50"/>
               </a:solidFill>
               <a:latin typeface="Source Sans Pro Semibold"/>
             </a:endParaRPr>
@@ -2923,13 +3168,14 @@
           </a:prstGeom>
         </p:spPr>
         <p:txBody>
-          <a:bodyPr lIns="0" rIns="0" tIns="0" bIns="0">
+          <a:bodyPr lIns="0" tIns="0" rIns="0" bIns="0">
             <a:normAutofit/>
           </a:bodyPr>
-          <a:p>
-            <a:endParaRPr b="1" lang="en-US" sz="3200" spc="-1" strike="noStrike">
-              <a:solidFill>
-                <a:srgbClr val="2c3e50"/>
+          <a:lstStyle/>
+          <a:p>
+            <a:endParaRPr lang="en-US" sz="3200" b="1" strike="noStrike" spc="-1">
+              <a:solidFill>
+                <a:srgbClr val="2C3E50"/>
               </a:solidFill>
               <a:latin typeface="Source Sans Pro Semibold"/>
             </a:endParaRPr>
@@ -2938,11 +3184,14 @@
       </p:sp>
     </p:spTree>
   </p:cSld>
+  <p:clrMapOvr>
+    <a:masterClrMapping/>
+  </p:clrMapOvr>
 </p:sldLayout>
 </file>
 
 <file path=ppt/slideLayouts/slideLayout33.xml><?xml version="1.0" encoding="utf-8"?>
-<p:sldLayout xmlns:a="http://schemas.openxmlformats.org/drawingml/2006/main" xmlns:p="http://schemas.openxmlformats.org/presentationml/2006/main" xmlns:r="http://schemas.openxmlformats.org/officeDocument/2006/relationships" xmlns:p14="http://schemas.microsoft.com/office/powerpoint/2010/main" xmlns:p15="http://schemas.microsoft.com/office/powerpoint/2012/main" xmlns:mc="http://schemas.openxmlformats.org/markup-compatibility/2006" type="twoObjOverTx" preserve="1">
+<p:sldLayout xmlns:a="http://schemas.openxmlformats.org/drawingml/2006/main" xmlns:r="http://schemas.openxmlformats.org/officeDocument/2006/relationships" xmlns:p="http://schemas.openxmlformats.org/presentationml/2006/main" type="twoObjOverTx" preserve="1">
   <p:cSld name="Title, 2 Content over Content">
     <p:spTree>
       <p:nvGrpSpPr>
@@ -2978,12 +3227,13 @@
           </a:prstGeom>
         </p:spPr>
         <p:txBody>
-          <a:bodyPr lIns="0" rIns="0" tIns="0" bIns="0" anchor="ctr"/>
+          <a:bodyPr lIns="0" tIns="0" rIns="0" bIns="0" anchor="ctr"/>
+          <a:lstStyle/>
           <a:p>
             <a:pPr algn="ctr"/>
-            <a:endParaRPr b="1" lang="en-US" sz="3600" spc="-1" strike="noStrike">
-              <a:solidFill>
-                <a:srgbClr val="ffffff"/>
+            <a:endParaRPr lang="en-US" sz="3600" b="1" strike="noStrike" spc="-1">
+              <a:solidFill>
+                <a:srgbClr val="FFFFFF"/>
               </a:solidFill>
               <a:latin typeface="Source Sans Pro Black"/>
             </a:endParaRPr>
@@ -3010,13 +3260,14 @@
           </a:prstGeom>
         </p:spPr>
         <p:txBody>
-          <a:bodyPr lIns="0" rIns="0" tIns="0" bIns="0">
+          <a:bodyPr lIns="0" tIns="0" rIns="0" bIns="0">
             <a:normAutofit/>
           </a:bodyPr>
-          <a:p>
-            <a:endParaRPr b="1" lang="en-US" sz="3200" spc="-1" strike="noStrike">
-              <a:solidFill>
-                <a:srgbClr val="2c3e50"/>
+          <a:lstStyle/>
+          <a:p>
+            <a:endParaRPr lang="en-US" sz="3200" b="1" strike="noStrike" spc="-1">
+              <a:solidFill>
+                <a:srgbClr val="2C3E50"/>
               </a:solidFill>
               <a:latin typeface="Source Sans Pro Semibold"/>
             </a:endParaRPr>
@@ -3043,13 +3294,14 @@
           </a:prstGeom>
         </p:spPr>
         <p:txBody>
-          <a:bodyPr lIns="0" rIns="0" tIns="0" bIns="0">
+          <a:bodyPr lIns="0" tIns="0" rIns="0" bIns="0">
             <a:normAutofit/>
           </a:bodyPr>
-          <a:p>
-            <a:endParaRPr b="1" lang="en-US" sz="3200" spc="-1" strike="noStrike">
-              <a:solidFill>
-                <a:srgbClr val="2c3e50"/>
+          <a:lstStyle/>
+          <a:p>
+            <a:endParaRPr lang="en-US" sz="3200" b="1" strike="noStrike" spc="-1">
+              <a:solidFill>
+                <a:srgbClr val="2C3E50"/>
               </a:solidFill>
               <a:latin typeface="Source Sans Pro Semibold"/>
             </a:endParaRPr>
@@ -3076,13 +3328,14 @@
           </a:prstGeom>
         </p:spPr>
         <p:txBody>
-          <a:bodyPr lIns="0" rIns="0" tIns="0" bIns="0">
+          <a:bodyPr lIns="0" tIns="0" rIns="0" bIns="0">
             <a:normAutofit/>
           </a:bodyPr>
-          <a:p>
-            <a:endParaRPr b="1" lang="en-US" sz="3200" spc="-1" strike="noStrike">
-              <a:solidFill>
-                <a:srgbClr val="2c3e50"/>
+          <a:lstStyle/>
+          <a:p>
+            <a:endParaRPr lang="en-US" sz="3200" b="1" strike="noStrike" spc="-1">
+              <a:solidFill>
+                <a:srgbClr val="2C3E50"/>
               </a:solidFill>
               <a:latin typeface="Source Sans Pro Semibold"/>
             </a:endParaRPr>
@@ -3091,11 +3344,14 @@
       </p:sp>
     </p:spTree>
   </p:cSld>
+  <p:clrMapOvr>
+    <a:masterClrMapping/>
+  </p:clrMapOvr>
 </p:sldLayout>
 </file>
 
 <file path=ppt/slideLayouts/slideLayout34.xml><?xml version="1.0" encoding="utf-8"?>
-<p:sldLayout xmlns:a="http://schemas.openxmlformats.org/drawingml/2006/main" xmlns:p="http://schemas.openxmlformats.org/presentationml/2006/main" xmlns:r="http://schemas.openxmlformats.org/officeDocument/2006/relationships" xmlns:p14="http://schemas.microsoft.com/office/powerpoint/2010/main" xmlns:p15="http://schemas.microsoft.com/office/powerpoint/2012/main" xmlns:mc="http://schemas.openxmlformats.org/markup-compatibility/2006" type="objOverTx" preserve="1">
+<p:sldLayout xmlns:a="http://schemas.openxmlformats.org/drawingml/2006/main" xmlns:r="http://schemas.openxmlformats.org/officeDocument/2006/relationships" xmlns:p="http://schemas.openxmlformats.org/presentationml/2006/main" type="objOverTx" preserve="1">
   <p:cSld name="Title, Content over Content">
     <p:spTree>
       <p:nvGrpSpPr>
@@ -3131,12 +3387,13 @@
           </a:prstGeom>
         </p:spPr>
         <p:txBody>
-          <a:bodyPr lIns="0" rIns="0" tIns="0" bIns="0" anchor="ctr"/>
+          <a:bodyPr lIns="0" tIns="0" rIns="0" bIns="0" anchor="ctr"/>
+          <a:lstStyle/>
           <a:p>
             <a:pPr algn="ctr"/>
-            <a:endParaRPr b="1" lang="en-US" sz="3600" spc="-1" strike="noStrike">
-              <a:solidFill>
-                <a:srgbClr val="ffffff"/>
+            <a:endParaRPr lang="en-US" sz="3600" b="1" strike="noStrike" spc="-1">
+              <a:solidFill>
+                <a:srgbClr val="FFFFFF"/>
               </a:solidFill>
               <a:latin typeface="Source Sans Pro Black"/>
             </a:endParaRPr>
@@ -3163,13 +3420,14 @@
           </a:prstGeom>
         </p:spPr>
         <p:txBody>
-          <a:bodyPr lIns="0" rIns="0" tIns="0" bIns="0">
+          <a:bodyPr lIns="0" tIns="0" rIns="0" bIns="0">
             <a:normAutofit/>
           </a:bodyPr>
-          <a:p>
-            <a:endParaRPr b="1" lang="en-US" sz="3200" spc="-1" strike="noStrike">
-              <a:solidFill>
-                <a:srgbClr val="2c3e50"/>
+          <a:lstStyle/>
+          <a:p>
+            <a:endParaRPr lang="en-US" sz="3200" b="1" strike="noStrike" spc="-1">
+              <a:solidFill>
+                <a:srgbClr val="2C3E50"/>
               </a:solidFill>
               <a:latin typeface="Source Sans Pro Semibold"/>
             </a:endParaRPr>
@@ -3196,13 +3454,14 @@
           </a:prstGeom>
         </p:spPr>
         <p:txBody>
-          <a:bodyPr lIns="0" rIns="0" tIns="0" bIns="0">
+          <a:bodyPr lIns="0" tIns="0" rIns="0" bIns="0">
             <a:normAutofit/>
           </a:bodyPr>
-          <a:p>
-            <a:endParaRPr b="1" lang="en-US" sz="3200" spc="-1" strike="noStrike">
-              <a:solidFill>
-                <a:srgbClr val="2c3e50"/>
+          <a:lstStyle/>
+          <a:p>
+            <a:endParaRPr lang="en-US" sz="3200" b="1" strike="noStrike" spc="-1">
+              <a:solidFill>
+                <a:srgbClr val="2C3E50"/>
               </a:solidFill>
               <a:latin typeface="Source Sans Pro Semibold"/>
             </a:endParaRPr>
@@ -3211,11 +3470,14 @@
       </p:sp>
     </p:spTree>
   </p:cSld>
+  <p:clrMapOvr>
+    <a:masterClrMapping/>
+  </p:clrMapOvr>
 </p:sldLayout>
 </file>
 
 <file path=ppt/slideLayouts/slideLayout35.xml><?xml version="1.0" encoding="utf-8"?>
-<p:sldLayout xmlns:a="http://schemas.openxmlformats.org/drawingml/2006/main" xmlns:p="http://schemas.openxmlformats.org/presentationml/2006/main" xmlns:r="http://schemas.openxmlformats.org/officeDocument/2006/relationships" xmlns:p14="http://schemas.microsoft.com/office/powerpoint/2010/main" xmlns:p15="http://schemas.microsoft.com/office/powerpoint/2012/main" xmlns:mc="http://schemas.openxmlformats.org/markup-compatibility/2006" type="fourObj" preserve="1">
+<p:sldLayout xmlns:a="http://schemas.openxmlformats.org/drawingml/2006/main" xmlns:r="http://schemas.openxmlformats.org/officeDocument/2006/relationships" xmlns:p="http://schemas.openxmlformats.org/presentationml/2006/main" type="fourObj" preserve="1">
   <p:cSld name="Title, 4 Content">
     <p:spTree>
       <p:nvGrpSpPr>
@@ -3251,12 +3513,13 @@
           </a:prstGeom>
         </p:spPr>
         <p:txBody>
-          <a:bodyPr lIns="0" rIns="0" tIns="0" bIns="0" anchor="ctr"/>
+          <a:bodyPr lIns="0" tIns="0" rIns="0" bIns="0" anchor="ctr"/>
+          <a:lstStyle/>
           <a:p>
             <a:pPr algn="ctr"/>
-            <a:endParaRPr b="1" lang="en-US" sz="3600" spc="-1" strike="noStrike">
-              <a:solidFill>
-                <a:srgbClr val="ffffff"/>
+            <a:endParaRPr lang="en-US" sz="3600" b="1" strike="noStrike" spc="-1">
+              <a:solidFill>
+                <a:srgbClr val="FFFFFF"/>
               </a:solidFill>
               <a:latin typeface="Source Sans Pro Black"/>
             </a:endParaRPr>
@@ -3283,13 +3546,14 @@
           </a:prstGeom>
         </p:spPr>
         <p:txBody>
-          <a:bodyPr lIns="0" rIns="0" tIns="0" bIns="0">
+          <a:bodyPr lIns="0" tIns="0" rIns="0" bIns="0">
             <a:normAutofit/>
           </a:bodyPr>
-          <a:p>
-            <a:endParaRPr b="1" lang="en-US" sz="3200" spc="-1" strike="noStrike">
-              <a:solidFill>
-                <a:srgbClr val="2c3e50"/>
+          <a:lstStyle/>
+          <a:p>
+            <a:endParaRPr lang="en-US" sz="3200" b="1" strike="noStrike" spc="-1">
+              <a:solidFill>
+                <a:srgbClr val="2C3E50"/>
               </a:solidFill>
               <a:latin typeface="Source Sans Pro Semibold"/>
             </a:endParaRPr>
@@ -3316,13 +3580,14 @@
           </a:prstGeom>
         </p:spPr>
         <p:txBody>
-          <a:bodyPr lIns="0" rIns="0" tIns="0" bIns="0">
+          <a:bodyPr lIns="0" tIns="0" rIns="0" bIns="0">
             <a:normAutofit/>
           </a:bodyPr>
-          <a:p>
-            <a:endParaRPr b="1" lang="en-US" sz="3200" spc="-1" strike="noStrike">
-              <a:solidFill>
-                <a:srgbClr val="2c3e50"/>
+          <a:lstStyle/>
+          <a:p>
+            <a:endParaRPr lang="en-US" sz="3200" b="1" strike="noStrike" spc="-1">
+              <a:solidFill>
+                <a:srgbClr val="2C3E50"/>
               </a:solidFill>
               <a:latin typeface="Source Sans Pro Semibold"/>
             </a:endParaRPr>
@@ -3349,13 +3614,14 @@
           </a:prstGeom>
         </p:spPr>
         <p:txBody>
-          <a:bodyPr lIns="0" rIns="0" tIns="0" bIns="0">
+          <a:bodyPr lIns="0" tIns="0" rIns="0" bIns="0">
             <a:normAutofit/>
           </a:bodyPr>
-          <a:p>
-            <a:endParaRPr b="1" lang="en-US" sz="3200" spc="-1" strike="noStrike">
-              <a:solidFill>
-                <a:srgbClr val="2c3e50"/>
+          <a:lstStyle/>
+          <a:p>
+            <a:endParaRPr lang="en-US" sz="3200" b="1" strike="noStrike" spc="-1">
+              <a:solidFill>
+                <a:srgbClr val="2C3E50"/>
               </a:solidFill>
               <a:latin typeface="Source Sans Pro Semibold"/>
             </a:endParaRPr>
@@ -3382,13 +3648,14 @@
           </a:prstGeom>
         </p:spPr>
         <p:txBody>
-          <a:bodyPr lIns="0" rIns="0" tIns="0" bIns="0">
+          <a:bodyPr lIns="0" tIns="0" rIns="0" bIns="0">
             <a:normAutofit/>
           </a:bodyPr>
-          <a:p>
-            <a:endParaRPr b="1" lang="en-US" sz="3200" spc="-1" strike="noStrike">
-              <a:solidFill>
-                <a:srgbClr val="2c3e50"/>
+          <a:lstStyle/>
+          <a:p>
+            <a:endParaRPr lang="en-US" sz="3200" b="1" strike="noStrike" spc="-1">
+              <a:solidFill>
+                <a:srgbClr val="2C3E50"/>
               </a:solidFill>
               <a:latin typeface="Source Sans Pro Semibold"/>
             </a:endParaRPr>
@@ -3397,11 +3664,14 @@
       </p:sp>
     </p:spTree>
   </p:cSld>
+  <p:clrMapOvr>
+    <a:masterClrMapping/>
+  </p:clrMapOvr>
 </p:sldLayout>
 </file>
 
 <file path=ppt/slideLayouts/slideLayout36.xml><?xml version="1.0" encoding="utf-8"?>
-<p:sldLayout xmlns:a="http://schemas.openxmlformats.org/drawingml/2006/main" xmlns:p="http://schemas.openxmlformats.org/presentationml/2006/main" xmlns:r="http://schemas.openxmlformats.org/officeDocument/2006/relationships" xmlns:p14="http://schemas.microsoft.com/office/powerpoint/2010/main" xmlns:p15="http://schemas.microsoft.com/office/powerpoint/2012/main" xmlns:mc="http://schemas.openxmlformats.org/markup-compatibility/2006" type="blank" preserve="1">
+<p:sldLayout xmlns:a="http://schemas.openxmlformats.org/drawingml/2006/main" xmlns:r="http://schemas.openxmlformats.org/officeDocument/2006/relationships" xmlns:p="http://schemas.openxmlformats.org/presentationml/2006/main" type="blank" preserve="1">
   <p:cSld name="Title, 6 Content">
     <p:spTree>
       <p:nvGrpSpPr>
@@ -3437,12 +3707,13 @@
           </a:prstGeom>
         </p:spPr>
         <p:txBody>
-          <a:bodyPr lIns="0" rIns="0" tIns="0" bIns="0" anchor="ctr"/>
+          <a:bodyPr lIns="0" tIns="0" rIns="0" bIns="0" anchor="ctr"/>
+          <a:lstStyle/>
           <a:p>
             <a:pPr algn="ctr"/>
-            <a:endParaRPr b="1" lang="en-US" sz="3600" spc="-1" strike="noStrike">
-              <a:solidFill>
-                <a:srgbClr val="ffffff"/>
+            <a:endParaRPr lang="en-US" sz="3600" b="1" strike="noStrike" spc="-1">
+              <a:solidFill>
+                <a:srgbClr val="FFFFFF"/>
               </a:solidFill>
               <a:latin typeface="Source Sans Pro Black"/>
             </a:endParaRPr>
@@ -3469,13 +3740,14 @@
           </a:prstGeom>
         </p:spPr>
         <p:txBody>
-          <a:bodyPr lIns="0" rIns="0" tIns="0" bIns="0">
+          <a:bodyPr lIns="0" tIns="0" rIns="0" bIns="0">
             <a:normAutofit/>
           </a:bodyPr>
-          <a:p>
-            <a:endParaRPr b="1" lang="en-US" sz="3200" spc="-1" strike="noStrike">
-              <a:solidFill>
-                <a:srgbClr val="2c3e50"/>
+          <a:lstStyle/>
+          <a:p>
+            <a:endParaRPr lang="en-US" sz="3200" b="1" strike="noStrike" spc="-1">
+              <a:solidFill>
+                <a:srgbClr val="2C3E50"/>
               </a:solidFill>
               <a:latin typeface="Source Sans Pro Semibold"/>
             </a:endParaRPr>
@@ -3502,13 +3774,14 @@
           </a:prstGeom>
         </p:spPr>
         <p:txBody>
-          <a:bodyPr lIns="0" rIns="0" tIns="0" bIns="0">
+          <a:bodyPr lIns="0" tIns="0" rIns="0" bIns="0">
             <a:normAutofit/>
           </a:bodyPr>
-          <a:p>
-            <a:endParaRPr b="1" lang="en-US" sz="3200" spc="-1" strike="noStrike">
-              <a:solidFill>
-                <a:srgbClr val="2c3e50"/>
+          <a:lstStyle/>
+          <a:p>
+            <a:endParaRPr lang="en-US" sz="3200" b="1" strike="noStrike" spc="-1">
+              <a:solidFill>
+                <a:srgbClr val="2C3E50"/>
               </a:solidFill>
               <a:latin typeface="Source Sans Pro Semibold"/>
             </a:endParaRPr>
@@ -3535,13 +3808,14 @@
           </a:prstGeom>
         </p:spPr>
         <p:txBody>
-          <a:bodyPr lIns="0" rIns="0" tIns="0" bIns="0">
+          <a:bodyPr lIns="0" tIns="0" rIns="0" bIns="0">
             <a:normAutofit/>
           </a:bodyPr>
-          <a:p>
-            <a:endParaRPr b="1" lang="en-US" sz="3200" spc="-1" strike="noStrike">
-              <a:solidFill>
-                <a:srgbClr val="2c3e50"/>
+          <a:lstStyle/>
+          <a:p>
+            <a:endParaRPr lang="en-US" sz="3200" b="1" strike="noStrike" spc="-1">
+              <a:solidFill>
+                <a:srgbClr val="2C3E50"/>
               </a:solidFill>
               <a:latin typeface="Source Sans Pro Semibold"/>
             </a:endParaRPr>
@@ -3568,13 +3842,14 @@
           </a:prstGeom>
         </p:spPr>
         <p:txBody>
-          <a:bodyPr lIns="0" rIns="0" tIns="0" bIns="0">
+          <a:bodyPr lIns="0" tIns="0" rIns="0" bIns="0">
             <a:normAutofit/>
           </a:bodyPr>
-          <a:p>
-            <a:endParaRPr b="1" lang="en-US" sz="3200" spc="-1" strike="noStrike">
-              <a:solidFill>
-                <a:srgbClr val="2c3e50"/>
+          <a:lstStyle/>
+          <a:p>
+            <a:endParaRPr lang="en-US" sz="3200" b="1" strike="noStrike" spc="-1">
+              <a:solidFill>
+                <a:srgbClr val="2C3E50"/>
               </a:solidFill>
               <a:latin typeface="Source Sans Pro Semibold"/>
             </a:endParaRPr>
@@ -3601,13 +3876,14 @@
           </a:prstGeom>
         </p:spPr>
         <p:txBody>
-          <a:bodyPr lIns="0" rIns="0" tIns="0" bIns="0">
+          <a:bodyPr lIns="0" tIns="0" rIns="0" bIns="0">
             <a:normAutofit/>
           </a:bodyPr>
-          <a:p>
-            <a:endParaRPr b="1" lang="en-US" sz="3200" spc="-1" strike="noStrike">
-              <a:solidFill>
-                <a:srgbClr val="2c3e50"/>
+          <a:lstStyle/>
+          <a:p>
+            <a:endParaRPr lang="en-US" sz="3200" b="1" strike="noStrike" spc="-1">
+              <a:solidFill>
+                <a:srgbClr val="2C3E50"/>
               </a:solidFill>
               <a:latin typeface="Source Sans Pro Semibold"/>
             </a:endParaRPr>
@@ -3634,13 +3910,14 @@
           </a:prstGeom>
         </p:spPr>
         <p:txBody>
-          <a:bodyPr lIns="0" rIns="0" tIns="0" bIns="0">
+          <a:bodyPr lIns="0" tIns="0" rIns="0" bIns="0">
             <a:normAutofit/>
           </a:bodyPr>
-          <a:p>
-            <a:endParaRPr b="1" lang="en-US" sz="3200" spc="-1" strike="noStrike">
-              <a:solidFill>
-                <a:srgbClr val="2c3e50"/>
+          <a:lstStyle/>
+          <a:p>
+            <a:endParaRPr lang="en-US" sz="3200" b="1" strike="noStrike" spc="-1">
+              <a:solidFill>
+                <a:srgbClr val="2C3E50"/>
               </a:solidFill>
               <a:latin typeface="Source Sans Pro Semibold"/>
             </a:endParaRPr>
@@ -3649,11 +3926,14 @@
       </p:sp>
     </p:spTree>
   </p:cSld>
+  <p:clrMapOvr>
+    <a:masterClrMapping/>
+  </p:clrMapOvr>
 </p:sldLayout>
 </file>
 
 <file path=ppt/slideLayouts/slideLayout4.xml><?xml version="1.0" encoding="utf-8"?>
-<p:sldLayout xmlns:a="http://schemas.openxmlformats.org/drawingml/2006/main" xmlns:p="http://schemas.openxmlformats.org/presentationml/2006/main" xmlns:r="http://schemas.openxmlformats.org/officeDocument/2006/relationships" xmlns:p14="http://schemas.microsoft.com/office/powerpoint/2010/main" xmlns:p15="http://schemas.microsoft.com/office/powerpoint/2012/main" xmlns:mc="http://schemas.openxmlformats.org/markup-compatibility/2006" type="twoObj" preserve="1">
+<p:sldLayout xmlns:a="http://schemas.openxmlformats.org/drawingml/2006/main" xmlns:r="http://schemas.openxmlformats.org/officeDocument/2006/relationships" xmlns:p="http://schemas.openxmlformats.org/presentationml/2006/main" type="twoObj" preserve="1">
   <p:cSld name="Title, 2 Content">
     <p:spTree>
       <p:nvGrpSpPr>
@@ -3689,12 +3969,13 @@
           </a:prstGeom>
         </p:spPr>
         <p:txBody>
-          <a:bodyPr lIns="0" rIns="0" tIns="0" bIns="0" anchor="ctr"/>
+          <a:bodyPr lIns="0" tIns="0" rIns="0" bIns="0" anchor="ctr"/>
+          <a:lstStyle/>
           <a:p>
             <a:pPr algn="ctr"/>
-            <a:endParaRPr b="1" lang="en-US" sz="3600" spc="-1" strike="noStrike">
-              <a:solidFill>
-                <a:srgbClr val="ffffff"/>
+            <a:endParaRPr lang="en-US" sz="3600" b="1" strike="noStrike" spc="-1">
+              <a:solidFill>
+                <a:srgbClr val="FFFFFF"/>
               </a:solidFill>
               <a:latin typeface="Source Sans Pro Black"/>
             </a:endParaRPr>
@@ -3721,13 +4002,14 @@
           </a:prstGeom>
         </p:spPr>
         <p:txBody>
-          <a:bodyPr lIns="0" rIns="0" tIns="0" bIns="0">
+          <a:bodyPr lIns="0" tIns="0" rIns="0" bIns="0">
             <a:normAutofit/>
           </a:bodyPr>
-          <a:p>
-            <a:endParaRPr b="1" lang="en-US" sz="3200" spc="-1" strike="noStrike">
-              <a:solidFill>
-                <a:srgbClr val="2c3e50"/>
+          <a:lstStyle/>
+          <a:p>
+            <a:endParaRPr lang="en-US" sz="3200" b="1" strike="noStrike" spc="-1">
+              <a:solidFill>
+                <a:srgbClr val="2C3E50"/>
               </a:solidFill>
               <a:latin typeface="Source Sans Pro Semibold"/>
             </a:endParaRPr>
@@ -3754,13 +4036,14 @@
           </a:prstGeom>
         </p:spPr>
         <p:txBody>
-          <a:bodyPr lIns="0" rIns="0" tIns="0" bIns="0">
+          <a:bodyPr lIns="0" tIns="0" rIns="0" bIns="0">
             <a:normAutofit/>
           </a:bodyPr>
-          <a:p>
-            <a:endParaRPr b="1" lang="en-US" sz="3200" spc="-1" strike="noStrike">
-              <a:solidFill>
-                <a:srgbClr val="2c3e50"/>
+          <a:lstStyle/>
+          <a:p>
+            <a:endParaRPr lang="en-US" sz="3200" b="1" strike="noStrike" spc="-1">
+              <a:solidFill>
+                <a:srgbClr val="2C3E50"/>
               </a:solidFill>
               <a:latin typeface="Source Sans Pro Semibold"/>
             </a:endParaRPr>
@@ -3769,11 +4052,14 @@
       </p:sp>
     </p:spTree>
   </p:cSld>
+  <p:clrMapOvr>
+    <a:masterClrMapping/>
+  </p:clrMapOvr>
 </p:sldLayout>
 </file>
 
 <file path=ppt/slideLayouts/slideLayout5.xml><?xml version="1.0" encoding="utf-8"?>
-<p:sldLayout xmlns:a="http://schemas.openxmlformats.org/drawingml/2006/main" xmlns:p="http://schemas.openxmlformats.org/presentationml/2006/main" xmlns:r="http://schemas.openxmlformats.org/officeDocument/2006/relationships" xmlns:p14="http://schemas.microsoft.com/office/powerpoint/2010/main" xmlns:p15="http://schemas.microsoft.com/office/powerpoint/2012/main" xmlns:mc="http://schemas.openxmlformats.org/markup-compatibility/2006" type="titleOnly" preserve="1">
+<p:sldLayout xmlns:a="http://schemas.openxmlformats.org/drawingml/2006/main" xmlns:r="http://schemas.openxmlformats.org/officeDocument/2006/relationships" xmlns:p="http://schemas.openxmlformats.org/presentationml/2006/main" type="titleOnly" preserve="1">
   <p:cSld name="Title Only">
     <p:spTree>
       <p:nvGrpSpPr>
@@ -3809,12 +4095,13 @@
           </a:prstGeom>
         </p:spPr>
         <p:txBody>
-          <a:bodyPr lIns="0" rIns="0" tIns="0" bIns="0" anchor="ctr"/>
+          <a:bodyPr lIns="0" tIns="0" rIns="0" bIns="0" anchor="ctr"/>
+          <a:lstStyle/>
           <a:p>
             <a:pPr algn="ctr"/>
-            <a:endParaRPr b="1" lang="en-US" sz="3600" spc="-1" strike="noStrike">
-              <a:solidFill>
-                <a:srgbClr val="ffffff"/>
+            <a:endParaRPr lang="en-US" sz="3600" b="1" strike="noStrike" spc="-1">
+              <a:solidFill>
+                <a:srgbClr val="FFFFFF"/>
               </a:solidFill>
               <a:latin typeface="Source Sans Pro Black"/>
             </a:endParaRPr>
@@ -3823,11 +4110,14 @@
       </p:sp>
     </p:spTree>
   </p:cSld>
+  <p:clrMapOvr>
+    <a:masterClrMapping/>
+  </p:clrMapOvr>
 </p:sldLayout>
 </file>
 
 <file path=ppt/slideLayouts/slideLayout6.xml><?xml version="1.0" encoding="utf-8"?>
-<p:sldLayout xmlns:a="http://schemas.openxmlformats.org/drawingml/2006/main" xmlns:p="http://schemas.openxmlformats.org/presentationml/2006/main" xmlns:r="http://schemas.openxmlformats.org/officeDocument/2006/relationships" xmlns:p14="http://schemas.microsoft.com/office/powerpoint/2010/main" xmlns:p15="http://schemas.microsoft.com/office/powerpoint/2012/main" xmlns:mc="http://schemas.openxmlformats.org/markup-compatibility/2006" type="objOnly" preserve="1">
+<p:sldLayout xmlns:a="http://schemas.openxmlformats.org/drawingml/2006/main" xmlns:r="http://schemas.openxmlformats.org/officeDocument/2006/relationships" xmlns:p="http://schemas.openxmlformats.org/presentationml/2006/main" type="objOnly" preserve="1">
   <p:cSld name="Centered Text">
     <p:spTree>
       <p:nvGrpSpPr>
@@ -3863,12 +4153,13 @@
           </a:prstGeom>
         </p:spPr>
         <p:txBody>
-          <a:bodyPr lIns="0" rIns="0" tIns="0" bIns="0" anchor="ctr"/>
+          <a:bodyPr lIns="0" tIns="0" rIns="0" bIns="0" anchor="ctr"/>
+          <a:lstStyle/>
           <a:p>
             <a:pPr algn="ctr"/>
-            <a:endParaRPr b="0" lang="en-US" sz="3200" spc="-1" strike="noStrike">
-              <a:solidFill>
-                <a:srgbClr val="2c3e50"/>
+            <a:endParaRPr lang="en-US" sz="3200" b="0" strike="noStrike" spc="-1">
+              <a:solidFill>
+                <a:srgbClr val="2C3E50"/>
               </a:solidFill>
               <a:latin typeface="Source Sans Pro"/>
             </a:endParaRPr>
@@ -3877,11 +4168,14 @@
       </p:sp>
     </p:spTree>
   </p:cSld>
+  <p:clrMapOvr>
+    <a:masterClrMapping/>
+  </p:clrMapOvr>
 </p:sldLayout>
 </file>
 
 <file path=ppt/slideLayouts/slideLayout7.xml><?xml version="1.0" encoding="utf-8"?>
-<p:sldLayout xmlns:a="http://schemas.openxmlformats.org/drawingml/2006/main" xmlns:p="http://schemas.openxmlformats.org/presentationml/2006/main" xmlns:r="http://schemas.openxmlformats.org/officeDocument/2006/relationships" xmlns:p14="http://schemas.microsoft.com/office/powerpoint/2010/main" xmlns:p15="http://schemas.microsoft.com/office/powerpoint/2012/main" xmlns:mc="http://schemas.openxmlformats.org/markup-compatibility/2006" type="twoObjAndObj" preserve="1">
+<p:sldLayout xmlns:a="http://schemas.openxmlformats.org/drawingml/2006/main" xmlns:r="http://schemas.openxmlformats.org/officeDocument/2006/relationships" xmlns:p="http://schemas.openxmlformats.org/presentationml/2006/main" type="twoObjAndObj" preserve="1">
   <p:cSld name="Title, 2 Content and Content">
     <p:spTree>
       <p:nvGrpSpPr>
@@ -3917,12 +4211,13 @@
           </a:prstGeom>
         </p:spPr>
         <p:txBody>
-          <a:bodyPr lIns="0" rIns="0" tIns="0" bIns="0" anchor="ctr"/>
+          <a:bodyPr lIns="0" tIns="0" rIns="0" bIns="0" anchor="ctr"/>
+          <a:lstStyle/>
           <a:p>
             <a:pPr algn="ctr"/>
-            <a:endParaRPr b="1" lang="en-US" sz="3600" spc="-1" strike="noStrike">
-              <a:solidFill>
-                <a:srgbClr val="ffffff"/>
+            <a:endParaRPr lang="en-US" sz="3600" b="1" strike="noStrike" spc="-1">
+              <a:solidFill>
+                <a:srgbClr val="FFFFFF"/>
               </a:solidFill>
               <a:latin typeface="Source Sans Pro Black"/>
             </a:endParaRPr>
@@ -3949,13 +4244,14 @@
           </a:prstGeom>
         </p:spPr>
         <p:txBody>
-          <a:bodyPr lIns="0" rIns="0" tIns="0" bIns="0">
+          <a:bodyPr lIns="0" tIns="0" rIns="0" bIns="0">
             <a:normAutofit/>
           </a:bodyPr>
-          <a:p>
-            <a:endParaRPr b="1" lang="en-US" sz="3200" spc="-1" strike="noStrike">
-              <a:solidFill>
-                <a:srgbClr val="2c3e50"/>
+          <a:lstStyle/>
+          <a:p>
+            <a:endParaRPr lang="en-US" sz="3200" b="1" strike="noStrike" spc="-1">
+              <a:solidFill>
+                <a:srgbClr val="2C3E50"/>
               </a:solidFill>
               <a:latin typeface="Source Sans Pro Semibold"/>
             </a:endParaRPr>
@@ -3982,13 +4278,14 @@
           </a:prstGeom>
         </p:spPr>
         <p:txBody>
-          <a:bodyPr lIns="0" rIns="0" tIns="0" bIns="0">
+          <a:bodyPr lIns="0" tIns="0" rIns="0" bIns="0">
             <a:normAutofit/>
           </a:bodyPr>
-          <a:p>
-            <a:endParaRPr b="1" lang="en-US" sz="3200" spc="-1" strike="noStrike">
-              <a:solidFill>
-                <a:srgbClr val="2c3e50"/>
+          <a:lstStyle/>
+          <a:p>
+            <a:endParaRPr lang="en-US" sz="3200" b="1" strike="noStrike" spc="-1">
+              <a:solidFill>
+                <a:srgbClr val="2C3E50"/>
               </a:solidFill>
               <a:latin typeface="Source Sans Pro Semibold"/>
             </a:endParaRPr>
@@ -4015,13 +4312,14 @@
           </a:prstGeom>
         </p:spPr>
         <p:txBody>
-          <a:bodyPr lIns="0" rIns="0" tIns="0" bIns="0">
+          <a:bodyPr lIns="0" tIns="0" rIns="0" bIns="0">
             <a:normAutofit/>
           </a:bodyPr>
-          <a:p>
-            <a:endParaRPr b="1" lang="en-US" sz="3200" spc="-1" strike="noStrike">
-              <a:solidFill>
-                <a:srgbClr val="2c3e50"/>
+          <a:lstStyle/>
+          <a:p>
+            <a:endParaRPr lang="en-US" sz="3200" b="1" strike="noStrike" spc="-1">
+              <a:solidFill>
+                <a:srgbClr val="2C3E50"/>
               </a:solidFill>
               <a:latin typeface="Source Sans Pro Semibold"/>
             </a:endParaRPr>
@@ -4030,11 +4328,14 @@
       </p:sp>
     </p:spTree>
   </p:cSld>
+  <p:clrMapOvr>
+    <a:masterClrMapping/>
+  </p:clrMapOvr>
 </p:sldLayout>
 </file>
 
 <file path=ppt/slideLayouts/slideLayout8.xml><?xml version="1.0" encoding="utf-8"?>
-<p:sldLayout xmlns:a="http://schemas.openxmlformats.org/drawingml/2006/main" xmlns:p="http://schemas.openxmlformats.org/presentationml/2006/main" xmlns:r="http://schemas.openxmlformats.org/officeDocument/2006/relationships" xmlns:p14="http://schemas.microsoft.com/office/powerpoint/2010/main" xmlns:p15="http://schemas.microsoft.com/office/powerpoint/2012/main" xmlns:mc="http://schemas.openxmlformats.org/markup-compatibility/2006" type="objAndTwoObj" preserve="1">
+<p:sldLayout xmlns:a="http://schemas.openxmlformats.org/drawingml/2006/main" xmlns:r="http://schemas.openxmlformats.org/officeDocument/2006/relationships" xmlns:p="http://schemas.openxmlformats.org/presentationml/2006/main" type="objAndTwoObj" preserve="1">
   <p:cSld name="Title Content and 2 Content">
     <p:spTree>
       <p:nvGrpSpPr>
@@ -4070,12 +4371,13 @@
           </a:prstGeom>
         </p:spPr>
         <p:txBody>
-          <a:bodyPr lIns="0" rIns="0" tIns="0" bIns="0" anchor="ctr"/>
+          <a:bodyPr lIns="0" tIns="0" rIns="0" bIns="0" anchor="ctr"/>
+          <a:lstStyle/>
           <a:p>
             <a:pPr algn="ctr"/>
-            <a:endParaRPr b="1" lang="en-US" sz="3600" spc="-1" strike="noStrike">
-              <a:solidFill>
-                <a:srgbClr val="ffffff"/>
+            <a:endParaRPr lang="en-US" sz="3600" b="1" strike="noStrike" spc="-1">
+              <a:solidFill>
+                <a:srgbClr val="FFFFFF"/>
               </a:solidFill>
               <a:latin typeface="Source Sans Pro Black"/>
             </a:endParaRPr>
@@ -4102,13 +4404,14 @@
           </a:prstGeom>
         </p:spPr>
         <p:txBody>
-          <a:bodyPr lIns="0" rIns="0" tIns="0" bIns="0">
+          <a:bodyPr lIns="0" tIns="0" rIns="0" bIns="0">
             <a:normAutofit/>
           </a:bodyPr>
-          <a:p>
-            <a:endParaRPr b="1" lang="en-US" sz="3200" spc="-1" strike="noStrike">
-              <a:solidFill>
-                <a:srgbClr val="2c3e50"/>
+          <a:lstStyle/>
+          <a:p>
+            <a:endParaRPr lang="en-US" sz="3200" b="1" strike="noStrike" spc="-1">
+              <a:solidFill>
+                <a:srgbClr val="2C3E50"/>
               </a:solidFill>
               <a:latin typeface="Source Sans Pro Semibold"/>
             </a:endParaRPr>
@@ -4135,13 +4438,14 @@
           </a:prstGeom>
         </p:spPr>
         <p:txBody>
-          <a:bodyPr lIns="0" rIns="0" tIns="0" bIns="0">
+          <a:bodyPr lIns="0" tIns="0" rIns="0" bIns="0">
             <a:normAutofit/>
           </a:bodyPr>
-          <a:p>
-            <a:endParaRPr b="1" lang="en-US" sz="3200" spc="-1" strike="noStrike">
-              <a:solidFill>
-                <a:srgbClr val="2c3e50"/>
+          <a:lstStyle/>
+          <a:p>
+            <a:endParaRPr lang="en-US" sz="3200" b="1" strike="noStrike" spc="-1">
+              <a:solidFill>
+                <a:srgbClr val="2C3E50"/>
               </a:solidFill>
               <a:latin typeface="Source Sans Pro Semibold"/>
             </a:endParaRPr>
@@ -4168,13 +4472,14 @@
           </a:prstGeom>
         </p:spPr>
         <p:txBody>
-          <a:bodyPr lIns="0" rIns="0" tIns="0" bIns="0">
+          <a:bodyPr lIns="0" tIns="0" rIns="0" bIns="0">
             <a:normAutofit/>
           </a:bodyPr>
-          <a:p>
-            <a:endParaRPr b="1" lang="en-US" sz="3200" spc="-1" strike="noStrike">
-              <a:solidFill>
-                <a:srgbClr val="2c3e50"/>
+          <a:lstStyle/>
+          <a:p>
+            <a:endParaRPr lang="en-US" sz="3200" b="1" strike="noStrike" spc="-1">
+              <a:solidFill>
+                <a:srgbClr val="2C3E50"/>
               </a:solidFill>
               <a:latin typeface="Source Sans Pro Semibold"/>
             </a:endParaRPr>
@@ -4183,11 +4488,14 @@
       </p:sp>
     </p:spTree>
   </p:cSld>
+  <p:clrMapOvr>
+    <a:masterClrMapping/>
+  </p:clrMapOvr>
 </p:sldLayout>
 </file>
 
 <file path=ppt/slideLayouts/slideLayout9.xml><?xml version="1.0" encoding="utf-8"?>
-<p:sldLayout xmlns:a="http://schemas.openxmlformats.org/drawingml/2006/main" xmlns:p="http://schemas.openxmlformats.org/presentationml/2006/main" xmlns:r="http://schemas.openxmlformats.org/officeDocument/2006/relationships" xmlns:p14="http://schemas.microsoft.com/office/powerpoint/2010/main" xmlns:p15="http://schemas.microsoft.com/office/powerpoint/2012/main" xmlns:mc="http://schemas.openxmlformats.org/markup-compatibility/2006" type="twoObjOverTx" preserve="1">
+<p:sldLayout xmlns:a="http://schemas.openxmlformats.org/drawingml/2006/main" xmlns:r="http://schemas.openxmlformats.org/officeDocument/2006/relationships" xmlns:p="http://schemas.openxmlformats.org/presentationml/2006/main" type="twoObjOverTx" preserve="1">
   <p:cSld name="Title, 2 Content over Content">
     <p:spTree>
       <p:nvGrpSpPr>
@@ -4223,12 +4531,13 @@
           </a:prstGeom>
         </p:spPr>
         <p:txBody>
-          <a:bodyPr lIns="0" rIns="0" tIns="0" bIns="0" anchor="ctr"/>
+          <a:bodyPr lIns="0" tIns="0" rIns="0" bIns="0" anchor="ctr"/>
+          <a:lstStyle/>
           <a:p>
             <a:pPr algn="ctr"/>
-            <a:endParaRPr b="1" lang="en-US" sz="3600" spc="-1" strike="noStrike">
-              <a:solidFill>
-                <a:srgbClr val="ffffff"/>
+            <a:endParaRPr lang="en-US" sz="3600" b="1" strike="noStrike" spc="-1">
+              <a:solidFill>
+                <a:srgbClr val="FFFFFF"/>
               </a:solidFill>
               <a:latin typeface="Source Sans Pro Black"/>
             </a:endParaRPr>
@@ -4255,13 +4564,14 @@
           </a:prstGeom>
         </p:spPr>
         <p:txBody>
-          <a:bodyPr lIns="0" rIns="0" tIns="0" bIns="0">
+          <a:bodyPr lIns="0" tIns="0" rIns="0" bIns="0">
             <a:normAutofit/>
           </a:bodyPr>
-          <a:p>
-            <a:endParaRPr b="1" lang="en-US" sz="3200" spc="-1" strike="noStrike">
-              <a:solidFill>
-                <a:srgbClr val="2c3e50"/>
+          <a:lstStyle/>
+          <a:p>
+            <a:endParaRPr lang="en-US" sz="3200" b="1" strike="noStrike" spc="-1">
+              <a:solidFill>
+                <a:srgbClr val="2C3E50"/>
               </a:solidFill>
               <a:latin typeface="Source Sans Pro Semibold"/>
             </a:endParaRPr>
@@ -4288,13 +4598,14 @@
           </a:prstGeom>
         </p:spPr>
         <p:txBody>
-          <a:bodyPr lIns="0" rIns="0" tIns="0" bIns="0">
+          <a:bodyPr lIns="0" tIns="0" rIns="0" bIns="0">
             <a:normAutofit/>
           </a:bodyPr>
-          <a:p>
-            <a:endParaRPr b="1" lang="en-US" sz="3200" spc="-1" strike="noStrike">
-              <a:solidFill>
-                <a:srgbClr val="2c3e50"/>
+          <a:lstStyle/>
+          <a:p>
+            <a:endParaRPr lang="en-US" sz="3200" b="1" strike="noStrike" spc="-1">
+              <a:solidFill>
+                <a:srgbClr val="2C3E50"/>
               </a:solidFill>
               <a:latin typeface="Source Sans Pro Semibold"/>
             </a:endParaRPr>
@@ -4321,13 +4632,14 @@
           </a:prstGeom>
         </p:spPr>
         <p:txBody>
-          <a:bodyPr lIns="0" rIns="0" tIns="0" bIns="0">
+          <a:bodyPr lIns="0" tIns="0" rIns="0" bIns="0">
             <a:normAutofit/>
           </a:bodyPr>
-          <a:p>
-            <a:endParaRPr b="1" lang="en-US" sz="3200" spc="-1" strike="noStrike">
-              <a:solidFill>
-                <a:srgbClr val="2c3e50"/>
+          <a:lstStyle/>
+          <a:p>
+            <a:endParaRPr lang="en-US" sz="3200" b="1" strike="noStrike" spc="-1">
+              <a:solidFill>
+                <a:srgbClr val="2C3E50"/>
               </a:solidFill>
               <a:latin typeface="Source Sans Pro Semibold"/>
             </a:endParaRPr>
@@ -4336,12 +4648,20 @@
       </p:sp>
     </p:spTree>
   </p:cSld>
+  <p:clrMapOvr>
+    <a:masterClrMapping/>
+  </p:clrMapOvr>
 </p:sldLayout>
 </file>
 
 <file path=ppt/slideMasters/slideMaster1.xml><?xml version="1.0" encoding="utf-8"?>
-<p:sldMaster xmlns:a="http://schemas.openxmlformats.org/drawingml/2006/main" xmlns:p="http://schemas.openxmlformats.org/presentationml/2006/main" xmlns:r="http://schemas.openxmlformats.org/officeDocument/2006/relationships" xmlns:p14="http://schemas.microsoft.com/office/powerpoint/2010/main" xmlns:p15="http://schemas.microsoft.com/office/powerpoint/2012/main" xmlns:mc="http://schemas.openxmlformats.org/markup-compatibility/2006">
+<p:sldMaster xmlns:a="http://schemas.openxmlformats.org/drawingml/2006/main" xmlns:r="http://schemas.openxmlformats.org/officeDocument/2006/relationships" xmlns:p="http://schemas.openxmlformats.org/presentationml/2006/main">
   <p:cSld>
+    <p:bg>
+      <p:bgRef idx="1001">
+        <a:schemeClr val="bg1"/>
+      </p:bgRef>
+    </p:bg>
     <p:spTree>
       <p:nvGrpSpPr>
         <p:cNvPr id="1" name=""/>
@@ -4358,7 +4678,7 @@
       </p:grpSpPr>
       <p:sp>
         <p:nvSpPr>
-          <p:cNvPr id="0" name="CustomShape 1"/>
+          <p:cNvPr id="8" name="CustomShape 1"/>
           <p:cNvSpPr/>
           <p:nvPr/>
         </p:nvSpPr>
@@ -4371,22 +4691,28 @@
             <a:avLst/>
           </a:prstGeom>
           <a:solidFill>
-            <a:srgbClr val="2c3e50"/>
+            <a:srgbClr val="2C3E50"/>
           </a:solidFill>
           <a:ln w="72000">
             <a:noFill/>
           </a:ln>
         </p:spPr>
         <p:style>
-          <a:lnRef idx="0"/>
-          <a:fillRef idx="0"/>
-          <a:effectRef idx="0"/>
+          <a:lnRef idx="0">
+            <a:scrgbClr r="0" g="0" b="0"/>
+          </a:lnRef>
+          <a:fillRef idx="0">
+            <a:scrgbClr r="0" g="0" b="0"/>
+          </a:fillRef>
+          <a:effectRef idx="0">
+            <a:scrgbClr r="0" g="0" b="0"/>
+          </a:effectRef>
           <a:fontRef idx="minor"/>
         </p:style>
       </p:sp>
       <p:sp>
         <p:nvSpPr>
-          <p:cNvPr id="1" name="CustomShape 2"/>
+          <p:cNvPr id="9" name="CustomShape 2"/>
           <p:cNvSpPr/>
           <p:nvPr/>
         </p:nvSpPr>
@@ -4399,16 +4725,22 @@
             <a:avLst/>
           </a:prstGeom>
           <a:solidFill>
-            <a:srgbClr val="2c3e50"/>
+            <a:srgbClr val="2C3E50"/>
           </a:solidFill>
           <a:ln w="72000">
             <a:noFill/>
           </a:ln>
         </p:spPr>
         <p:style>
-          <a:lnRef idx="0"/>
-          <a:fillRef idx="0"/>
-          <a:effectRef idx="0"/>
+          <a:lnRef idx="0">
+            <a:scrgbClr r="0" g="0" b="0"/>
+          </a:lnRef>
+          <a:fillRef idx="0">
+            <a:scrgbClr r="0" g="0" b="0"/>
+          </a:fillRef>
+          <a:effectRef idx="0">
+            <a:scrgbClr r="0" g="0" b="0"/>
+          </a:effectRef>
           <a:fontRef idx="minor"/>
         </p:style>
       </p:sp>
@@ -4432,24 +4764,19 @@
           </a:prstGeom>
         </p:spPr>
         <p:txBody>
-          <a:bodyPr lIns="0" rIns="0" tIns="0" bIns="0" anchor="ctr"/>
+          <a:bodyPr lIns="0" tIns="0" rIns="0" bIns="0" anchor="ctr"/>
+          <a:lstStyle/>
           <a:p>
             <a:pPr algn="ctr"/>
             <a:r>
-              <a:rPr b="1" lang="en-US" sz="3600" spc="-1" strike="noStrike">
+              <a:rPr lang="en-US" sz="3600" b="1" strike="noStrike" spc="-1">
                 <a:solidFill>
-                  <a:srgbClr val="ffffff"/>
+                  <a:srgbClr val="FFFFFF"/>
                 </a:solidFill>
                 <a:latin typeface="Source Sans Pro Black"/>
               </a:rPr>
               <a:t>Click to edit the title text format</a:t>
             </a:r>
-            <a:endParaRPr b="1" lang="en-US" sz="3600" spc="-1" strike="noStrike">
-              <a:solidFill>
-                <a:srgbClr val="ffffff"/>
-              </a:solidFill>
-              <a:latin typeface="Source Sans Pro Black"/>
-            </a:endParaRPr>
           </a:p>
         </p:txBody>
       </p:sp>
@@ -4473,204 +4800,163 @@
           </a:prstGeom>
         </p:spPr>
         <p:txBody>
-          <a:bodyPr lIns="0" rIns="0" tIns="0" bIns="0">
+          <a:bodyPr lIns="0" tIns="0" rIns="0" bIns="0">
             <a:normAutofit/>
           </a:bodyPr>
+          <a:lstStyle/>
           <a:p>
             <a:pPr marL="432000" indent="-324000">
               <a:spcAft>
                 <a:spcPts val="1414"/>
               </a:spcAft>
               <a:buClr>
-                <a:srgbClr val="2c3e50"/>
+                <a:srgbClr val="2C3E50"/>
               </a:buClr>
               <a:buSzPct val="45000"/>
               <a:buFont typeface="Wingdings" charset="2"/>
               <a:buChar char=""/>
             </a:pPr>
             <a:r>
-              <a:rPr b="1" lang="en-US" sz="3200" spc="-1" strike="noStrike">
+              <a:rPr lang="en-US" sz="3200" b="1" strike="noStrike" spc="-1">
                 <a:solidFill>
-                  <a:srgbClr val="2c3e50"/>
+                  <a:srgbClr val="2C3E50"/>
                 </a:solidFill>
                 <a:latin typeface="Source Sans Pro Semibold"/>
               </a:rPr>
               <a:t>Click to edit the outline text format</a:t>
             </a:r>
-            <a:endParaRPr b="1" lang="en-US" sz="3200" spc="-1" strike="noStrike">
-              <a:solidFill>
-                <a:srgbClr val="2c3e50"/>
-              </a:solidFill>
-              <a:latin typeface="Source Sans Pro Semibold"/>
-            </a:endParaRPr>
-          </a:p>
-          <a:p>
-            <a:pPr lvl="1" marL="864000" indent="-324000">
+          </a:p>
+          <a:p>
+            <a:pPr marL="864000" lvl="1" indent="-324000">
               <a:spcAft>
                 <a:spcPts val="1134"/>
               </a:spcAft>
               <a:buClr>
-                <a:srgbClr val="2c3e50"/>
+                <a:srgbClr val="2C3E50"/>
               </a:buClr>
               <a:buSzPct val="75000"/>
               <a:buFont typeface="Symbol" charset="2"/>
               <a:buChar char=""/>
             </a:pPr>
             <a:r>
-              <a:rPr b="0" lang="en-US" sz="2800" spc="-1" strike="noStrike">
+              <a:rPr lang="en-US" sz="2800" b="0" strike="noStrike" spc="-1">
                 <a:solidFill>
-                  <a:srgbClr val="2c3e50"/>
+                  <a:srgbClr val="2C3E50"/>
                 </a:solidFill>
                 <a:latin typeface="Source Sans Pro"/>
               </a:rPr>
               <a:t>Second Outline Level</a:t>
             </a:r>
-            <a:endParaRPr b="0" lang="en-US" sz="2800" spc="-1" strike="noStrike">
-              <a:solidFill>
-                <a:srgbClr val="2c3e50"/>
-              </a:solidFill>
-              <a:latin typeface="Source Sans Pro"/>
-            </a:endParaRPr>
-          </a:p>
-          <a:p>
-            <a:pPr lvl="2" marL="1296000" indent="-288000">
+          </a:p>
+          <a:p>
+            <a:pPr marL="1296000" lvl="2" indent="-288000">
               <a:spcAft>
                 <a:spcPts val="850"/>
               </a:spcAft>
               <a:buClr>
-                <a:srgbClr val="2c3e50"/>
+                <a:srgbClr val="2C3E50"/>
               </a:buClr>
               <a:buSzPct val="45000"/>
               <a:buFont typeface="Wingdings" charset="2"/>
               <a:buChar char=""/>
             </a:pPr>
             <a:r>
-              <a:rPr b="0" lang="en-US" sz="2400" spc="-1" strike="noStrike">
+              <a:rPr lang="en-US" sz="2400" b="0" strike="noStrike" spc="-1">
                 <a:solidFill>
-                  <a:srgbClr val="2c3e50"/>
+                  <a:srgbClr val="2C3E50"/>
                 </a:solidFill>
                 <a:latin typeface="Source Sans Pro"/>
               </a:rPr>
               <a:t>Third Outline Level</a:t>
             </a:r>
-            <a:endParaRPr b="0" lang="en-US" sz="2400" spc="-1" strike="noStrike">
-              <a:solidFill>
-                <a:srgbClr val="2c3e50"/>
-              </a:solidFill>
-              <a:latin typeface="Source Sans Pro"/>
-            </a:endParaRPr>
-          </a:p>
-          <a:p>
-            <a:pPr lvl="3" marL="1728000" indent="-216000">
+          </a:p>
+          <a:p>
+            <a:pPr marL="1728000" lvl="3" indent="-216000">
               <a:spcAft>
                 <a:spcPts val="567"/>
               </a:spcAft>
               <a:buClr>
-                <a:srgbClr val="2c3e50"/>
+                <a:srgbClr val="2C3E50"/>
               </a:buClr>
               <a:buSzPct val="75000"/>
               <a:buFont typeface="Symbol" charset="2"/>
               <a:buChar char=""/>
             </a:pPr>
             <a:r>
-              <a:rPr b="0" lang="en-US" sz="2000" spc="-1" strike="noStrike">
+              <a:rPr lang="en-US" sz="2000" b="0" strike="noStrike" spc="-1">
                 <a:solidFill>
-                  <a:srgbClr val="2c3e50"/>
+                  <a:srgbClr val="2C3E50"/>
                 </a:solidFill>
                 <a:latin typeface="Source Sans Pro"/>
               </a:rPr>
               <a:t>Fourth Outline Level</a:t>
             </a:r>
-            <a:endParaRPr b="0" lang="en-US" sz="2000" spc="-1" strike="noStrike">
-              <a:solidFill>
-                <a:srgbClr val="2c3e50"/>
-              </a:solidFill>
-              <a:latin typeface="Source Sans Pro"/>
-            </a:endParaRPr>
-          </a:p>
-          <a:p>
-            <a:pPr lvl="4" marL="2160000" indent="-216000">
+          </a:p>
+          <a:p>
+            <a:pPr marL="2160000" lvl="4" indent="-216000">
               <a:spcAft>
                 <a:spcPts val="283"/>
               </a:spcAft>
               <a:buClr>
-                <a:srgbClr val="2c3e50"/>
+                <a:srgbClr val="2C3E50"/>
               </a:buClr>
               <a:buSzPct val="45000"/>
               <a:buFont typeface="Wingdings" charset="2"/>
               <a:buChar char=""/>
             </a:pPr>
             <a:r>
-              <a:rPr b="0" lang="en-US" sz="2000" spc="-1" strike="noStrike">
+              <a:rPr lang="en-US" sz="2000" b="0" strike="noStrike" spc="-1">
                 <a:solidFill>
-                  <a:srgbClr val="2c3e50"/>
+                  <a:srgbClr val="2C3E50"/>
                 </a:solidFill>
                 <a:latin typeface="Source Sans Pro"/>
               </a:rPr>
               <a:t>Fifth Outline Level</a:t>
             </a:r>
-            <a:endParaRPr b="0" lang="en-US" sz="2000" spc="-1" strike="noStrike">
-              <a:solidFill>
-                <a:srgbClr val="2c3e50"/>
-              </a:solidFill>
-              <a:latin typeface="Source Sans Pro"/>
-            </a:endParaRPr>
-          </a:p>
-          <a:p>
-            <a:pPr lvl="5" marL="2592000" indent="-216000">
+          </a:p>
+          <a:p>
+            <a:pPr marL="2592000" lvl="5" indent="-216000">
               <a:spcAft>
                 <a:spcPts val="283"/>
               </a:spcAft>
               <a:buClr>
-                <a:srgbClr val="2c3e50"/>
+                <a:srgbClr val="2C3E50"/>
               </a:buClr>
               <a:buSzPct val="45000"/>
               <a:buFont typeface="Wingdings" charset="2"/>
               <a:buChar char=""/>
             </a:pPr>
             <a:r>
-              <a:rPr b="0" lang="en-US" sz="2000" spc="-1" strike="noStrike">
+              <a:rPr lang="en-US" sz="2000" b="0" strike="noStrike" spc="-1">
                 <a:solidFill>
-                  <a:srgbClr val="2c3e50"/>
+                  <a:srgbClr val="2C3E50"/>
                 </a:solidFill>
                 <a:latin typeface="Source Sans Pro"/>
               </a:rPr>
               <a:t>Sixth Outline Level</a:t>
             </a:r>
-            <a:endParaRPr b="0" lang="en-US" sz="2000" spc="-1" strike="noStrike">
-              <a:solidFill>
-                <a:srgbClr val="2c3e50"/>
-              </a:solidFill>
-              <a:latin typeface="Source Sans Pro"/>
-            </a:endParaRPr>
-          </a:p>
-          <a:p>
-            <a:pPr lvl="6" marL="3024000" indent="-216000">
+          </a:p>
+          <a:p>
+            <a:pPr marL="3024000" lvl="6" indent="-216000">
               <a:spcAft>
                 <a:spcPts val="283"/>
               </a:spcAft>
               <a:buClr>
-                <a:srgbClr val="2c3e50"/>
+                <a:srgbClr val="2C3E50"/>
               </a:buClr>
               <a:buSzPct val="45000"/>
               <a:buFont typeface="Wingdings" charset="2"/>
               <a:buChar char=""/>
             </a:pPr>
             <a:r>
-              <a:rPr b="0" lang="en-US" sz="2000" spc="-1" strike="noStrike">
+              <a:rPr lang="en-US" sz="2000" b="0" strike="noStrike" spc="-1">
                 <a:solidFill>
-                  <a:srgbClr val="2c3e50"/>
+                  <a:srgbClr val="2C3E50"/>
                 </a:solidFill>
                 <a:latin typeface="Source Sans Pro"/>
               </a:rPr>
               <a:t>Seventh Outline Level</a:t>
             </a:r>
-            <a:endParaRPr b="0" lang="en-US" sz="2000" spc="-1" strike="noStrike">
-              <a:solidFill>
-                <a:srgbClr val="2c3e50"/>
-              </a:solidFill>
-              <a:latin typeface="Source Sans Pro"/>
-            </a:endParaRPr>
           </a:p>
         </p:txBody>
       </p:sp>
@@ -4694,23 +4980,18 @@
           </a:prstGeom>
         </p:spPr>
         <p:txBody>
-          <a:bodyPr lIns="0" rIns="0" tIns="0" bIns="0"/>
+          <a:bodyPr lIns="0" tIns="0" rIns="0" bIns="0"/>
+          <a:lstStyle/>
           <a:p>
             <a:r>
-              <a:rPr b="1" lang="en-US" sz="1800" spc="-1" strike="noStrike">
+              <a:rPr lang="en-US" sz="1800" b="1" strike="noStrike" spc="-1">
                 <a:solidFill>
-                  <a:srgbClr val="ffffff"/>
+                  <a:srgbClr val="FFFFFF"/>
                 </a:solidFill>
                 <a:latin typeface="Source Sans Pro Black"/>
               </a:rPr>
               <a:t>&lt;date/time&gt;</a:t>
             </a:r>
-            <a:endParaRPr b="1" lang="en-US" sz="1800" spc="-1" strike="noStrike">
-              <a:solidFill>
-                <a:srgbClr val="ffffff"/>
-              </a:solidFill>
-              <a:latin typeface="Source Sans Pro Black"/>
-            </a:endParaRPr>
           </a:p>
         </p:txBody>
       </p:sp>
@@ -4734,24 +5015,19 @@
           </a:prstGeom>
         </p:spPr>
         <p:txBody>
-          <a:bodyPr lIns="0" rIns="0" tIns="0" bIns="0"/>
+          <a:bodyPr lIns="0" tIns="0" rIns="0" bIns="0"/>
+          <a:lstStyle/>
           <a:p>
             <a:pPr algn="ctr"/>
             <a:r>
-              <a:rPr b="1" lang="en-US" sz="1800" spc="-1" strike="noStrike">
+              <a:rPr lang="en-US" sz="1800" b="1" strike="noStrike" spc="-1">
                 <a:solidFill>
-                  <a:srgbClr val="ffffff"/>
+                  <a:srgbClr val="FFFFFF"/>
                 </a:solidFill>
                 <a:latin typeface="Source Sans Pro Black"/>
               </a:rPr>
               <a:t>&lt;footer&gt;</a:t>
             </a:r>
-            <a:endParaRPr b="1" lang="en-US" sz="1800" spc="-1" strike="noStrike">
-              <a:solidFill>
-                <a:srgbClr val="ffffff"/>
-              </a:solidFill>
-              <a:latin typeface="Source Sans Pro Black"/>
-            </a:endParaRPr>
           </a:p>
         </p:txBody>
       </p:sp>
@@ -4770,16 +5046,22 @@
             <a:avLst/>
           </a:prstGeom>
           <a:solidFill>
-            <a:srgbClr val="1abc9c"/>
+            <a:srgbClr val="1ABC9C"/>
           </a:solidFill>
           <a:ln w="72000">
             <a:noFill/>
           </a:ln>
         </p:spPr>
         <p:style>
-          <a:lnRef idx="0"/>
-          <a:fillRef idx="0"/>
-          <a:effectRef idx="0"/>
+          <a:lnRef idx="0">
+            <a:scrgbClr r="0" g="0" b="0"/>
+          </a:lnRef>
+          <a:fillRef idx="0">
+            <a:scrgbClr r="0" g="0" b="0"/>
+          </a:fillRef>
+          <a:effectRef idx="0">
+            <a:scrgbClr r="0" g="0" b="0"/>
+          </a:effectRef>
           <a:fontRef idx="minor"/>
         </p:style>
       </p:sp>
@@ -4803,21 +5085,22 @@
           </a:prstGeom>
         </p:spPr>
         <p:txBody>
-          <a:bodyPr lIns="0" rIns="0" tIns="0" bIns="0" anchor="ctr"/>
+          <a:bodyPr lIns="0" tIns="0" rIns="0" bIns="0" anchor="ctr"/>
+          <a:lstStyle/>
           <a:p>
             <a:pPr algn="ctr"/>
             <a:fld id="{B4A21DCC-27B3-4900-9219-0FD7E1E6E574}" type="slidenum">
-              <a:rPr b="1" lang="en-US" sz="1800" spc="-1" strike="noStrike">
+              <a:rPr lang="en-US" sz="1800" b="1" strike="noStrike" spc="-1">
                 <a:solidFill>
-                  <a:srgbClr val="ffffff"/>
+                  <a:srgbClr val="FFFFFF"/>
                 </a:solidFill>
                 <a:latin typeface="Source Sans Pro Black"/>
               </a:rPr>
-              <a:t>&lt;number&gt;</a:t>
+              <a:t>‹#›</a:t>
             </a:fld>
-            <a:endParaRPr b="1" lang="en-US" sz="1800" spc="-1" strike="noStrike">
-              <a:solidFill>
-                <a:srgbClr val="ffffff"/>
+            <a:endParaRPr lang="en-US" sz="1800" b="1" strike="noStrike" spc="-1">
+              <a:solidFill>
+                <a:srgbClr val="FFFFFF"/>
               </a:solidFill>
               <a:latin typeface="Source Sans Pro Black"/>
             </a:endParaRPr>
@@ -4826,32 +5109,313 @@
       </p:sp>
     </p:spTree>
   </p:cSld>
-  <p:clrMap bg1="lt1" bg2="lt2" tx1="dk1" tx2="dk2" accent1="accent1" accent2="accent2" accent3="accent3" accent4="accent4" accent5="accent5" accent6="accent6" hlink="hlink" folHlink="folHlink"/>
+  <p:clrMap bg1="lt1" tx1="dk1" bg2="lt2" tx2="dk2" accent1="accent1" accent2="accent2" accent3="accent3" accent4="accent4" accent5="accent5" accent6="accent6" hlink="hlink" folHlink="folHlink"/>
   <p:sldLayoutIdLst>
-    <p:sldLayoutId id="2147483649" r:id="rId2"/>
-    <p:sldLayoutId id="2147483650" r:id="rId3"/>
-    <p:sldLayoutId id="2147483651" r:id="rId4"/>
-    <p:sldLayoutId id="2147483652" r:id="rId5"/>
-    <p:sldLayoutId id="2147483653" r:id="rId6"/>
-    <p:sldLayoutId id="2147483654" r:id="rId7"/>
-    <p:sldLayoutId id="2147483655" r:id="rId8"/>
-    <p:sldLayoutId id="2147483656" r:id="rId9"/>
-    <p:sldLayoutId id="2147483657" r:id="rId10"/>
-    <p:sldLayoutId id="2147483658" r:id="rId11"/>
-    <p:sldLayoutId id="2147483659" r:id="rId12"/>
-    <p:sldLayoutId id="2147483660" r:id="rId13"/>
+    <p:sldLayoutId id="2147483649" r:id="rId1"/>
+    <p:sldLayoutId id="2147483650" r:id="rId2"/>
+    <p:sldLayoutId id="2147483651" r:id="rId3"/>
+    <p:sldLayoutId id="2147483652" r:id="rId4"/>
+    <p:sldLayoutId id="2147483653" r:id="rId5"/>
+    <p:sldLayoutId id="2147483654" r:id="rId6"/>
+    <p:sldLayoutId id="2147483655" r:id="rId7"/>
+    <p:sldLayoutId id="2147483656" r:id="rId8"/>
+    <p:sldLayoutId id="2147483657" r:id="rId9"/>
+    <p:sldLayoutId id="2147483658" r:id="rId10"/>
+    <p:sldLayoutId id="2147483659" r:id="rId11"/>
+    <p:sldLayoutId id="2147483660" r:id="rId12"/>
   </p:sldLayoutIdLst>
+  <p:txStyles>
+    <p:titleStyle>
+      <a:lvl1pPr algn="l" defTabSz="914400" rtl="0" eaLnBrk="1" latinLnBrk="0" hangingPunct="1">
+        <a:lnSpc>
+          <a:spcPct val="90000"/>
+        </a:lnSpc>
+        <a:spcBef>
+          <a:spcPct val="0"/>
+        </a:spcBef>
+        <a:buNone/>
+        <a:defRPr sz="4400" kern="1200">
+          <a:solidFill>
+            <a:schemeClr val="tx1"/>
+          </a:solidFill>
+          <a:latin typeface="+mj-lt"/>
+          <a:ea typeface="+mj-ea"/>
+          <a:cs typeface="+mj-cs"/>
+        </a:defRPr>
+      </a:lvl1pPr>
+    </p:titleStyle>
+    <p:bodyStyle>
+      <a:lvl1pPr marL="228600" indent="-228600" algn="l" defTabSz="914400" rtl="0" eaLnBrk="1" latinLnBrk="0" hangingPunct="1">
+        <a:lnSpc>
+          <a:spcPct val="90000"/>
+        </a:lnSpc>
+        <a:spcBef>
+          <a:spcPts val="1000"/>
+        </a:spcBef>
+        <a:buFont typeface="Arial" panose="020B0604020202020204" pitchFamily="34" charset="0"/>
+        <a:buChar char="•"/>
+        <a:defRPr sz="2800" kern="1200">
+          <a:solidFill>
+            <a:schemeClr val="tx1"/>
+          </a:solidFill>
+          <a:latin typeface="+mn-lt"/>
+          <a:ea typeface="+mn-ea"/>
+          <a:cs typeface="+mn-cs"/>
+        </a:defRPr>
+      </a:lvl1pPr>
+      <a:lvl2pPr marL="685800" indent="-228600" algn="l" defTabSz="914400" rtl="0" eaLnBrk="1" latinLnBrk="0" hangingPunct="1">
+        <a:lnSpc>
+          <a:spcPct val="90000"/>
+        </a:lnSpc>
+        <a:spcBef>
+          <a:spcPts val="500"/>
+        </a:spcBef>
+        <a:buFont typeface="Arial" panose="020B0604020202020204" pitchFamily="34" charset="0"/>
+        <a:buChar char="•"/>
+        <a:defRPr sz="2400" kern="1200">
+          <a:solidFill>
+            <a:schemeClr val="tx1"/>
+          </a:solidFill>
+          <a:latin typeface="+mn-lt"/>
+          <a:ea typeface="+mn-ea"/>
+          <a:cs typeface="+mn-cs"/>
+        </a:defRPr>
+      </a:lvl2pPr>
+      <a:lvl3pPr marL="1143000" indent="-228600" algn="l" defTabSz="914400" rtl="0" eaLnBrk="1" latinLnBrk="0" hangingPunct="1">
+        <a:lnSpc>
+          <a:spcPct val="90000"/>
+        </a:lnSpc>
+        <a:spcBef>
+          <a:spcPts val="500"/>
+        </a:spcBef>
+        <a:buFont typeface="Arial" panose="020B0604020202020204" pitchFamily="34" charset="0"/>
+        <a:buChar char="•"/>
+        <a:defRPr sz="2000" kern="1200">
+          <a:solidFill>
+            <a:schemeClr val="tx1"/>
+          </a:solidFill>
+          <a:latin typeface="+mn-lt"/>
+          <a:ea typeface="+mn-ea"/>
+          <a:cs typeface="+mn-cs"/>
+        </a:defRPr>
+      </a:lvl3pPr>
+      <a:lvl4pPr marL="1600200" indent="-228600" algn="l" defTabSz="914400" rtl="0" eaLnBrk="1" latinLnBrk="0" hangingPunct="1">
+        <a:lnSpc>
+          <a:spcPct val="90000"/>
+        </a:lnSpc>
+        <a:spcBef>
+          <a:spcPts val="500"/>
+        </a:spcBef>
+        <a:buFont typeface="Arial" panose="020B0604020202020204" pitchFamily="34" charset="0"/>
+        <a:buChar char="•"/>
+        <a:defRPr sz="1800" kern="1200">
+          <a:solidFill>
+            <a:schemeClr val="tx1"/>
+          </a:solidFill>
+          <a:latin typeface="+mn-lt"/>
+          <a:ea typeface="+mn-ea"/>
+          <a:cs typeface="+mn-cs"/>
+        </a:defRPr>
+      </a:lvl4pPr>
+      <a:lvl5pPr marL="2057400" indent="-228600" algn="l" defTabSz="914400" rtl="0" eaLnBrk="1" latinLnBrk="0" hangingPunct="1">
+        <a:lnSpc>
+          <a:spcPct val="90000"/>
+        </a:lnSpc>
+        <a:spcBef>
+          <a:spcPts val="500"/>
+        </a:spcBef>
+        <a:buFont typeface="Arial" panose="020B0604020202020204" pitchFamily="34" charset="0"/>
+        <a:buChar char="•"/>
+        <a:defRPr sz="1800" kern="1200">
+          <a:solidFill>
+            <a:schemeClr val="tx1"/>
+          </a:solidFill>
+          <a:latin typeface="+mn-lt"/>
+          <a:ea typeface="+mn-ea"/>
+          <a:cs typeface="+mn-cs"/>
+        </a:defRPr>
+      </a:lvl5pPr>
+      <a:lvl6pPr marL="2514600" indent="-228600" algn="l" defTabSz="914400" rtl="0" eaLnBrk="1" latinLnBrk="0" hangingPunct="1">
+        <a:lnSpc>
+          <a:spcPct val="90000"/>
+        </a:lnSpc>
+        <a:spcBef>
+          <a:spcPts val="500"/>
+        </a:spcBef>
+        <a:buFont typeface="Arial" panose="020B0604020202020204" pitchFamily="34" charset="0"/>
+        <a:buChar char="•"/>
+        <a:defRPr sz="1800" kern="1200">
+          <a:solidFill>
+            <a:schemeClr val="tx1"/>
+          </a:solidFill>
+          <a:latin typeface="+mn-lt"/>
+          <a:ea typeface="+mn-ea"/>
+          <a:cs typeface="+mn-cs"/>
+        </a:defRPr>
+      </a:lvl6pPr>
+      <a:lvl7pPr marL="2971800" indent="-228600" algn="l" defTabSz="914400" rtl="0" eaLnBrk="1" latinLnBrk="0" hangingPunct="1">
+        <a:lnSpc>
+          <a:spcPct val="90000"/>
+        </a:lnSpc>
+        <a:spcBef>
+          <a:spcPts val="500"/>
+        </a:spcBef>
+        <a:buFont typeface="Arial" panose="020B0604020202020204" pitchFamily="34" charset="0"/>
+        <a:buChar char="•"/>
+        <a:defRPr sz="1800" kern="1200">
+          <a:solidFill>
+            <a:schemeClr val="tx1"/>
+          </a:solidFill>
+          <a:latin typeface="+mn-lt"/>
+          <a:ea typeface="+mn-ea"/>
+          <a:cs typeface="+mn-cs"/>
+        </a:defRPr>
+      </a:lvl7pPr>
+      <a:lvl8pPr marL="3429000" indent="-228600" algn="l" defTabSz="914400" rtl="0" eaLnBrk="1" latinLnBrk="0" hangingPunct="1">
+        <a:lnSpc>
+          <a:spcPct val="90000"/>
+        </a:lnSpc>
+        <a:spcBef>
+          <a:spcPts val="500"/>
+        </a:spcBef>
+        <a:buFont typeface="Arial" panose="020B0604020202020204" pitchFamily="34" charset="0"/>
+        <a:buChar char="•"/>
+        <a:defRPr sz="1800" kern="1200">
+          <a:solidFill>
+            <a:schemeClr val="tx1"/>
+          </a:solidFill>
+          <a:latin typeface="+mn-lt"/>
+          <a:ea typeface="+mn-ea"/>
+          <a:cs typeface="+mn-cs"/>
+        </a:defRPr>
+      </a:lvl8pPr>
+      <a:lvl9pPr marL="3886200" indent="-228600" algn="l" defTabSz="914400" rtl="0" eaLnBrk="1" latinLnBrk="0" hangingPunct="1">
+        <a:lnSpc>
+          <a:spcPct val="90000"/>
+        </a:lnSpc>
+        <a:spcBef>
+          <a:spcPts val="500"/>
+        </a:spcBef>
+        <a:buFont typeface="Arial" panose="020B0604020202020204" pitchFamily="34" charset="0"/>
+        <a:buChar char="•"/>
+        <a:defRPr sz="1800" kern="1200">
+          <a:solidFill>
+            <a:schemeClr val="tx1"/>
+          </a:solidFill>
+          <a:latin typeface="+mn-lt"/>
+          <a:ea typeface="+mn-ea"/>
+          <a:cs typeface="+mn-cs"/>
+        </a:defRPr>
+      </a:lvl9pPr>
+    </p:bodyStyle>
+    <p:otherStyle>
+      <a:defPPr>
+        <a:defRPr lang="en-US"/>
+      </a:defPPr>
+      <a:lvl1pPr marL="0" algn="l" defTabSz="914400" rtl="0" eaLnBrk="1" latinLnBrk="0" hangingPunct="1">
+        <a:defRPr sz="1800" kern="1200">
+          <a:solidFill>
+            <a:schemeClr val="tx1"/>
+          </a:solidFill>
+          <a:latin typeface="+mn-lt"/>
+          <a:ea typeface="+mn-ea"/>
+          <a:cs typeface="+mn-cs"/>
+        </a:defRPr>
+      </a:lvl1pPr>
+      <a:lvl2pPr marL="457200" algn="l" defTabSz="914400" rtl="0" eaLnBrk="1" latinLnBrk="0" hangingPunct="1">
+        <a:defRPr sz="1800" kern="1200">
+          <a:solidFill>
+            <a:schemeClr val="tx1"/>
+          </a:solidFill>
+          <a:latin typeface="+mn-lt"/>
+          <a:ea typeface="+mn-ea"/>
+          <a:cs typeface="+mn-cs"/>
+        </a:defRPr>
+      </a:lvl2pPr>
+      <a:lvl3pPr marL="914400" algn="l" defTabSz="914400" rtl="0" eaLnBrk="1" latinLnBrk="0" hangingPunct="1">
+        <a:defRPr sz="1800" kern="1200">
+          <a:solidFill>
+            <a:schemeClr val="tx1"/>
+          </a:solidFill>
+          <a:latin typeface="+mn-lt"/>
+          <a:ea typeface="+mn-ea"/>
+          <a:cs typeface="+mn-cs"/>
+        </a:defRPr>
+      </a:lvl3pPr>
+      <a:lvl4pPr marL="1371600" algn="l" defTabSz="914400" rtl="0" eaLnBrk="1" latinLnBrk="0" hangingPunct="1">
+        <a:defRPr sz="1800" kern="1200">
+          <a:solidFill>
+            <a:schemeClr val="tx1"/>
+          </a:solidFill>
+          <a:latin typeface="+mn-lt"/>
+          <a:ea typeface="+mn-ea"/>
+          <a:cs typeface="+mn-cs"/>
+        </a:defRPr>
+      </a:lvl4pPr>
+      <a:lvl5pPr marL="1828800" algn="l" defTabSz="914400" rtl="0" eaLnBrk="1" latinLnBrk="0" hangingPunct="1">
+        <a:defRPr sz="1800" kern="1200">
+          <a:solidFill>
+            <a:schemeClr val="tx1"/>
+          </a:solidFill>
+          <a:latin typeface="+mn-lt"/>
+          <a:ea typeface="+mn-ea"/>
+          <a:cs typeface="+mn-cs"/>
+        </a:defRPr>
+      </a:lvl5pPr>
+      <a:lvl6pPr marL="2286000" algn="l" defTabSz="914400" rtl="0" eaLnBrk="1" latinLnBrk="0" hangingPunct="1">
+        <a:defRPr sz="1800" kern="1200">
+          <a:solidFill>
+            <a:schemeClr val="tx1"/>
+          </a:solidFill>
+          <a:latin typeface="+mn-lt"/>
+          <a:ea typeface="+mn-ea"/>
+          <a:cs typeface="+mn-cs"/>
+        </a:defRPr>
+      </a:lvl6pPr>
+      <a:lvl7pPr marL="2743200" algn="l" defTabSz="914400" rtl="0" eaLnBrk="1" latinLnBrk="0" hangingPunct="1">
+        <a:defRPr sz="1800" kern="1200">
+          <a:solidFill>
+            <a:schemeClr val="tx1"/>
+          </a:solidFill>
+          <a:latin typeface="+mn-lt"/>
+          <a:ea typeface="+mn-ea"/>
+          <a:cs typeface="+mn-cs"/>
+        </a:defRPr>
+      </a:lvl7pPr>
+      <a:lvl8pPr marL="3200400" algn="l" defTabSz="914400" rtl="0" eaLnBrk="1" latinLnBrk="0" hangingPunct="1">
+        <a:defRPr sz="1800" kern="1200">
+          <a:solidFill>
+            <a:schemeClr val="tx1"/>
+          </a:solidFill>
+          <a:latin typeface="+mn-lt"/>
+          <a:ea typeface="+mn-ea"/>
+          <a:cs typeface="+mn-cs"/>
+        </a:defRPr>
+      </a:lvl8pPr>
+      <a:lvl9pPr marL="3657600" algn="l" defTabSz="914400" rtl="0" eaLnBrk="1" latinLnBrk="0" hangingPunct="1">
+        <a:defRPr sz="1800" kern="1200">
+          <a:solidFill>
+            <a:schemeClr val="tx1"/>
+          </a:solidFill>
+          <a:latin typeface="+mn-lt"/>
+          <a:ea typeface="+mn-ea"/>
+          <a:cs typeface="+mn-cs"/>
+        </a:defRPr>
+      </a:lvl9pPr>
+    </p:otherStyle>
+  </p:txStyles>
 </p:sldMaster>
 </file>
 
 <file path=ppt/slideMasters/slideMaster2.xml><?xml version="1.0" encoding="utf-8"?>
-<p:sldMaster xmlns:a="http://schemas.openxmlformats.org/drawingml/2006/main" xmlns:p="http://schemas.openxmlformats.org/presentationml/2006/main" xmlns:r="http://schemas.openxmlformats.org/officeDocument/2006/relationships" xmlns:p14="http://schemas.microsoft.com/office/powerpoint/2010/main" xmlns:p15="http://schemas.microsoft.com/office/powerpoint/2012/main" xmlns:mc="http://schemas.openxmlformats.org/markup-compatibility/2006">
+<p:sldMaster xmlns:a="http://schemas.openxmlformats.org/drawingml/2006/main" xmlns:r="http://schemas.openxmlformats.org/officeDocument/2006/relationships" xmlns:p="http://schemas.openxmlformats.org/presentationml/2006/main">
   <p:cSld>
     <p:bg>
       <p:bgPr>
         <a:solidFill>
-          <a:srgbClr val="2c3e50"/>
+          <a:srgbClr val="2C3E50"/>
         </a:solidFill>
+        <a:effectLst/>
       </p:bgPr>
     </p:bg>
     <p:spTree>
@@ -4883,16 +5447,22 @@
             <a:avLst/>
           </a:prstGeom>
           <a:solidFill>
-            <a:srgbClr val="1abc9c"/>
+            <a:srgbClr val="1ABC9C"/>
           </a:solidFill>
           <a:ln>
             <a:noFill/>
           </a:ln>
         </p:spPr>
         <p:style>
-          <a:lnRef idx="0"/>
-          <a:fillRef idx="0"/>
-          <a:effectRef idx="0"/>
+          <a:lnRef idx="0">
+            <a:scrgbClr r="0" g="0" b="0"/>
+          </a:lnRef>
+          <a:fillRef idx="0">
+            <a:scrgbClr r="0" g="0" b="0"/>
+          </a:fillRef>
+          <a:effectRef idx="0">
+            <a:scrgbClr r="0" g="0" b="0"/>
+          </a:effectRef>
           <a:fontRef idx="minor"/>
         </p:style>
       </p:sp>
@@ -4916,24 +5486,19 @@
           </a:prstGeom>
         </p:spPr>
         <p:txBody>
-          <a:bodyPr lIns="0" rIns="0" tIns="0" bIns="0" anchor="ctr" anchorCtr="1"/>
+          <a:bodyPr lIns="0" tIns="0" rIns="0" bIns="0" anchor="ctr" anchorCtr="1"/>
+          <a:lstStyle/>
           <a:p>
             <a:pPr algn="ctr"/>
             <a:r>
-              <a:rPr b="1" lang="en-US" sz="3600" spc="-1" strike="noStrike">
+              <a:rPr lang="en-US" sz="3600" b="1" strike="noStrike" spc="-1">
                 <a:solidFill>
-                  <a:srgbClr val="ffffff"/>
+                  <a:srgbClr val="FFFFFF"/>
                 </a:solidFill>
                 <a:latin typeface="Source Sans Pro Black"/>
               </a:rPr>
               <a:t>Click to edit the title text format</a:t>
             </a:r>
-            <a:endParaRPr b="1" lang="en-US" sz="3600" spc="-1" strike="noStrike">
-              <a:solidFill>
-                <a:srgbClr val="ffffff"/>
-              </a:solidFill>
-              <a:latin typeface="Source Sans Pro Black"/>
-            </a:endParaRPr>
           </a:p>
         </p:txBody>
       </p:sp>
@@ -4957,9 +5522,10 @@
           </a:prstGeom>
         </p:spPr>
         <p:txBody>
-          <a:bodyPr lIns="0" rIns="0" tIns="0" bIns="0">
+          <a:bodyPr lIns="0" tIns="0" rIns="0" bIns="0">
             <a:normAutofit/>
           </a:bodyPr>
+          <a:lstStyle/>
           <a:p>
             <a:pPr marL="432000" indent="-324000">
               <a:spcAft>
@@ -4967,152 +5533,110 @@
               </a:spcAft>
             </a:pPr>
             <a:r>
-              <a:rPr b="0" lang="en-US" sz="2000" spc="-1" strike="noStrike">
+              <a:rPr lang="en-US" sz="2000" b="0" strike="noStrike" spc="-1">
                 <a:solidFill>
-                  <a:srgbClr val="ffffff"/>
+                  <a:srgbClr val="FFFFFF"/>
                 </a:solidFill>
                 <a:latin typeface="Source Sans Pro"/>
               </a:rPr>
               <a:t>Click to edit the outline text format</a:t>
             </a:r>
-            <a:endParaRPr b="0" lang="en-US" sz="2000" spc="-1" strike="noStrike">
-              <a:solidFill>
-                <a:srgbClr val="ffffff"/>
-              </a:solidFill>
-              <a:latin typeface="Source Sans Pro"/>
-            </a:endParaRPr>
-          </a:p>
-          <a:p>
-            <a:pPr lvl="1" marL="864000" indent="-324000">
+          </a:p>
+          <a:p>
+            <a:pPr marL="864000" lvl="1" indent="-324000">
               <a:spcAft>
                 <a:spcPts val="1134"/>
               </a:spcAft>
             </a:pPr>
             <a:r>
-              <a:rPr b="0" lang="en-US" sz="2000" spc="-1" strike="noStrike">
+              <a:rPr lang="en-US" sz="2000" b="0" strike="noStrike" spc="-1">
                 <a:solidFill>
-                  <a:srgbClr val="ffffff"/>
+                  <a:srgbClr val="FFFFFF"/>
                 </a:solidFill>
                 <a:latin typeface="Source Sans Pro"/>
               </a:rPr>
               <a:t>Second Outline Level</a:t>
             </a:r>
-            <a:endParaRPr b="0" lang="en-US" sz="2000" spc="-1" strike="noStrike">
-              <a:solidFill>
-                <a:srgbClr val="ffffff"/>
-              </a:solidFill>
-              <a:latin typeface="Source Sans Pro"/>
-            </a:endParaRPr>
-          </a:p>
-          <a:p>
-            <a:pPr lvl="2" marL="1296000" indent="-288000">
+          </a:p>
+          <a:p>
+            <a:pPr marL="1296000" lvl="2" indent="-288000">
               <a:spcAft>
                 <a:spcPts val="850"/>
               </a:spcAft>
             </a:pPr>
             <a:r>
-              <a:rPr b="0" lang="en-US" sz="2000" spc="-1" strike="noStrike">
+              <a:rPr lang="en-US" sz="2000" b="0" strike="noStrike" spc="-1">
                 <a:solidFill>
-                  <a:srgbClr val="ffffff"/>
+                  <a:srgbClr val="FFFFFF"/>
                 </a:solidFill>
                 <a:latin typeface="Source Sans Pro"/>
               </a:rPr>
               <a:t>Third Outline Level</a:t>
             </a:r>
-            <a:endParaRPr b="0" lang="en-US" sz="2000" spc="-1" strike="noStrike">
-              <a:solidFill>
-                <a:srgbClr val="ffffff"/>
-              </a:solidFill>
-              <a:latin typeface="Source Sans Pro"/>
-            </a:endParaRPr>
-          </a:p>
-          <a:p>
-            <a:pPr lvl="3" marL="1728000" indent="-216000">
+          </a:p>
+          <a:p>
+            <a:pPr marL="1728000" lvl="3" indent="-216000">
               <a:spcAft>
                 <a:spcPts val="567"/>
               </a:spcAft>
             </a:pPr>
             <a:r>
-              <a:rPr b="0" lang="en-US" sz="2000" spc="-1" strike="noStrike">
+              <a:rPr lang="en-US" sz="2000" b="0" strike="noStrike" spc="-1">
                 <a:solidFill>
-                  <a:srgbClr val="ffffff"/>
+                  <a:srgbClr val="FFFFFF"/>
                 </a:solidFill>
                 <a:latin typeface="Source Sans Pro"/>
               </a:rPr>
               <a:t>Fourth Outline Level</a:t>
             </a:r>
-            <a:endParaRPr b="0" lang="en-US" sz="2000" spc="-1" strike="noStrike">
-              <a:solidFill>
-                <a:srgbClr val="ffffff"/>
-              </a:solidFill>
-              <a:latin typeface="Source Sans Pro"/>
-            </a:endParaRPr>
-          </a:p>
-          <a:p>
-            <a:pPr lvl="4" marL="2160000" indent="-216000">
+          </a:p>
+          <a:p>
+            <a:pPr marL="2160000" lvl="4" indent="-216000">
               <a:spcAft>
                 <a:spcPts val="283"/>
               </a:spcAft>
             </a:pPr>
             <a:r>
-              <a:rPr b="0" lang="en-US" sz="2000" spc="-1" strike="noStrike">
+              <a:rPr lang="en-US" sz="2000" b="0" strike="noStrike" spc="-1">
                 <a:solidFill>
-                  <a:srgbClr val="ffffff"/>
+                  <a:srgbClr val="FFFFFF"/>
                 </a:solidFill>
                 <a:latin typeface="Source Sans Pro"/>
               </a:rPr>
               <a:t>Fifth Outline Level</a:t>
             </a:r>
-            <a:endParaRPr b="0" lang="en-US" sz="2000" spc="-1" strike="noStrike">
-              <a:solidFill>
-                <a:srgbClr val="ffffff"/>
-              </a:solidFill>
-              <a:latin typeface="Source Sans Pro"/>
-            </a:endParaRPr>
-          </a:p>
-          <a:p>
-            <a:pPr lvl="5" marL="2592000" indent="-216000">
+          </a:p>
+          <a:p>
+            <a:pPr marL="2592000" lvl="5" indent="-216000">
               <a:spcAft>
                 <a:spcPts val="283"/>
               </a:spcAft>
             </a:pPr>
             <a:r>
-              <a:rPr b="0" lang="en-US" sz="2000" spc="-1" strike="noStrike">
+              <a:rPr lang="en-US" sz="2000" b="0" strike="noStrike" spc="-1">
                 <a:solidFill>
-                  <a:srgbClr val="ffffff"/>
+                  <a:srgbClr val="FFFFFF"/>
                 </a:solidFill>
                 <a:latin typeface="Source Sans Pro"/>
               </a:rPr>
               <a:t>Sixth Outline Level</a:t>
             </a:r>
-            <a:endParaRPr b="0" lang="en-US" sz="2000" spc="-1" strike="noStrike">
-              <a:solidFill>
-                <a:srgbClr val="ffffff"/>
-              </a:solidFill>
-              <a:latin typeface="Source Sans Pro"/>
-            </a:endParaRPr>
-          </a:p>
-          <a:p>
-            <a:pPr lvl="6" marL="3024000" indent="-216000">
+          </a:p>
+          <a:p>
+            <a:pPr marL="3024000" lvl="6" indent="-216000">
               <a:spcAft>
                 <a:spcPts val="283"/>
               </a:spcAft>
             </a:pPr>
             <a:r>
-              <a:rPr b="0" lang="en-US" sz="2000" spc="-1" strike="noStrike">
+              <a:rPr lang="en-US" sz="2000" b="0" strike="noStrike" spc="-1">
                 <a:solidFill>
-                  <a:srgbClr val="ffffff"/>
+                  <a:srgbClr val="FFFFFF"/>
                 </a:solidFill>
                 <a:latin typeface="Source Sans Pro"/>
               </a:rPr>
               <a:t>Seventh Outline Level</a:t>
             </a:r>
-            <a:endParaRPr b="0" lang="en-US" sz="2000" spc="-1" strike="noStrike">
-              <a:solidFill>
-                <a:srgbClr val="ffffff"/>
-              </a:solidFill>
-              <a:latin typeface="Source Sans Pro"/>
-            </a:endParaRPr>
           </a:p>
         </p:txBody>
       </p:sp>
@@ -5136,23 +5660,18 @@
           </a:prstGeom>
         </p:spPr>
         <p:txBody>
-          <a:bodyPr lIns="0" rIns="0" tIns="0" bIns="0"/>
+          <a:bodyPr lIns="0" tIns="0" rIns="0" bIns="0"/>
+          <a:lstStyle/>
           <a:p>
             <a:r>
-              <a:rPr b="1" lang="en-US" sz="1800" spc="-1" strike="noStrike">
+              <a:rPr lang="en-US" sz="1800" b="1" strike="noStrike" spc="-1">
                 <a:solidFill>
-                  <a:srgbClr val="ffffff"/>
+                  <a:srgbClr val="FFFFFF"/>
                 </a:solidFill>
                 <a:latin typeface="Source Sans Pro Black"/>
               </a:rPr>
               <a:t> </a:t>
             </a:r>
-            <a:endParaRPr b="1" lang="en-US" sz="1800" spc="-1" strike="noStrike">
-              <a:solidFill>
-                <a:srgbClr val="ffffff"/>
-              </a:solidFill>
-              <a:latin typeface="Source Sans Pro Black"/>
-            </a:endParaRPr>
           </a:p>
         </p:txBody>
       </p:sp>
@@ -5176,24 +5695,19 @@
           </a:prstGeom>
         </p:spPr>
         <p:txBody>
-          <a:bodyPr lIns="0" rIns="0" tIns="0" bIns="0"/>
+          <a:bodyPr lIns="0" tIns="0" rIns="0" bIns="0"/>
+          <a:lstStyle/>
           <a:p>
             <a:pPr algn="ctr"/>
             <a:r>
-              <a:rPr b="1" lang="en-US" sz="1800" spc="-1" strike="noStrike">
+              <a:rPr lang="en-US" sz="1800" b="1" strike="noStrike" spc="-1">
                 <a:solidFill>
-                  <a:srgbClr val="ffffff"/>
+                  <a:srgbClr val="FFFFFF"/>
                 </a:solidFill>
                 <a:latin typeface="Source Sans Pro Black"/>
               </a:rPr>
               <a:t> </a:t>
             </a:r>
-            <a:endParaRPr b="1" lang="en-US" sz="1800" spc="-1" strike="noStrike">
-              <a:solidFill>
-                <a:srgbClr val="ffffff"/>
-              </a:solidFill>
-              <a:latin typeface="Source Sans Pro Black"/>
-            </a:endParaRPr>
           </a:p>
         </p:txBody>
       </p:sp>
@@ -5217,21 +5731,22 @@
           </a:prstGeom>
         </p:spPr>
         <p:txBody>
-          <a:bodyPr lIns="0" rIns="0" tIns="0" bIns="0" anchor="ctr"/>
+          <a:bodyPr lIns="0" tIns="0" rIns="0" bIns="0" anchor="ctr"/>
+          <a:lstStyle/>
           <a:p>
             <a:pPr algn="ctr"/>
             <a:fld id="{EF5D6434-5A62-421D-8364-C52FAD553752}" type="slidenum">
-              <a:rPr b="1" lang="en-US" sz="1800" spc="-1" strike="noStrike">
+              <a:rPr lang="en-US" sz="1800" b="1" strike="noStrike" spc="-1">
                 <a:solidFill>
-                  <a:srgbClr val="ffffff"/>
+                  <a:srgbClr val="FFFFFF"/>
                 </a:solidFill>
                 <a:latin typeface="Source Sans Pro Black"/>
               </a:rPr>
-              <a:t>1</a:t>
+              <a:t>‹#›</a:t>
             </a:fld>
-            <a:endParaRPr b="1" lang="en-US" sz="1800" spc="-1" strike="noStrike">
-              <a:solidFill>
-                <a:srgbClr val="ffffff"/>
+            <a:endParaRPr lang="en-US" sz="1800" b="1" strike="noStrike" spc="-1">
+              <a:solidFill>
+                <a:srgbClr val="FFFFFF"/>
               </a:solidFill>
               <a:latin typeface="Source Sans Pro Black"/>
             </a:endParaRPr>
@@ -5240,32 +5755,313 @@
       </p:sp>
     </p:spTree>
   </p:cSld>
-  <p:clrMap bg1="lt1" bg2="lt2" tx1="dk1" tx2="dk2" accent1="accent1" accent2="accent2" accent3="accent3" accent4="accent4" accent5="accent5" accent6="accent6" hlink="hlink" folHlink="folHlink"/>
+  <p:clrMap bg1="lt1" tx1="dk1" bg2="lt2" tx2="dk2" accent1="accent1" accent2="accent2" accent3="accent3" accent4="accent4" accent5="accent5" accent6="accent6" hlink="hlink" folHlink="folHlink"/>
   <p:sldLayoutIdLst>
-    <p:sldLayoutId id="2147483662" r:id="rId2"/>
-    <p:sldLayoutId id="2147483663" r:id="rId3"/>
-    <p:sldLayoutId id="2147483664" r:id="rId4"/>
-    <p:sldLayoutId id="2147483665" r:id="rId5"/>
-    <p:sldLayoutId id="2147483666" r:id="rId6"/>
-    <p:sldLayoutId id="2147483667" r:id="rId7"/>
-    <p:sldLayoutId id="2147483668" r:id="rId8"/>
-    <p:sldLayoutId id="2147483669" r:id="rId9"/>
-    <p:sldLayoutId id="2147483670" r:id="rId10"/>
-    <p:sldLayoutId id="2147483671" r:id="rId11"/>
-    <p:sldLayoutId id="2147483672" r:id="rId12"/>
-    <p:sldLayoutId id="2147483673" r:id="rId13"/>
+    <p:sldLayoutId id="2147483662" r:id="rId1"/>
+    <p:sldLayoutId id="2147483663" r:id="rId2"/>
+    <p:sldLayoutId id="2147483664" r:id="rId3"/>
+    <p:sldLayoutId id="2147483665" r:id="rId4"/>
+    <p:sldLayoutId id="2147483666" r:id="rId5"/>
+    <p:sldLayoutId id="2147483667" r:id="rId6"/>
+    <p:sldLayoutId id="2147483668" r:id="rId7"/>
+    <p:sldLayoutId id="2147483669" r:id="rId8"/>
+    <p:sldLayoutId id="2147483670" r:id="rId9"/>
+    <p:sldLayoutId id="2147483671" r:id="rId10"/>
+    <p:sldLayoutId id="2147483672" r:id="rId11"/>
+    <p:sldLayoutId id="2147483673" r:id="rId12"/>
   </p:sldLayoutIdLst>
+  <p:txStyles>
+    <p:titleStyle>
+      <a:lvl1pPr algn="l" defTabSz="914400" rtl="0" eaLnBrk="1" latinLnBrk="0" hangingPunct="1">
+        <a:lnSpc>
+          <a:spcPct val="90000"/>
+        </a:lnSpc>
+        <a:spcBef>
+          <a:spcPct val="0"/>
+        </a:spcBef>
+        <a:buNone/>
+        <a:defRPr sz="4400" kern="1200">
+          <a:solidFill>
+            <a:schemeClr val="tx1"/>
+          </a:solidFill>
+          <a:latin typeface="+mj-lt"/>
+          <a:ea typeface="+mj-ea"/>
+          <a:cs typeface="+mj-cs"/>
+        </a:defRPr>
+      </a:lvl1pPr>
+    </p:titleStyle>
+    <p:bodyStyle>
+      <a:lvl1pPr marL="228600" indent="-228600" algn="l" defTabSz="914400" rtl="0" eaLnBrk="1" latinLnBrk="0" hangingPunct="1">
+        <a:lnSpc>
+          <a:spcPct val="90000"/>
+        </a:lnSpc>
+        <a:spcBef>
+          <a:spcPts val="1000"/>
+        </a:spcBef>
+        <a:buFont typeface="Arial" panose="020B0604020202020204" pitchFamily="34" charset="0"/>
+        <a:buChar char="•"/>
+        <a:defRPr sz="2800" kern="1200">
+          <a:solidFill>
+            <a:schemeClr val="tx1"/>
+          </a:solidFill>
+          <a:latin typeface="+mn-lt"/>
+          <a:ea typeface="+mn-ea"/>
+          <a:cs typeface="+mn-cs"/>
+        </a:defRPr>
+      </a:lvl1pPr>
+      <a:lvl2pPr marL="685800" indent="-228600" algn="l" defTabSz="914400" rtl="0" eaLnBrk="1" latinLnBrk="0" hangingPunct="1">
+        <a:lnSpc>
+          <a:spcPct val="90000"/>
+        </a:lnSpc>
+        <a:spcBef>
+          <a:spcPts val="500"/>
+        </a:spcBef>
+        <a:buFont typeface="Arial" panose="020B0604020202020204" pitchFamily="34" charset="0"/>
+        <a:buChar char="•"/>
+        <a:defRPr sz="2400" kern="1200">
+          <a:solidFill>
+            <a:schemeClr val="tx1"/>
+          </a:solidFill>
+          <a:latin typeface="+mn-lt"/>
+          <a:ea typeface="+mn-ea"/>
+          <a:cs typeface="+mn-cs"/>
+        </a:defRPr>
+      </a:lvl2pPr>
+      <a:lvl3pPr marL="1143000" indent="-228600" algn="l" defTabSz="914400" rtl="0" eaLnBrk="1" latinLnBrk="0" hangingPunct="1">
+        <a:lnSpc>
+          <a:spcPct val="90000"/>
+        </a:lnSpc>
+        <a:spcBef>
+          <a:spcPts val="500"/>
+        </a:spcBef>
+        <a:buFont typeface="Arial" panose="020B0604020202020204" pitchFamily="34" charset="0"/>
+        <a:buChar char="•"/>
+        <a:defRPr sz="2000" kern="1200">
+          <a:solidFill>
+            <a:schemeClr val="tx1"/>
+          </a:solidFill>
+          <a:latin typeface="+mn-lt"/>
+          <a:ea typeface="+mn-ea"/>
+          <a:cs typeface="+mn-cs"/>
+        </a:defRPr>
+      </a:lvl3pPr>
+      <a:lvl4pPr marL="1600200" indent="-228600" algn="l" defTabSz="914400" rtl="0" eaLnBrk="1" latinLnBrk="0" hangingPunct="1">
+        <a:lnSpc>
+          <a:spcPct val="90000"/>
+        </a:lnSpc>
+        <a:spcBef>
+          <a:spcPts val="500"/>
+        </a:spcBef>
+        <a:buFont typeface="Arial" panose="020B0604020202020204" pitchFamily="34" charset="0"/>
+        <a:buChar char="•"/>
+        <a:defRPr sz="1800" kern="1200">
+          <a:solidFill>
+            <a:schemeClr val="tx1"/>
+          </a:solidFill>
+          <a:latin typeface="+mn-lt"/>
+          <a:ea typeface="+mn-ea"/>
+          <a:cs typeface="+mn-cs"/>
+        </a:defRPr>
+      </a:lvl4pPr>
+      <a:lvl5pPr marL="2057400" indent="-228600" algn="l" defTabSz="914400" rtl="0" eaLnBrk="1" latinLnBrk="0" hangingPunct="1">
+        <a:lnSpc>
+          <a:spcPct val="90000"/>
+        </a:lnSpc>
+        <a:spcBef>
+          <a:spcPts val="500"/>
+        </a:spcBef>
+        <a:buFont typeface="Arial" panose="020B0604020202020204" pitchFamily="34" charset="0"/>
+        <a:buChar char="•"/>
+        <a:defRPr sz="1800" kern="1200">
+          <a:solidFill>
+            <a:schemeClr val="tx1"/>
+          </a:solidFill>
+          <a:latin typeface="+mn-lt"/>
+          <a:ea typeface="+mn-ea"/>
+          <a:cs typeface="+mn-cs"/>
+        </a:defRPr>
+      </a:lvl5pPr>
+      <a:lvl6pPr marL="2514600" indent="-228600" algn="l" defTabSz="914400" rtl="0" eaLnBrk="1" latinLnBrk="0" hangingPunct="1">
+        <a:lnSpc>
+          <a:spcPct val="90000"/>
+        </a:lnSpc>
+        <a:spcBef>
+          <a:spcPts val="500"/>
+        </a:spcBef>
+        <a:buFont typeface="Arial" panose="020B0604020202020204" pitchFamily="34" charset="0"/>
+        <a:buChar char="•"/>
+        <a:defRPr sz="1800" kern="1200">
+          <a:solidFill>
+            <a:schemeClr val="tx1"/>
+          </a:solidFill>
+          <a:latin typeface="+mn-lt"/>
+          <a:ea typeface="+mn-ea"/>
+          <a:cs typeface="+mn-cs"/>
+        </a:defRPr>
+      </a:lvl6pPr>
+      <a:lvl7pPr marL="2971800" indent="-228600" algn="l" defTabSz="914400" rtl="0" eaLnBrk="1" latinLnBrk="0" hangingPunct="1">
+        <a:lnSpc>
+          <a:spcPct val="90000"/>
+        </a:lnSpc>
+        <a:spcBef>
+          <a:spcPts val="500"/>
+        </a:spcBef>
+        <a:buFont typeface="Arial" panose="020B0604020202020204" pitchFamily="34" charset="0"/>
+        <a:buChar char="•"/>
+        <a:defRPr sz="1800" kern="1200">
+          <a:solidFill>
+            <a:schemeClr val="tx1"/>
+          </a:solidFill>
+          <a:latin typeface="+mn-lt"/>
+          <a:ea typeface="+mn-ea"/>
+          <a:cs typeface="+mn-cs"/>
+        </a:defRPr>
+      </a:lvl7pPr>
+      <a:lvl8pPr marL="3429000" indent="-228600" algn="l" defTabSz="914400" rtl="0" eaLnBrk="1" latinLnBrk="0" hangingPunct="1">
+        <a:lnSpc>
+          <a:spcPct val="90000"/>
+        </a:lnSpc>
+        <a:spcBef>
+          <a:spcPts val="500"/>
+        </a:spcBef>
+        <a:buFont typeface="Arial" panose="020B0604020202020204" pitchFamily="34" charset="0"/>
+        <a:buChar char="•"/>
+        <a:defRPr sz="1800" kern="1200">
+          <a:solidFill>
+            <a:schemeClr val="tx1"/>
+          </a:solidFill>
+          <a:latin typeface="+mn-lt"/>
+          <a:ea typeface="+mn-ea"/>
+          <a:cs typeface="+mn-cs"/>
+        </a:defRPr>
+      </a:lvl8pPr>
+      <a:lvl9pPr marL="3886200" indent="-228600" algn="l" defTabSz="914400" rtl="0" eaLnBrk="1" latinLnBrk="0" hangingPunct="1">
+        <a:lnSpc>
+          <a:spcPct val="90000"/>
+        </a:lnSpc>
+        <a:spcBef>
+          <a:spcPts val="500"/>
+        </a:spcBef>
+        <a:buFont typeface="Arial" panose="020B0604020202020204" pitchFamily="34" charset="0"/>
+        <a:buChar char="•"/>
+        <a:defRPr sz="1800" kern="1200">
+          <a:solidFill>
+            <a:schemeClr val="tx1"/>
+          </a:solidFill>
+          <a:latin typeface="+mn-lt"/>
+          <a:ea typeface="+mn-ea"/>
+          <a:cs typeface="+mn-cs"/>
+        </a:defRPr>
+      </a:lvl9pPr>
+    </p:bodyStyle>
+    <p:otherStyle>
+      <a:defPPr>
+        <a:defRPr lang="en-US"/>
+      </a:defPPr>
+      <a:lvl1pPr marL="0" algn="l" defTabSz="914400" rtl="0" eaLnBrk="1" latinLnBrk="0" hangingPunct="1">
+        <a:defRPr sz="1800" kern="1200">
+          <a:solidFill>
+            <a:schemeClr val="tx1"/>
+          </a:solidFill>
+          <a:latin typeface="+mn-lt"/>
+          <a:ea typeface="+mn-ea"/>
+          <a:cs typeface="+mn-cs"/>
+        </a:defRPr>
+      </a:lvl1pPr>
+      <a:lvl2pPr marL="457200" algn="l" defTabSz="914400" rtl="0" eaLnBrk="1" latinLnBrk="0" hangingPunct="1">
+        <a:defRPr sz="1800" kern="1200">
+          <a:solidFill>
+            <a:schemeClr val="tx1"/>
+          </a:solidFill>
+          <a:latin typeface="+mn-lt"/>
+          <a:ea typeface="+mn-ea"/>
+          <a:cs typeface="+mn-cs"/>
+        </a:defRPr>
+      </a:lvl2pPr>
+      <a:lvl3pPr marL="914400" algn="l" defTabSz="914400" rtl="0" eaLnBrk="1" latinLnBrk="0" hangingPunct="1">
+        <a:defRPr sz="1800" kern="1200">
+          <a:solidFill>
+            <a:schemeClr val="tx1"/>
+          </a:solidFill>
+          <a:latin typeface="+mn-lt"/>
+          <a:ea typeface="+mn-ea"/>
+          <a:cs typeface="+mn-cs"/>
+        </a:defRPr>
+      </a:lvl3pPr>
+      <a:lvl4pPr marL="1371600" algn="l" defTabSz="914400" rtl="0" eaLnBrk="1" latinLnBrk="0" hangingPunct="1">
+        <a:defRPr sz="1800" kern="1200">
+          <a:solidFill>
+            <a:schemeClr val="tx1"/>
+          </a:solidFill>
+          <a:latin typeface="+mn-lt"/>
+          <a:ea typeface="+mn-ea"/>
+          <a:cs typeface="+mn-cs"/>
+        </a:defRPr>
+      </a:lvl4pPr>
+      <a:lvl5pPr marL="1828800" algn="l" defTabSz="914400" rtl="0" eaLnBrk="1" latinLnBrk="0" hangingPunct="1">
+        <a:defRPr sz="1800" kern="1200">
+          <a:solidFill>
+            <a:schemeClr val="tx1"/>
+          </a:solidFill>
+          <a:latin typeface="+mn-lt"/>
+          <a:ea typeface="+mn-ea"/>
+          <a:cs typeface="+mn-cs"/>
+        </a:defRPr>
+      </a:lvl5pPr>
+      <a:lvl6pPr marL="2286000" algn="l" defTabSz="914400" rtl="0" eaLnBrk="1" latinLnBrk="0" hangingPunct="1">
+        <a:defRPr sz="1800" kern="1200">
+          <a:solidFill>
+            <a:schemeClr val="tx1"/>
+          </a:solidFill>
+          <a:latin typeface="+mn-lt"/>
+          <a:ea typeface="+mn-ea"/>
+          <a:cs typeface="+mn-cs"/>
+        </a:defRPr>
+      </a:lvl6pPr>
+      <a:lvl7pPr marL="2743200" algn="l" defTabSz="914400" rtl="0" eaLnBrk="1" latinLnBrk="0" hangingPunct="1">
+        <a:defRPr sz="1800" kern="1200">
+          <a:solidFill>
+            <a:schemeClr val="tx1"/>
+          </a:solidFill>
+          <a:latin typeface="+mn-lt"/>
+          <a:ea typeface="+mn-ea"/>
+          <a:cs typeface="+mn-cs"/>
+        </a:defRPr>
+      </a:lvl7pPr>
+      <a:lvl8pPr marL="3200400" algn="l" defTabSz="914400" rtl="0" eaLnBrk="1" latinLnBrk="0" hangingPunct="1">
+        <a:defRPr sz="1800" kern="1200">
+          <a:solidFill>
+            <a:schemeClr val="tx1"/>
+          </a:solidFill>
+          <a:latin typeface="+mn-lt"/>
+          <a:ea typeface="+mn-ea"/>
+          <a:cs typeface="+mn-cs"/>
+        </a:defRPr>
+      </a:lvl8pPr>
+      <a:lvl9pPr marL="3657600" algn="l" defTabSz="914400" rtl="0" eaLnBrk="1" latinLnBrk="0" hangingPunct="1">
+        <a:defRPr sz="1800" kern="1200">
+          <a:solidFill>
+            <a:schemeClr val="tx1"/>
+          </a:solidFill>
+          <a:latin typeface="+mn-lt"/>
+          <a:ea typeface="+mn-ea"/>
+          <a:cs typeface="+mn-cs"/>
+        </a:defRPr>
+      </a:lvl9pPr>
+    </p:otherStyle>
+  </p:txStyles>
 </p:sldMaster>
 </file>
 
 <file path=ppt/slideMasters/slideMaster3.xml><?xml version="1.0" encoding="utf-8"?>
-<p:sldMaster xmlns:a="http://schemas.openxmlformats.org/drawingml/2006/main" xmlns:p="http://schemas.openxmlformats.org/presentationml/2006/main" xmlns:r="http://schemas.openxmlformats.org/officeDocument/2006/relationships" xmlns:p14="http://schemas.microsoft.com/office/powerpoint/2010/main" xmlns:p15="http://schemas.microsoft.com/office/powerpoint/2012/main" xmlns:mc="http://schemas.openxmlformats.org/markup-compatibility/2006">
+<p:sldMaster xmlns:a="http://schemas.openxmlformats.org/drawingml/2006/main" xmlns:r="http://schemas.openxmlformats.org/officeDocument/2006/relationships" xmlns:p="http://schemas.openxmlformats.org/presentationml/2006/main">
   <p:cSld>
     <p:bg>
       <p:bgPr>
         <a:solidFill>
-          <a:srgbClr val="2c3e50"/>
+          <a:srgbClr val="2C3E50"/>
         </a:solidFill>
+        <a:effectLst/>
       </p:bgPr>
     </p:bg>
     <p:spTree>
@@ -5300,16 +6096,22 @@
             </a:avLst>
           </a:prstGeom>
           <a:solidFill>
-            <a:srgbClr val="ffffff"/>
+            <a:srgbClr val="FFFFFF"/>
           </a:solidFill>
           <a:ln>
             <a:noFill/>
           </a:ln>
         </p:spPr>
         <p:style>
-          <a:lnRef idx="0"/>
-          <a:fillRef idx="0"/>
-          <a:effectRef idx="0"/>
+          <a:lnRef idx="0">
+            <a:scrgbClr r="0" g="0" b="0"/>
+          </a:lnRef>
+          <a:fillRef idx="0">
+            <a:scrgbClr r="0" g="0" b="0"/>
+          </a:fillRef>
+          <a:effectRef idx="0">
+            <a:scrgbClr r="0" g="0" b="0"/>
+          </a:effectRef>
           <a:fontRef idx="minor"/>
         </p:style>
       </p:sp>
@@ -5333,24 +6135,19 @@
           </a:prstGeom>
         </p:spPr>
         <p:txBody>
-          <a:bodyPr lIns="0" rIns="0" tIns="0" bIns="0" anchor="ctr" anchorCtr="1"/>
+          <a:bodyPr lIns="0" tIns="0" rIns="0" bIns="0" anchor="ctr" anchorCtr="1"/>
+          <a:lstStyle/>
           <a:p>
             <a:pPr algn="ctr"/>
             <a:r>
-              <a:rPr b="1" lang="en-US" sz="3600" spc="-1" strike="noStrike">
+              <a:rPr lang="en-US" sz="3600" b="1" strike="noStrike" spc="-1">
                 <a:solidFill>
-                  <a:srgbClr val="2c3e50"/>
+                  <a:srgbClr val="2C3E50"/>
                 </a:solidFill>
                 <a:latin typeface="Source Sans Pro Black"/>
               </a:rPr>
               <a:t>Click to edit the title text format</a:t>
             </a:r>
-            <a:endParaRPr b="1" lang="en-US" sz="3600" spc="-1" strike="noStrike">
-              <a:solidFill>
-                <a:srgbClr val="2c3e50"/>
-              </a:solidFill>
-              <a:latin typeface="Source Sans Pro Black"/>
-            </a:endParaRPr>
           </a:p>
         </p:txBody>
       </p:sp>
@@ -5374,9 +6171,10 @@
           </a:prstGeom>
         </p:spPr>
         <p:txBody>
-          <a:bodyPr lIns="0" rIns="0" tIns="0" bIns="0">
+          <a:bodyPr lIns="0" tIns="0" rIns="0" bIns="0">
             <a:normAutofit/>
           </a:bodyPr>
+          <a:lstStyle/>
           <a:p>
             <a:pPr marL="432000" indent="-324000">
               <a:spcAft>
@@ -5384,152 +6182,110 @@
               </a:spcAft>
             </a:pPr>
             <a:r>
-              <a:rPr b="0" lang="en-US" sz="2000" spc="-1" strike="noStrike">
+              <a:rPr lang="en-US" sz="2000" b="0" strike="noStrike" spc="-1">
                 <a:solidFill>
-                  <a:srgbClr val="ffffff"/>
+                  <a:srgbClr val="FFFFFF"/>
                 </a:solidFill>
                 <a:latin typeface="Source Sans Pro"/>
               </a:rPr>
               <a:t>Click to edit the outline text format</a:t>
             </a:r>
-            <a:endParaRPr b="0" lang="en-US" sz="2000" spc="-1" strike="noStrike">
-              <a:solidFill>
-                <a:srgbClr val="ffffff"/>
-              </a:solidFill>
-              <a:latin typeface="Source Sans Pro"/>
-            </a:endParaRPr>
-          </a:p>
-          <a:p>
-            <a:pPr lvl="1" marL="864000" indent="-324000">
+          </a:p>
+          <a:p>
+            <a:pPr marL="864000" lvl="1" indent="-324000">
               <a:spcAft>
                 <a:spcPts val="1134"/>
               </a:spcAft>
             </a:pPr>
             <a:r>
-              <a:rPr b="0" lang="en-US" sz="2000" spc="-1" strike="noStrike">
+              <a:rPr lang="en-US" sz="2000" b="0" strike="noStrike" spc="-1">
                 <a:solidFill>
-                  <a:srgbClr val="ffffff"/>
+                  <a:srgbClr val="FFFFFF"/>
                 </a:solidFill>
                 <a:latin typeface="Source Sans Pro"/>
               </a:rPr>
               <a:t>Second Outline Level</a:t>
             </a:r>
-            <a:endParaRPr b="0" lang="en-US" sz="2000" spc="-1" strike="noStrike">
-              <a:solidFill>
-                <a:srgbClr val="ffffff"/>
-              </a:solidFill>
-              <a:latin typeface="Source Sans Pro"/>
-            </a:endParaRPr>
-          </a:p>
-          <a:p>
-            <a:pPr lvl="2" marL="1296000" indent="-288000">
+          </a:p>
+          <a:p>
+            <a:pPr marL="1296000" lvl="2" indent="-288000">
               <a:spcAft>
                 <a:spcPts val="850"/>
               </a:spcAft>
             </a:pPr>
             <a:r>
-              <a:rPr b="0" lang="en-US" sz="2000" spc="-1" strike="noStrike">
+              <a:rPr lang="en-US" sz="2000" b="0" strike="noStrike" spc="-1">
                 <a:solidFill>
-                  <a:srgbClr val="ffffff"/>
+                  <a:srgbClr val="FFFFFF"/>
                 </a:solidFill>
                 <a:latin typeface="Source Sans Pro"/>
               </a:rPr>
               <a:t>Third Outline Level</a:t>
             </a:r>
-            <a:endParaRPr b="0" lang="en-US" sz="2000" spc="-1" strike="noStrike">
-              <a:solidFill>
-                <a:srgbClr val="ffffff"/>
-              </a:solidFill>
-              <a:latin typeface="Source Sans Pro"/>
-            </a:endParaRPr>
-          </a:p>
-          <a:p>
-            <a:pPr lvl="3" marL="1728000" indent="-216000">
+          </a:p>
+          <a:p>
+            <a:pPr marL="1728000" lvl="3" indent="-216000">
               <a:spcAft>
                 <a:spcPts val="567"/>
               </a:spcAft>
             </a:pPr>
             <a:r>
-              <a:rPr b="0" lang="en-US" sz="2000" spc="-1" strike="noStrike">
+              <a:rPr lang="en-US" sz="2000" b="0" strike="noStrike" spc="-1">
                 <a:solidFill>
-                  <a:srgbClr val="ffffff"/>
+                  <a:srgbClr val="FFFFFF"/>
                 </a:solidFill>
                 <a:latin typeface="Source Sans Pro"/>
               </a:rPr>
               <a:t>Fourth Outline Level</a:t>
             </a:r>
-            <a:endParaRPr b="0" lang="en-US" sz="2000" spc="-1" strike="noStrike">
-              <a:solidFill>
-                <a:srgbClr val="ffffff"/>
-              </a:solidFill>
-              <a:latin typeface="Source Sans Pro"/>
-            </a:endParaRPr>
-          </a:p>
-          <a:p>
-            <a:pPr lvl="4" marL="2160000" indent="-216000">
+          </a:p>
+          <a:p>
+            <a:pPr marL="2160000" lvl="4" indent="-216000">
               <a:spcAft>
                 <a:spcPts val="283"/>
               </a:spcAft>
             </a:pPr>
             <a:r>
-              <a:rPr b="0" lang="en-US" sz="2000" spc="-1" strike="noStrike">
+              <a:rPr lang="en-US" sz="2000" b="0" strike="noStrike" spc="-1">
                 <a:solidFill>
-                  <a:srgbClr val="ffffff"/>
+                  <a:srgbClr val="FFFFFF"/>
                 </a:solidFill>
                 <a:latin typeface="Source Sans Pro"/>
               </a:rPr>
               <a:t>Fifth Outline Level</a:t>
             </a:r>
-            <a:endParaRPr b="0" lang="en-US" sz="2000" spc="-1" strike="noStrike">
-              <a:solidFill>
-                <a:srgbClr val="ffffff"/>
-              </a:solidFill>
-              <a:latin typeface="Source Sans Pro"/>
-            </a:endParaRPr>
-          </a:p>
-          <a:p>
-            <a:pPr lvl="5" marL="2592000" indent="-216000">
+          </a:p>
+          <a:p>
+            <a:pPr marL="2592000" lvl="5" indent="-216000">
               <a:spcAft>
                 <a:spcPts val="283"/>
               </a:spcAft>
             </a:pPr>
             <a:r>
-              <a:rPr b="0" lang="en-US" sz="2000" spc="-1" strike="noStrike">
+              <a:rPr lang="en-US" sz="2000" b="0" strike="noStrike" spc="-1">
                 <a:solidFill>
-                  <a:srgbClr val="ffffff"/>
+                  <a:srgbClr val="FFFFFF"/>
                 </a:solidFill>
                 <a:latin typeface="Source Sans Pro"/>
               </a:rPr>
               <a:t>Sixth Outline Level</a:t>
             </a:r>
-            <a:endParaRPr b="0" lang="en-US" sz="2000" spc="-1" strike="noStrike">
-              <a:solidFill>
-                <a:srgbClr val="ffffff"/>
-              </a:solidFill>
-              <a:latin typeface="Source Sans Pro"/>
-            </a:endParaRPr>
-          </a:p>
-          <a:p>
-            <a:pPr lvl="6" marL="3024000" indent="-216000">
+          </a:p>
+          <a:p>
+            <a:pPr marL="3024000" lvl="6" indent="-216000">
               <a:spcAft>
                 <a:spcPts val="283"/>
               </a:spcAft>
             </a:pPr>
             <a:r>
-              <a:rPr b="0" lang="en-US" sz="2000" spc="-1" strike="noStrike">
+              <a:rPr lang="en-US" sz="2000" b="0" strike="noStrike" spc="-1">
                 <a:solidFill>
-                  <a:srgbClr val="ffffff"/>
+                  <a:srgbClr val="FFFFFF"/>
                 </a:solidFill>
                 <a:latin typeface="Source Sans Pro"/>
               </a:rPr>
               <a:t>Seventh Outline Level</a:t>
             </a:r>
-            <a:endParaRPr b="0" lang="en-US" sz="2000" spc="-1" strike="noStrike">
-              <a:solidFill>
-                <a:srgbClr val="ffffff"/>
-              </a:solidFill>
-              <a:latin typeface="Source Sans Pro"/>
-            </a:endParaRPr>
           </a:p>
         </p:txBody>
       </p:sp>
@@ -5553,23 +6309,18 @@
           </a:prstGeom>
         </p:spPr>
         <p:txBody>
-          <a:bodyPr lIns="0" rIns="0" tIns="0" bIns="0"/>
+          <a:bodyPr lIns="0" tIns="0" rIns="0" bIns="0"/>
+          <a:lstStyle/>
           <a:p>
             <a:r>
-              <a:rPr b="1" lang="en-US" sz="1800" spc="-1" strike="noStrike">
+              <a:rPr lang="en-US" sz="1800" b="1" strike="noStrike" spc="-1">
                 <a:solidFill>
-                  <a:srgbClr val="ffffff"/>
+                  <a:srgbClr val="FFFFFF"/>
                 </a:solidFill>
                 <a:latin typeface="Source Sans Pro Black"/>
               </a:rPr>
               <a:t> </a:t>
             </a:r>
-            <a:endParaRPr b="1" lang="en-US" sz="1800" spc="-1" strike="noStrike">
-              <a:solidFill>
-                <a:srgbClr val="ffffff"/>
-              </a:solidFill>
-              <a:latin typeface="Source Sans Pro Black"/>
-            </a:endParaRPr>
           </a:p>
         </p:txBody>
       </p:sp>
@@ -5593,24 +6344,19 @@
           </a:prstGeom>
         </p:spPr>
         <p:txBody>
-          <a:bodyPr lIns="0" rIns="0" tIns="0" bIns="0"/>
+          <a:bodyPr lIns="0" tIns="0" rIns="0" bIns="0"/>
+          <a:lstStyle/>
           <a:p>
             <a:pPr algn="ctr"/>
             <a:r>
-              <a:rPr b="1" lang="en-US" sz="1800" spc="-1" strike="noStrike">
+              <a:rPr lang="en-US" sz="1800" b="1" strike="noStrike" spc="-1">
                 <a:solidFill>
-                  <a:srgbClr val="ffffff"/>
+                  <a:srgbClr val="FFFFFF"/>
                 </a:solidFill>
                 <a:latin typeface="Source Sans Pro Black"/>
               </a:rPr>
               <a:t> </a:t>
             </a:r>
-            <a:endParaRPr b="1" lang="en-US" sz="1800" spc="-1" strike="noStrike">
-              <a:solidFill>
-                <a:srgbClr val="ffffff"/>
-              </a:solidFill>
-              <a:latin typeface="Source Sans Pro Black"/>
-            </a:endParaRPr>
           </a:p>
         </p:txBody>
       </p:sp>
@@ -5634,21 +6380,22 @@
           </a:prstGeom>
         </p:spPr>
         <p:txBody>
-          <a:bodyPr lIns="0" rIns="0" tIns="0" bIns="0" anchor="ctr"/>
+          <a:bodyPr lIns="0" tIns="0" rIns="0" bIns="0" anchor="ctr"/>
+          <a:lstStyle/>
           <a:p>
             <a:pPr algn="ctr"/>
             <a:fld id="{7CB2F4DD-5EFF-491E-81DC-A4D64CABCDB3}" type="slidenum">
-              <a:rPr b="1" lang="en-US" sz="1800" spc="-1" strike="noStrike">
+              <a:rPr lang="en-US" sz="1800" b="1" strike="noStrike" spc="-1">
                 <a:solidFill>
-                  <a:srgbClr val="ffffff"/>
+                  <a:srgbClr val="FFFFFF"/>
                 </a:solidFill>
                 <a:latin typeface="Source Sans Pro Black"/>
               </a:rPr>
-              <a:t>1</a:t>
+              <a:t>‹#›</a:t>
             </a:fld>
-            <a:endParaRPr b="1" lang="en-US" sz="1800" spc="-1" strike="noStrike">
-              <a:solidFill>
-                <a:srgbClr val="ffffff"/>
+            <a:endParaRPr lang="en-US" sz="1800" b="1" strike="noStrike" spc="-1">
+              <a:solidFill>
+                <a:srgbClr val="FFFFFF"/>
               </a:solidFill>
               <a:latin typeface="Source Sans Pro Black"/>
             </a:endParaRPr>
@@ -5657,26 +6404,306 @@
       </p:sp>
     </p:spTree>
   </p:cSld>
-  <p:clrMap bg1="lt1" bg2="lt2" tx1="dk1" tx2="dk2" accent1="accent1" accent2="accent2" accent3="accent3" accent4="accent4" accent5="accent5" accent6="accent6" hlink="hlink" folHlink="folHlink"/>
+  <p:clrMap bg1="lt1" tx1="dk1" bg2="lt2" tx2="dk2" accent1="accent1" accent2="accent2" accent3="accent3" accent4="accent4" accent5="accent5" accent6="accent6" hlink="hlink" folHlink="folHlink"/>
   <p:sldLayoutIdLst>
-    <p:sldLayoutId id="2147483675" r:id="rId2"/>
-    <p:sldLayoutId id="2147483676" r:id="rId3"/>
-    <p:sldLayoutId id="2147483677" r:id="rId4"/>
-    <p:sldLayoutId id="2147483678" r:id="rId5"/>
-    <p:sldLayoutId id="2147483679" r:id="rId6"/>
-    <p:sldLayoutId id="2147483680" r:id="rId7"/>
-    <p:sldLayoutId id="2147483681" r:id="rId8"/>
-    <p:sldLayoutId id="2147483682" r:id="rId9"/>
-    <p:sldLayoutId id="2147483683" r:id="rId10"/>
-    <p:sldLayoutId id="2147483684" r:id="rId11"/>
-    <p:sldLayoutId id="2147483685" r:id="rId12"/>
-    <p:sldLayoutId id="2147483686" r:id="rId13"/>
+    <p:sldLayoutId id="2147483675" r:id="rId1"/>
+    <p:sldLayoutId id="2147483676" r:id="rId2"/>
+    <p:sldLayoutId id="2147483677" r:id="rId3"/>
+    <p:sldLayoutId id="2147483678" r:id="rId4"/>
+    <p:sldLayoutId id="2147483679" r:id="rId5"/>
+    <p:sldLayoutId id="2147483680" r:id="rId6"/>
+    <p:sldLayoutId id="2147483681" r:id="rId7"/>
+    <p:sldLayoutId id="2147483682" r:id="rId8"/>
+    <p:sldLayoutId id="2147483683" r:id="rId9"/>
+    <p:sldLayoutId id="2147483684" r:id="rId10"/>
+    <p:sldLayoutId id="2147483685" r:id="rId11"/>
+    <p:sldLayoutId id="2147483686" r:id="rId12"/>
   </p:sldLayoutIdLst>
+  <p:txStyles>
+    <p:titleStyle>
+      <a:lvl1pPr algn="l" defTabSz="914400" rtl="0" eaLnBrk="1" latinLnBrk="0" hangingPunct="1">
+        <a:lnSpc>
+          <a:spcPct val="90000"/>
+        </a:lnSpc>
+        <a:spcBef>
+          <a:spcPct val="0"/>
+        </a:spcBef>
+        <a:buNone/>
+        <a:defRPr sz="4400" kern="1200">
+          <a:solidFill>
+            <a:schemeClr val="tx1"/>
+          </a:solidFill>
+          <a:latin typeface="+mj-lt"/>
+          <a:ea typeface="+mj-ea"/>
+          <a:cs typeface="+mj-cs"/>
+        </a:defRPr>
+      </a:lvl1pPr>
+    </p:titleStyle>
+    <p:bodyStyle>
+      <a:lvl1pPr marL="228600" indent="-228600" algn="l" defTabSz="914400" rtl="0" eaLnBrk="1" latinLnBrk="0" hangingPunct="1">
+        <a:lnSpc>
+          <a:spcPct val="90000"/>
+        </a:lnSpc>
+        <a:spcBef>
+          <a:spcPts val="1000"/>
+        </a:spcBef>
+        <a:buFont typeface="Arial" panose="020B0604020202020204" pitchFamily="34" charset="0"/>
+        <a:buChar char="•"/>
+        <a:defRPr sz="2800" kern="1200">
+          <a:solidFill>
+            <a:schemeClr val="tx1"/>
+          </a:solidFill>
+          <a:latin typeface="+mn-lt"/>
+          <a:ea typeface="+mn-ea"/>
+          <a:cs typeface="+mn-cs"/>
+        </a:defRPr>
+      </a:lvl1pPr>
+      <a:lvl2pPr marL="685800" indent="-228600" algn="l" defTabSz="914400" rtl="0" eaLnBrk="1" latinLnBrk="0" hangingPunct="1">
+        <a:lnSpc>
+          <a:spcPct val="90000"/>
+        </a:lnSpc>
+        <a:spcBef>
+          <a:spcPts val="500"/>
+        </a:spcBef>
+        <a:buFont typeface="Arial" panose="020B0604020202020204" pitchFamily="34" charset="0"/>
+        <a:buChar char="•"/>
+        <a:defRPr sz="2400" kern="1200">
+          <a:solidFill>
+            <a:schemeClr val="tx1"/>
+          </a:solidFill>
+          <a:latin typeface="+mn-lt"/>
+          <a:ea typeface="+mn-ea"/>
+          <a:cs typeface="+mn-cs"/>
+        </a:defRPr>
+      </a:lvl2pPr>
+      <a:lvl3pPr marL="1143000" indent="-228600" algn="l" defTabSz="914400" rtl="0" eaLnBrk="1" latinLnBrk="0" hangingPunct="1">
+        <a:lnSpc>
+          <a:spcPct val="90000"/>
+        </a:lnSpc>
+        <a:spcBef>
+          <a:spcPts val="500"/>
+        </a:spcBef>
+        <a:buFont typeface="Arial" panose="020B0604020202020204" pitchFamily="34" charset="0"/>
+        <a:buChar char="•"/>
+        <a:defRPr sz="2000" kern="1200">
+          <a:solidFill>
+            <a:schemeClr val="tx1"/>
+          </a:solidFill>
+          <a:latin typeface="+mn-lt"/>
+          <a:ea typeface="+mn-ea"/>
+          <a:cs typeface="+mn-cs"/>
+        </a:defRPr>
+      </a:lvl3pPr>
+      <a:lvl4pPr marL="1600200" indent="-228600" algn="l" defTabSz="914400" rtl="0" eaLnBrk="1" latinLnBrk="0" hangingPunct="1">
+        <a:lnSpc>
+          <a:spcPct val="90000"/>
+        </a:lnSpc>
+        <a:spcBef>
+          <a:spcPts val="500"/>
+        </a:spcBef>
+        <a:buFont typeface="Arial" panose="020B0604020202020204" pitchFamily="34" charset="0"/>
+        <a:buChar char="•"/>
+        <a:defRPr sz="1800" kern="1200">
+          <a:solidFill>
+            <a:schemeClr val="tx1"/>
+          </a:solidFill>
+          <a:latin typeface="+mn-lt"/>
+          <a:ea typeface="+mn-ea"/>
+          <a:cs typeface="+mn-cs"/>
+        </a:defRPr>
+      </a:lvl4pPr>
+      <a:lvl5pPr marL="2057400" indent="-228600" algn="l" defTabSz="914400" rtl="0" eaLnBrk="1" latinLnBrk="0" hangingPunct="1">
+        <a:lnSpc>
+          <a:spcPct val="90000"/>
+        </a:lnSpc>
+        <a:spcBef>
+          <a:spcPts val="500"/>
+        </a:spcBef>
+        <a:buFont typeface="Arial" panose="020B0604020202020204" pitchFamily="34" charset="0"/>
+        <a:buChar char="•"/>
+        <a:defRPr sz="1800" kern="1200">
+          <a:solidFill>
+            <a:schemeClr val="tx1"/>
+          </a:solidFill>
+          <a:latin typeface="+mn-lt"/>
+          <a:ea typeface="+mn-ea"/>
+          <a:cs typeface="+mn-cs"/>
+        </a:defRPr>
+      </a:lvl5pPr>
+      <a:lvl6pPr marL="2514600" indent="-228600" algn="l" defTabSz="914400" rtl="0" eaLnBrk="1" latinLnBrk="0" hangingPunct="1">
+        <a:lnSpc>
+          <a:spcPct val="90000"/>
+        </a:lnSpc>
+        <a:spcBef>
+          <a:spcPts val="500"/>
+        </a:spcBef>
+        <a:buFont typeface="Arial" panose="020B0604020202020204" pitchFamily="34" charset="0"/>
+        <a:buChar char="•"/>
+        <a:defRPr sz="1800" kern="1200">
+          <a:solidFill>
+            <a:schemeClr val="tx1"/>
+          </a:solidFill>
+          <a:latin typeface="+mn-lt"/>
+          <a:ea typeface="+mn-ea"/>
+          <a:cs typeface="+mn-cs"/>
+        </a:defRPr>
+      </a:lvl6pPr>
+      <a:lvl7pPr marL="2971800" indent="-228600" algn="l" defTabSz="914400" rtl="0" eaLnBrk="1" latinLnBrk="0" hangingPunct="1">
+        <a:lnSpc>
+          <a:spcPct val="90000"/>
+        </a:lnSpc>
+        <a:spcBef>
+          <a:spcPts val="500"/>
+        </a:spcBef>
+        <a:buFont typeface="Arial" panose="020B0604020202020204" pitchFamily="34" charset="0"/>
+        <a:buChar char="•"/>
+        <a:defRPr sz="1800" kern="1200">
+          <a:solidFill>
+            <a:schemeClr val="tx1"/>
+          </a:solidFill>
+          <a:latin typeface="+mn-lt"/>
+          <a:ea typeface="+mn-ea"/>
+          <a:cs typeface="+mn-cs"/>
+        </a:defRPr>
+      </a:lvl7pPr>
+      <a:lvl8pPr marL="3429000" indent="-228600" algn="l" defTabSz="914400" rtl="0" eaLnBrk="1" latinLnBrk="0" hangingPunct="1">
+        <a:lnSpc>
+          <a:spcPct val="90000"/>
+        </a:lnSpc>
+        <a:spcBef>
+          <a:spcPts val="500"/>
+        </a:spcBef>
+        <a:buFont typeface="Arial" panose="020B0604020202020204" pitchFamily="34" charset="0"/>
+        <a:buChar char="•"/>
+        <a:defRPr sz="1800" kern="1200">
+          <a:solidFill>
+            <a:schemeClr val="tx1"/>
+          </a:solidFill>
+          <a:latin typeface="+mn-lt"/>
+          <a:ea typeface="+mn-ea"/>
+          <a:cs typeface="+mn-cs"/>
+        </a:defRPr>
+      </a:lvl8pPr>
+      <a:lvl9pPr marL="3886200" indent="-228600" algn="l" defTabSz="914400" rtl="0" eaLnBrk="1" latinLnBrk="0" hangingPunct="1">
+        <a:lnSpc>
+          <a:spcPct val="90000"/>
+        </a:lnSpc>
+        <a:spcBef>
+          <a:spcPts val="500"/>
+        </a:spcBef>
+        <a:buFont typeface="Arial" panose="020B0604020202020204" pitchFamily="34" charset="0"/>
+        <a:buChar char="•"/>
+        <a:defRPr sz="1800" kern="1200">
+          <a:solidFill>
+            <a:schemeClr val="tx1"/>
+          </a:solidFill>
+          <a:latin typeface="+mn-lt"/>
+          <a:ea typeface="+mn-ea"/>
+          <a:cs typeface="+mn-cs"/>
+        </a:defRPr>
+      </a:lvl9pPr>
+    </p:bodyStyle>
+    <p:otherStyle>
+      <a:defPPr>
+        <a:defRPr lang="en-US"/>
+      </a:defPPr>
+      <a:lvl1pPr marL="0" algn="l" defTabSz="914400" rtl="0" eaLnBrk="1" latinLnBrk="0" hangingPunct="1">
+        <a:defRPr sz="1800" kern="1200">
+          <a:solidFill>
+            <a:schemeClr val="tx1"/>
+          </a:solidFill>
+          <a:latin typeface="+mn-lt"/>
+          <a:ea typeface="+mn-ea"/>
+          <a:cs typeface="+mn-cs"/>
+        </a:defRPr>
+      </a:lvl1pPr>
+      <a:lvl2pPr marL="457200" algn="l" defTabSz="914400" rtl="0" eaLnBrk="1" latinLnBrk="0" hangingPunct="1">
+        <a:defRPr sz="1800" kern="1200">
+          <a:solidFill>
+            <a:schemeClr val="tx1"/>
+          </a:solidFill>
+          <a:latin typeface="+mn-lt"/>
+          <a:ea typeface="+mn-ea"/>
+          <a:cs typeface="+mn-cs"/>
+        </a:defRPr>
+      </a:lvl2pPr>
+      <a:lvl3pPr marL="914400" algn="l" defTabSz="914400" rtl="0" eaLnBrk="1" latinLnBrk="0" hangingPunct="1">
+        <a:defRPr sz="1800" kern="1200">
+          <a:solidFill>
+            <a:schemeClr val="tx1"/>
+          </a:solidFill>
+          <a:latin typeface="+mn-lt"/>
+          <a:ea typeface="+mn-ea"/>
+          <a:cs typeface="+mn-cs"/>
+        </a:defRPr>
+      </a:lvl3pPr>
+      <a:lvl4pPr marL="1371600" algn="l" defTabSz="914400" rtl="0" eaLnBrk="1" latinLnBrk="0" hangingPunct="1">
+        <a:defRPr sz="1800" kern="1200">
+          <a:solidFill>
+            <a:schemeClr val="tx1"/>
+          </a:solidFill>
+          <a:latin typeface="+mn-lt"/>
+          <a:ea typeface="+mn-ea"/>
+          <a:cs typeface="+mn-cs"/>
+        </a:defRPr>
+      </a:lvl4pPr>
+      <a:lvl5pPr marL="1828800" algn="l" defTabSz="914400" rtl="0" eaLnBrk="1" latinLnBrk="0" hangingPunct="1">
+        <a:defRPr sz="1800" kern="1200">
+          <a:solidFill>
+            <a:schemeClr val="tx1"/>
+          </a:solidFill>
+          <a:latin typeface="+mn-lt"/>
+          <a:ea typeface="+mn-ea"/>
+          <a:cs typeface="+mn-cs"/>
+        </a:defRPr>
+      </a:lvl5pPr>
+      <a:lvl6pPr marL="2286000" algn="l" defTabSz="914400" rtl="0" eaLnBrk="1" latinLnBrk="0" hangingPunct="1">
+        <a:defRPr sz="1800" kern="1200">
+          <a:solidFill>
+            <a:schemeClr val="tx1"/>
+          </a:solidFill>
+          <a:latin typeface="+mn-lt"/>
+          <a:ea typeface="+mn-ea"/>
+          <a:cs typeface="+mn-cs"/>
+        </a:defRPr>
+      </a:lvl6pPr>
+      <a:lvl7pPr marL="2743200" algn="l" defTabSz="914400" rtl="0" eaLnBrk="1" latinLnBrk="0" hangingPunct="1">
+        <a:defRPr sz="1800" kern="1200">
+          <a:solidFill>
+            <a:schemeClr val="tx1"/>
+          </a:solidFill>
+          <a:latin typeface="+mn-lt"/>
+          <a:ea typeface="+mn-ea"/>
+          <a:cs typeface="+mn-cs"/>
+        </a:defRPr>
+      </a:lvl7pPr>
+      <a:lvl8pPr marL="3200400" algn="l" defTabSz="914400" rtl="0" eaLnBrk="1" latinLnBrk="0" hangingPunct="1">
+        <a:defRPr sz="1800" kern="1200">
+          <a:solidFill>
+            <a:schemeClr val="tx1"/>
+          </a:solidFill>
+          <a:latin typeface="+mn-lt"/>
+          <a:ea typeface="+mn-ea"/>
+          <a:cs typeface="+mn-cs"/>
+        </a:defRPr>
+      </a:lvl8pPr>
+      <a:lvl9pPr marL="3657600" algn="l" defTabSz="914400" rtl="0" eaLnBrk="1" latinLnBrk="0" hangingPunct="1">
+        <a:defRPr sz="1800" kern="1200">
+          <a:solidFill>
+            <a:schemeClr val="tx1"/>
+          </a:solidFill>
+          <a:latin typeface="+mn-lt"/>
+          <a:ea typeface="+mn-ea"/>
+          <a:cs typeface="+mn-cs"/>
+        </a:defRPr>
+      </a:lvl9pPr>
+    </p:otherStyle>
+  </p:txStyles>
 </p:sldMaster>
 </file>
 
 <file path=ppt/slides/slide1.xml><?xml version="1.0" encoding="utf-8"?>
-<p:sld xmlns:a="http://schemas.openxmlformats.org/drawingml/2006/main" xmlns:p="http://schemas.openxmlformats.org/presentationml/2006/main" xmlns:r="http://schemas.openxmlformats.org/officeDocument/2006/relationships" xmlns:p14="http://schemas.microsoft.com/office/powerpoint/2010/main" xmlns:p15="http://schemas.microsoft.com/office/powerpoint/2012/main" xmlns:mc="http://schemas.openxmlformats.org/markup-compatibility/2006">
+<p:sld xmlns:a="http://schemas.openxmlformats.org/drawingml/2006/main" xmlns:r="http://schemas.openxmlformats.org/officeDocument/2006/relationships" xmlns:p="http://schemas.openxmlformats.org/presentationml/2006/main">
   <p:cSld>
     <p:spTree>
       <p:nvGrpSpPr>
@@ -5712,24 +6739,19 @@
           </a:ln>
         </p:spPr>
         <p:txBody>
-          <a:bodyPr lIns="0" rIns="0" tIns="0" bIns="0" anchor="ctr" anchorCtr="1"/>
+          <a:bodyPr lIns="0" tIns="0" rIns="0" bIns="0" anchor="ctr" anchorCtr="1"/>
+          <a:lstStyle/>
           <a:p>
             <a:pPr algn="ctr"/>
             <a:r>
-              <a:rPr b="1" lang="en-US" sz="3600" spc="-1" strike="noStrike">
+              <a:rPr lang="en-US" sz="3600" b="1" strike="noStrike" spc="-1">
                 <a:solidFill>
-                  <a:srgbClr val="ffffff"/>
+                  <a:srgbClr val="FFFFFF"/>
                 </a:solidFill>
                 <a:latin typeface="Source Sans Pro Black"/>
               </a:rPr>
               <a:t>Just trollin m8</a:t>
             </a:r>
-            <a:endParaRPr b="1" lang="en-US" sz="3600" spc="-1" strike="noStrike">
-              <a:solidFill>
-                <a:srgbClr val="ffffff"/>
-              </a:solidFill>
-              <a:latin typeface="Source Sans Pro Black"/>
-            </a:endParaRPr>
           </a:p>
         </p:txBody>
       </p:sp>
@@ -5753,29 +6775,27 @@
           </a:ln>
         </p:spPr>
         <p:txBody>
-          <a:bodyPr lIns="0" rIns="0" tIns="0" bIns="0" anchor="ctr"/>
+          <a:bodyPr lIns="0" tIns="0" rIns="0" bIns="0" anchor="ctr"/>
+          <a:lstStyle/>
           <a:p>
             <a:pPr algn="ctr"/>
             <a:r>
-              <a:rPr b="0" lang="en-US" sz="2200" spc="-1" strike="noStrike">
+              <a:rPr lang="en-US" sz="2200" b="0" strike="noStrike" spc="-1">
                 <a:solidFill>
-                  <a:srgbClr val="ffffff"/>
+                  <a:srgbClr val="FFFFFF"/>
                 </a:solidFill>
                 <a:latin typeface="Source Sans Pro"/>
               </a:rPr>
               <a:t>CAN’T KEEP A TROLL DOWN</a:t>
             </a:r>
-            <a:endParaRPr b="0" lang="en-US" sz="2200" spc="-1" strike="noStrike">
-              <a:solidFill>
-                <a:srgbClr val="ffffff"/>
-              </a:solidFill>
-              <a:latin typeface="Source Sans Pro"/>
-            </a:endParaRPr>
           </a:p>
         </p:txBody>
       </p:sp>
     </p:spTree>
   </p:cSld>
+  <p:clrMapOvr>
+    <a:masterClrMapping/>
+  </p:clrMapOvr>
   <p:timing>
     <p:tnLst>
       <p:par>
@@ -5784,14 +6804,14 @@
             <p:seq>
               <p:cTn id="2" nodeType="mainSeq"/>
               <p:prevCondLst>
-                <p:cond delay="0" evt="onPrev">
+                <p:cond evt="onPrev" delay="0">
                   <p:tgtEl>
                     <p:sldTgt/>
                   </p:tgtEl>
                 </p:cond>
               </p:prevCondLst>
               <p:nextCondLst>
-                <p:cond delay="0" evt="onNext">
+                <p:cond evt="onNext" delay="0">
                   <p:tgtEl>
                     <p:sldTgt/>
                   </p:tgtEl>
@@ -5807,7 +6827,7 @@
 </file>
 
 <file path=ppt/slides/slide2.xml><?xml version="1.0" encoding="utf-8"?>
-<p:sld xmlns:a="http://schemas.openxmlformats.org/drawingml/2006/main" xmlns:p="http://schemas.openxmlformats.org/presentationml/2006/main" xmlns:r="http://schemas.openxmlformats.org/officeDocument/2006/relationships" xmlns:p14="http://schemas.microsoft.com/office/powerpoint/2010/main" xmlns:p15="http://schemas.microsoft.com/office/powerpoint/2012/main" xmlns:mc="http://schemas.openxmlformats.org/markup-compatibility/2006">
+<p:sld xmlns:a="http://schemas.openxmlformats.org/drawingml/2006/main" xmlns:r="http://schemas.openxmlformats.org/officeDocument/2006/relationships" xmlns:p="http://schemas.openxmlformats.org/presentationml/2006/main">
   <p:cSld>
     <p:spTree>
       <p:nvGrpSpPr>
@@ -5843,24 +6863,19 @@
           </a:ln>
         </p:spPr>
         <p:txBody>
-          <a:bodyPr lIns="0" rIns="0" tIns="0" bIns="0" anchor="ctr"/>
+          <a:bodyPr lIns="0" tIns="0" rIns="0" bIns="0" anchor="ctr"/>
+          <a:lstStyle/>
           <a:p>
             <a:pPr algn="ctr"/>
             <a:r>
-              <a:rPr b="1" lang="en-US" sz="3600" spc="-1" strike="noStrike">
+              <a:rPr lang="en-US" sz="3600" b="1" strike="noStrike" spc="-1">
                 <a:solidFill>
-                  <a:srgbClr val="ffffff"/>
+                  <a:srgbClr val="FFFFFF"/>
                 </a:solidFill>
                 <a:latin typeface="Source Sans Pro Black"/>
               </a:rPr>
               <a:t>Summary</a:t>
             </a:r>
-            <a:endParaRPr b="1" lang="en-US" sz="3600" spc="-1" strike="noStrike">
-              <a:solidFill>
-                <a:srgbClr val="ffffff"/>
-              </a:solidFill>
-              <a:latin typeface="Source Sans Pro Black"/>
-            </a:endParaRPr>
           </a:p>
         </p:txBody>
       </p:sp>
@@ -5884,36 +6899,31 @@
           </a:ln>
         </p:spPr>
         <p:txBody>
-          <a:bodyPr lIns="0" rIns="0" tIns="0" bIns="0">
+          <a:bodyPr lIns="0" tIns="0" rIns="0" bIns="0">
             <a:normAutofit/>
           </a:bodyPr>
+          <a:lstStyle/>
           <a:p>
             <a:pPr marL="432000" indent="-324000">
               <a:spcAft>
                 <a:spcPts val="1414"/>
               </a:spcAft>
               <a:buClr>
-                <a:srgbClr val="2c3e50"/>
+                <a:srgbClr val="2C3E50"/>
               </a:buClr>
               <a:buSzPct val="45000"/>
               <a:buFont typeface="Wingdings" charset="2"/>
               <a:buChar char=""/>
             </a:pPr>
             <a:r>
-              <a:rPr b="1" lang="en-US" sz="3200" spc="-1" strike="noStrike">
+              <a:rPr lang="en-US" sz="3200" b="1" strike="noStrike" spc="-1">
                 <a:solidFill>
-                  <a:srgbClr val="2c3e50"/>
+                  <a:srgbClr val="2C3E50"/>
                 </a:solidFill>
                 <a:latin typeface="Source Sans Pro Semibold"/>
               </a:rPr>
               <a:t>Troll.reviews is a community driven site that helps users identify possible trolls or if a third-party can be trusted.</a:t>
             </a:r>
-            <a:endParaRPr b="1" lang="en-US" sz="3200" spc="-1" strike="noStrike">
-              <a:solidFill>
-                <a:srgbClr val="2c3e50"/>
-              </a:solidFill>
-              <a:latin typeface="Source Sans Pro Semibold"/>
-            </a:endParaRPr>
           </a:p>
           <a:p>
             <a:pPr marL="432000" indent="-324000">
@@ -5921,48 +6931,45 @@
                 <a:spcPts val="1414"/>
               </a:spcAft>
               <a:buClr>
-                <a:srgbClr val="2c3e50"/>
+                <a:srgbClr val="2C3E50"/>
               </a:buClr>
               <a:buSzPct val="45000"/>
               <a:buFont typeface="Wingdings" charset="2"/>
               <a:buChar char=""/>
             </a:pPr>
             <a:r>
-              <a:rPr b="1" lang="en-US" sz="3200" spc="-1" strike="noStrike">
+              <a:rPr lang="en-US" sz="3200" b="1" strike="noStrike" spc="-1">
                 <a:solidFill>
-                  <a:srgbClr val="2c3e50"/>
+                  <a:srgbClr val="2C3E50"/>
                 </a:solidFill>
                 <a:latin typeface="Source Sans Pro Semibold"/>
               </a:rPr>
               <a:t>This is accomplished by aggregating data from multiple sources based upon a user’s alias.</a:t>
             </a:r>
-            <a:endParaRPr b="1" lang="en-US" sz="3200" spc="-1" strike="noStrike">
-              <a:solidFill>
-                <a:srgbClr val="2c3e50"/>
-              </a:solidFill>
-              <a:latin typeface="Source Sans Pro Semibold"/>
-            </a:endParaRPr>
           </a:p>
         </p:txBody>
       </p:sp>
     </p:spTree>
   </p:cSld>
+  <p:clrMapOvr>
+    <a:masterClrMapping/>
+  </p:clrMapOvr>
   <p:timing>
     <p:tnLst>
       <p:par>
-        <p:cTn id="3" dur="indefinite" restart="never" nodeType="tmRoot">
+        <p:cTn id="1" dur="indefinite" restart="never" nodeType="tmRoot">
           <p:childTnLst>
             <p:seq>
-              <p:cTn id="4" nodeType="mainSeq"/>
+              <p:cTn id="2" nodeType="mainSeq"/>
               <p:prevCondLst>
-                <p:cond delay="0" evt="onPrev">
+                <p:cond evt="onPrev" delay="0">
                   <p:tgtEl>
                     <p:sldTgt/>
                   </p:tgtEl>
                 </p:cond>
               </p:prevCondLst>
               <p:nextCondLst>
-                <p:cond delay="0" evt="onNext">
+                <p:cond evt="onNext" delay="0">
                   <p:tgtEl>
                     <p:sldTgt/>
                   </p:tgtEl>
@@ -5978,7 +6985,7 @@
 </file>
 
 <file path=ppt/slides/slide3.xml><?xml version="1.0" encoding="utf-8"?>
-<p:sld xmlns:a="http://schemas.openxmlformats.org/drawingml/2006/main" xmlns:p="http://schemas.openxmlformats.org/presentationml/2006/main" xmlns:r="http://schemas.openxmlformats.org/officeDocument/2006/relationships" xmlns:p14="http://schemas.microsoft.com/office/powerpoint/2010/main" xmlns:p15="http://schemas.microsoft.com/office/powerpoint/2012/main" xmlns:mc="http://schemas.openxmlformats.org/markup-compatibility/2006">
+<p:sld xmlns:a="http://schemas.openxmlformats.org/drawingml/2006/main" xmlns:r="http://schemas.openxmlformats.org/officeDocument/2006/relationships" xmlns:p="http://schemas.openxmlformats.org/presentationml/2006/main">
   <p:cSld>
     <p:spTree>
       <p:nvGrpSpPr>
@@ -6014,24 +7021,19 @@
           </a:ln>
         </p:spPr>
         <p:txBody>
-          <a:bodyPr lIns="0" rIns="0" tIns="0" bIns="0" anchor="ctr"/>
+          <a:bodyPr lIns="0" tIns="0" rIns="0" bIns="0" anchor="ctr"/>
+          <a:lstStyle/>
           <a:p>
             <a:pPr algn="ctr"/>
             <a:r>
-              <a:rPr b="1" lang="en-US" sz="3600" spc="-1" strike="noStrike">
+              <a:rPr lang="en-US" sz="3600" b="1" strike="noStrike" spc="-1">
                 <a:solidFill>
-                  <a:srgbClr val="ffffff"/>
+                  <a:srgbClr val="FFFFFF"/>
                 </a:solidFill>
                 <a:latin typeface="Source Sans Pro Black"/>
               </a:rPr>
               <a:t>Why?</a:t>
             </a:r>
-            <a:endParaRPr b="1" lang="en-US" sz="3600" spc="-1" strike="noStrike">
-              <a:solidFill>
-                <a:srgbClr val="ffffff"/>
-              </a:solidFill>
-              <a:latin typeface="Source Sans Pro Black"/>
-            </a:endParaRPr>
           </a:p>
         </p:txBody>
       </p:sp>
@@ -6055,36 +7057,85 @@
           </a:ln>
         </p:spPr>
         <p:txBody>
-          <a:bodyPr lIns="0" rIns="0" tIns="0" bIns="0">
+          <a:bodyPr lIns="0" tIns="0" rIns="0" bIns="0">
             <a:normAutofit/>
           </a:bodyPr>
+          <a:lstStyle/>
           <a:p>
             <a:pPr marL="432000" indent="-324000">
               <a:spcAft>
                 <a:spcPts val="1414"/>
               </a:spcAft>
               <a:buClr>
-                <a:srgbClr val="2c3e50"/>
+                <a:srgbClr val="2C3E50"/>
               </a:buClr>
               <a:buSzPct val="45000"/>
               <a:buFont typeface="Wingdings" charset="2"/>
               <a:buChar char=""/>
             </a:pPr>
             <a:r>
-              <a:rPr b="1" lang="en-US" sz="3200" spc="-1" strike="noStrike">
+              <a:rPr lang="en-US" sz="3200" b="1" strike="noStrike" spc="-1" dirty="0">
                 <a:solidFill>
-                  <a:srgbClr val="2c3e50"/>
+                  <a:srgbClr val="2C3E50"/>
                 </a:solidFill>
                 <a:latin typeface="Source Sans Pro Semibold"/>
               </a:rPr>
-              <a:t>If you’ve ever been scammed online wether it be  from a user on IRC, Runescape, Steam, etc. troll.reviews is the place for you!!! </a:t>
+              <a:t>If you’ve ever been scammed online </a:t>
             </a:r>
-            <a:endParaRPr b="1" lang="en-US" sz="3200" spc="-1" strike="noStrike">
-              <a:solidFill>
-                <a:srgbClr val="2c3e50"/>
-              </a:solidFill>
-              <a:latin typeface="Source Sans Pro Semibold"/>
-            </a:endParaRPr>
+            <a:r>
+              <a:rPr lang="en-US" sz="3200" b="1" strike="noStrike" spc="-1" dirty="0" err="1">
+                <a:solidFill>
+                  <a:srgbClr val="2C3E50"/>
+                </a:solidFill>
+                <a:latin typeface="Source Sans Pro Semibold"/>
+              </a:rPr>
+              <a:t>wether</a:t>
+            </a:r>
+            <a:r>
+              <a:rPr lang="en-US" sz="3200" b="1" strike="noStrike" spc="-1" dirty="0">
+                <a:solidFill>
+                  <a:srgbClr val="2C3E50"/>
+                </a:solidFill>
+                <a:latin typeface="Source Sans Pro Semibold"/>
+              </a:rPr>
+              <a:t> it be  from a user on IRC, </a:t>
+            </a:r>
+            <a:r>
+              <a:rPr lang="en-US" sz="3200" b="1" strike="noStrike" spc="-1" dirty="0" err="1">
+                <a:solidFill>
+                  <a:srgbClr val="2C3E50"/>
+                </a:solidFill>
+                <a:latin typeface="Source Sans Pro Semibold"/>
+              </a:rPr>
+              <a:t>Runescape</a:t>
+            </a:r>
+            <a:r>
+              <a:rPr lang="en-US" sz="3200" b="1" strike="noStrike" spc="-1" dirty="0">
+                <a:solidFill>
+                  <a:srgbClr val="2C3E50"/>
+                </a:solidFill>
+                <a:latin typeface="Source Sans Pro Semibold"/>
+              </a:rPr>
+              <a:t>, Steam, etc. </a:t>
+            </a:r>
+            <a:r>
+              <a:rPr lang="en-US" sz="3200" b="1" strike="noStrike" spc="-1" dirty="0" err="1">
+                <a:solidFill>
+                  <a:srgbClr val="2C3E50"/>
+                </a:solidFill>
+                <a:latin typeface="Source Sans Pro Semibold"/>
+              </a:rPr>
+              <a:t>troll.reviews</a:t>
+            </a:r>
+            <a:r>
+              <a:rPr lang="en-US" sz="3200" b="1" strike="noStrike" spc="-1" dirty="0">
+                <a:solidFill>
+                  <a:srgbClr val="2C3E50"/>
+                </a:solidFill>
+                <a:latin typeface="Source Sans Pro Semibold"/>
+              </a:rPr>
+              <a:t> is the place for you!!! </a:t>
+            </a:r>
           </a:p>
           <a:p>
             <a:pPr marL="432000" indent="-324000">
@@ -6092,48 +7143,63 @@
                 <a:spcPts val="1414"/>
               </a:spcAft>
               <a:buClr>
-                <a:srgbClr val="2c3e50"/>
+                <a:srgbClr val="2C3E50"/>
               </a:buClr>
               <a:buSzPct val="45000"/>
               <a:buFont typeface="Wingdings" charset="2"/>
               <a:buChar char=""/>
             </a:pPr>
             <a:r>
-              <a:rPr b="1" lang="en-US" sz="3200" spc="-1" strike="noStrike">
+              <a:rPr lang="en-US" sz="3200" b="1" strike="noStrike" spc="-1" dirty="0">
                 <a:solidFill>
-                  <a:srgbClr val="2c3e50"/>
+                  <a:srgbClr val="2C3E50"/>
                 </a:solidFill>
                 <a:latin typeface="Source Sans Pro Semibold"/>
               </a:rPr>
-              <a:t>Imagine a world where you can find out of xXxn0360scopeXx, can’t actually trim your armor and he is a known scammer. This is the goal of troll.reviews</a:t>
+              <a:t>Imagine a world where you can find out of xXxn0360scopeXx, cannot actually trim your armor, and he is a known scammer. This is the goal of </a:t>
             </a:r>
-            <a:endParaRPr b="1" lang="en-US" sz="3200" spc="-1" strike="noStrike">
-              <a:solidFill>
-                <a:srgbClr val="2c3e50"/>
-              </a:solidFill>
-              <a:latin typeface="Source Sans Pro Semibold"/>
-            </a:endParaRPr>
+            <a:r>
+              <a:rPr lang="en-US" sz="3200" b="1" strike="noStrike" spc="-1" dirty="0" err="1">
+                <a:solidFill>
+                  <a:srgbClr val="2C3E50"/>
+                </a:solidFill>
+                <a:latin typeface="Source Sans Pro Semibold"/>
+              </a:rPr>
+              <a:t>troll.reviews</a:t>
+            </a:r>
+            <a:r>
+              <a:rPr lang="en-US" sz="3200" b="1" strike="noStrike" spc="-1" dirty="0">
+                <a:solidFill>
+                  <a:srgbClr val="2C3E50"/>
+                </a:solidFill>
+                <a:latin typeface="Source Sans Pro Semibold"/>
+              </a:rPr>
+              <a:t>.</a:t>
+            </a:r>
           </a:p>
         </p:txBody>
       </p:sp>
     </p:spTree>
   </p:cSld>
+  <p:clrMapOvr>
+    <a:masterClrMapping/>
+  </p:clrMapOvr>
   <p:timing>
     <p:tnLst>
       <p:par>
-        <p:cTn id="5" dur="indefinite" restart="never" nodeType="tmRoot">
+        <p:cTn id="1" dur="indefinite" restart="never" nodeType="tmRoot">
           <p:childTnLst>
             <p:seq>
-              <p:cTn id="6" nodeType="mainSeq"/>
+              <p:cTn id="2" nodeType="mainSeq"/>
               <p:prevCondLst>
-                <p:cond delay="0" evt="onPrev">
+                <p:cond evt="onPrev" delay="0">
                   <p:tgtEl>
                     <p:sldTgt/>
                   </p:tgtEl>
                 </p:cond>
               </p:prevCondLst>
               <p:nextCondLst>
-                <p:cond delay="0" evt="onNext">
+                <p:cond evt="onNext" delay="0">
                   <p:tgtEl>
                     <p:sldTgt/>
                   </p:tgtEl>
@@ -6149,7 +7215,7 @@
 </file>
 
 <file path=ppt/slides/slide4.xml><?xml version="1.0" encoding="utf-8"?>
-<p:sld xmlns:a="http://schemas.openxmlformats.org/drawingml/2006/main" xmlns:p="http://schemas.openxmlformats.org/presentationml/2006/main" xmlns:r="http://schemas.openxmlformats.org/officeDocument/2006/relationships" xmlns:p14="http://schemas.microsoft.com/office/powerpoint/2010/main" xmlns:p15="http://schemas.microsoft.com/office/powerpoint/2012/main" xmlns:mc="http://schemas.openxmlformats.org/markup-compatibility/2006">
+<p:sld xmlns:a="http://schemas.openxmlformats.org/drawingml/2006/main" xmlns:r="http://schemas.openxmlformats.org/officeDocument/2006/relationships" xmlns:p="http://schemas.openxmlformats.org/presentationml/2006/main">
   <p:cSld>
     <p:spTree>
       <p:nvGrpSpPr>
@@ -6185,24 +7251,19 @@
           </a:ln>
         </p:spPr>
         <p:txBody>
-          <a:bodyPr lIns="0" rIns="0" tIns="0" bIns="0" anchor="ctr"/>
+          <a:bodyPr lIns="0" tIns="0" rIns="0" bIns="0" anchor="ctr"/>
+          <a:lstStyle/>
           <a:p>
             <a:pPr algn="ctr"/>
             <a:r>
-              <a:rPr b="1" lang="en-US" sz="3600" spc="-1" strike="noStrike">
+              <a:rPr lang="en-US" sz="3600" b="1" strike="noStrike" spc="-1">
                 <a:solidFill>
-                  <a:srgbClr val="ffffff"/>
+                  <a:srgbClr val="FFFFFF"/>
                 </a:solidFill>
                 <a:latin typeface="Source Sans Pro Black"/>
               </a:rPr>
               <a:t>Current Functionality</a:t>
             </a:r>
-            <a:endParaRPr b="1" lang="en-US" sz="3600" spc="-1" strike="noStrike">
-              <a:solidFill>
-                <a:srgbClr val="ffffff"/>
-              </a:solidFill>
-              <a:latin typeface="Source Sans Pro Black"/>
-            </a:endParaRPr>
           </a:p>
         </p:txBody>
       </p:sp>
@@ -6226,37 +7287,139 @@
           </a:ln>
         </p:spPr>
         <p:txBody>
-          <a:bodyPr lIns="0" rIns="0" tIns="0" bIns="0">
+          <a:bodyPr lIns="0" tIns="0" rIns="0" bIns="0">
             <a:normAutofit/>
           </a:bodyPr>
-          <a:p>
-            <a:endParaRPr b="1" lang="en-US" sz="3200" spc="-1" strike="noStrike">
-              <a:solidFill>
-                <a:srgbClr val="2c3e50"/>
-              </a:solidFill>
-              <a:latin typeface="Source Sans Pro Semibold"/>
-            </a:endParaRPr>
+          <a:lstStyle/>
+          <a:p>
+            <a:pPr marL="432000" indent="-324000">
+              <a:spcAft>
+                <a:spcPts val="1414"/>
+              </a:spcAft>
+              <a:buClr>
+                <a:srgbClr val="2C3E50"/>
+              </a:buClr>
+              <a:buSzPct val="45000"/>
+              <a:buFont typeface="Wingdings" charset="2"/>
+              <a:buChar char=""/>
+            </a:pPr>
+            <a:r>
+              <a:rPr lang="en-US" sz="3200" b="1" spc="-1" dirty="0">
+                <a:solidFill>
+                  <a:srgbClr val="2C3E50"/>
+                </a:solidFill>
+                <a:latin typeface="Source Sans Pro Semibold"/>
+              </a:rPr>
+              <a:t>Enter troll to report/search for.</a:t>
+            </a:r>
+          </a:p>
+          <a:p>
+            <a:pPr marL="432000" indent="-324000">
+              <a:spcAft>
+                <a:spcPts val="1414"/>
+              </a:spcAft>
+              <a:buClr>
+                <a:srgbClr val="2C3E50"/>
+              </a:buClr>
+              <a:buSzPct val="45000"/>
+              <a:buFont typeface="Wingdings" charset="2"/>
+              <a:buChar char=""/>
+            </a:pPr>
+            <a:r>
+              <a:rPr lang="en-US" sz="3200" b="1" strike="noStrike" spc="-1" dirty="0">
+                <a:solidFill>
+                  <a:srgbClr val="2C3E50"/>
+                </a:solidFill>
+                <a:latin typeface="Source Sans Pro Semibold"/>
+              </a:rPr>
+              <a:t>Checks site for existing trolls, their comments, and current rating.</a:t>
+            </a:r>
+          </a:p>
+          <a:p>
+            <a:pPr marL="432000" indent="-324000">
+              <a:spcAft>
+                <a:spcPts val="1414"/>
+              </a:spcAft>
+              <a:buClr>
+                <a:srgbClr val="2C3E50"/>
+              </a:buClr>
+              <a:buSzPct val="45000"/>
+              <a:buFont typeface="Wingdings" charset="2"/>
+              <a:buChar char=""/>
+            </a:pPr>
+            <a:r>
+              <a:rPr lang="en-US" sz="3200" b="1" spc="-1" dirty="0">
+                <a:solidFill>
+                  <a:srgbClr val="2C3E50"/>
+                </a:solidFill>
+                <a:latin typeface="Source Sans Pro Semibold"/>
+              </a:rPr>
+              <a:t>Allows user to report in their experience.</a:t>
+            </a:r>
+          </a:p>
+          <a:p>
+            <a:pPr marL="432000" indent="-324000">
+              <a:spcAft>
+                <a:spcPts val="1414"/>
+              </a:spcAft>
+              <a:buClr>
+                <a:srgbClr val="2C3E50"/>
+              </a:buClr>
+              <a:buSzPct val="45000"/>
+              <a:buFont typeface="Wingdings" charset="2"/>
+              <a:buChar char=""/>
+            </a:pPr>
+            <a:r>
+              <a:rPr lang="en-US" sz="3200" b="1" strike="noStrike" spc="-1" dirty="0">
+                <a:solidFill>
+                  <a:srgbClr val="2C3E50"/>
+                </a:solidFill>
+                <a:latin typeface="Source Sans Pro Semibold"/>
+              </a:rPr>
+              <a:t>Allows users to connect to others (</a:t>
+            </a:r>
+            <a:r>
+              <a:rPr lang="en-US" sz="3200" b="1" strike="noStrike" spc="-1" dirty="0" err="1">
+                <a:solidFill>
+                  <a:srgbClr val="2C3E50"/>
+                </a:solidFill>
+                <a:latin typeface="Source Sans Pro Semibold"/>
+              </a:rPr>
+              <a:t>ver</a:t>
+            </a:r>
+            <a:r>
+              <a:rPr lang="en-US" sz="3200" b="1" strike="noStrike" spc="-1" dirty="0">
+                <a:solidFill>
+                  <a:srgbClr val="2C3E50"/>
+                </a:solidFill>
+                <a:latin typeface="Source Sans Pro Semibold"/>
+              </a:rPr>
+              <a:t> 2.0).</a:t>
+            </a:r>
           </a:p>
         </p:txBody>
       </p:sp>
     </p:spTree>
   </p:cSld>
+  <p:clrMapOvr>
+    <a:masterClrMapping/>
+  </p:clrMapOvr>
   <p:timing>
     <p:tnLst>
       <p:par>
-        <p:cTn id="7" dur="indefinite" restart="never" nodeType="tmRoot">
+        <p:cTn id="1" dur="indefinite" restart="never" nodeType="tmRoot">
           <p:childTnLst>
             <p:seq>
-              <p:cTn id="8" nodeType="mainSeq"/>
+              <p:cTn id="2" nodeType="mainSeq"/>
               <p:prevCondLst>
-                <p:cond delay="0" evt="onPrev">
+                <p:cond evt="onPrev" delay="0">
                   <p:tgtEl>
                     <p:sldTgt/>
                   </p:tgtEl>
                 </p:cond>
               </p:prevCondLst>
               <p:nextCondLst>
-                <p:cond delay="0" evt="onNext">
+                <p:cond evt="onNext" delay="0">
                   <p:tgtEl>
                     <p:sldTgt/>
                   </p:tgtEl>
@@ -6272,7 +7435,7 @@
 </file>
 
 <file path=ppt/slides/slide5.xml><?xml version="1.0" encoding="utf-8"?>
-<p:sld xmlns:a="http://schemas.openxmlformats.org/drawingml/2006/main" xmlns:p="http://schemas.openxmlformats.org/presentationml/2006/main" xmlns:r="http://schemas.openxmlformats.org/officeDocument/2006/relationships" xmlns:p14="http://schemas.microsoft.com/office/powerpoint/2010/main" xmlns:p15="http://schemas.microsoft.com/office/powerpoint/2012/main" xmlns:mc="http://schemas.openxmlformats.org/markup-compatibility/2006">
+<p:sld xmlns:a="http://schemas.openxmlformats.org/drawingml/2006/main" xmlns:r="http://schemas.openxmlformats.org/officeDocument/2006/relationships" xmlns:p="http://schemas.openxmlformats.org/presentationml/2006/main">
   <p:cSld>
     <p:spTree>
       <p:nvGrpSpPr>
@@ -6308,24 +7471,19 @@
           </a:ln>
         </p:spPr>
         <p:txBody>
-          <a:bodyPr lIns="0" rIns="0" tIns="0" bIns="0" anchor="ctr"/>
+          <a:bodyPr lIns="0" tIns="0" rIns="0" bIns="0" anchor="ctr"/>
+          <a:lstStyle/>
           <a:p>
             <a:pPr algn="ctr"/>
             <a:r>
-              <a:rPr b="1" lang="en-US" sz="3600" spc="-1" strike="noStrike">
+              <a:rPr lang="en-US" sz="3600" b="1" strike="noStrike" spc="-1" dirty="0">
                 <a:solidFill>
-                  <a:srgbClr val="ffffff"/>
+                  <a:srgbClr val="FFFFFF"/>
                 </a:solidFill>
                 <a:latin typeface="Source Sans Pro Black"/>
               </a:rPr>
-              <a:t>Challenges</a:t>
+              <a:t>Roles</a:t>
             </a:r>
-            <a:endParaRPr b="1" lang="en-US" sz="3600" spc="-1" strike="noStrike">
-              <a:solidFill>
-                <a:srgbClr val="ffffff"/>
-              </a:solidFill>
-              <a:latin typeface="Source Sans Pro Black"/>
-            </a:endParaRPr>
           </a:p>
         </p:txBody>
       </p:sp>
@@ -6349,36 +7507,49 @@
           </a:ln>
         </p:spPr>
         <p:txBody>
-          <a:bodyPr lIns="0" rIns="0" tIns="0" bIns="0">
+          <a:bodyPr lIns="0" tIns="0" rIns="0" bIns="0">
             <a:normAutofit/>
           </a:bodyPr>
+          <a:lstStyle/>
           <a:p>
             <a:pPr marL="432000" indent="-324000">
               <a:spcAft>
                 <a:spcPts val="1414"/>
               </a:spcAft>
               <a:buClr>
-                <a:srgbClr val="2c3e50"/>
+                <a:srgbClr val="2C3E50"/>
               </a:buClr>
               <a:buSzPct val="45000"/>
               <a:buFont typeface="Wingdings" charset="2"/>
               <a:buChar char=""/>
             </a:pPr>
             <a:r>
-              <a:rPr b="1" lang="en-US" sz="3200" spc="-1" strike="noStrike">
+              <a:rPr lang="en-US" sz="3200" b="1" strike="noStrike" spc="-1" dirty="0">
                 <a:solidFill>
-                  <a:srgbClr val="2c3e50"/>
+                  <a:srgbClr val="2C3E50"/>
                 </a:solidFill>
                 <a:latin typeface="Source Sans Pro Semibold"/>
               </a:rPr>
-              <a:t>Roman – HML / CSS UI creation and integration with Firebase snapshot values</a:t>
+              <a:t>Roman </a:t>
             </a:r>
-            <a:endParaRPr b="1" lang="en-US" sz="3200" spc="-1" strike="noStrike">
-              <a:solidFill>
-                <a:srgbClr val="2c3e50"/>
-              </a:solidFill>
-              <a:latin typeface="Source Sans Pro Semibold"/>
-            </a:endParaRPr>
+            <a:r>
+              <a:rPr lang="en-US" sz="3200" b="1" strike="noStrike" spc="-1">
+                <a:solidFill>
+                  <a:srgbClr val="2C3E50"/>
+                </a:solidFill>
+                <a:latin typeface="Source Sans Pro Semibold"/>
+              </a:rPr>
+              <a:t>– HTML </a:t>
+            </a:r>
+            <a:r>
+              <a:rPr lang="en-US" sz="3200" b="1" strike="noStrike" spc="-1" dirty="0">
+                <a:solidFill>
+                  <a:srgbClr val="2C3E50"/>
+                </a:solidFill>
+                <a:latin typeface="Source Sans Pro Semibold"/>
+              </a:rPr>
+              <a:t>/ CSS UI creation and integration with Firebase snapshot values</a:t>
+            </a:r>
           </a:p>
           <a:p>
             <a:pPr marL="432000" indent="-324000">
@@ -6386,27 +7557,21 @@
                 <a:spcPts val="1414"/>
               </a:spcAft>
               <a:buClr>
-                <a:srgbClr val="2c3e50"/>
+                <a:srgbClr val="2C3E50"/>
               </a:buClr>
               <a:buSzPct val="45000"/>
               <a:buFont typeface="Wingdings" charset="2"/>
               <a:buChar char=""/>
             </a:pPr>
             <a:r>
-              <a:rPr b="1" lang="en-US" sz="3200" spc="-1" strike="noStrike">
+              <a:rPr lang="en-US" sz="3200" b="1" strike="noStrike" spc="-1" dirty="0">
                 <a:solidFill>
-                  <a:srgbClr val="2c3e50"/>
+                  <a:srgbClr val="2C3E50"/>
                 </a:solidFill>
                 <a:latin typeface="Source Sans Pro Semibold"/>
               </a:rPr>
-              <a:t>James – Created functions to return the data that can delimit a troll.</a:t>
+              <a:t>James – Created functions to return the data that can delimit a troll, created troll rating, Firebase entries.</a:t>
             </a:r>
-            <a:endParaRPr b="1" lang="en-US" sz="3200" spc="-1" strike="noStrike">
-              <a:solidFill>
-                <a:srgbClr val="2c3e50"/>
-              </a:solidFill>
-              <a:latin typeface="Source Sans Pro Semibold"/>
-            </a:endParaRPr>
           </a:p>
           <a:p>
             <a:pPr marL="432000" indent="-324000">
@@ -6414,48 +7579,45 @@
                 <a:spcPts val="1414"/>
               </a:spcAft>
               <a:buClr>
-                <a:srgbClr val="2c3e50"/>
+                <a:srgbClr val="2C3E50"/>
               </a:buClr>
               <a:buSzPct val="45000"/>
               <a:buFont typeface="Wingdings" charset="2"/>
               <a:buChar char=""/>
             </a:pPr>
             <a:r>
-              <a:rPr b="1" lang="en-US" sz="3200" spc="-1" strike="noStrike">
+              <a:rPr lang="en-US" sz="3200" b="1" strike="noStrike" spc="-1" dirty="0">
                 <a:solidFill>
-                  <a:srgbClr val="2c3e50"/>
+                  <a:srgbClr val="2C3E50"/>
                 </a:solidFill>
                 <a:latin typeface="Source Sans Pro Semibold"/>
               </a:rPr>
               <a:t>Dave – Create API model files for access to external data sources</a:t>
             </a:r>
-            <a:endParaRPr b="1" lang="en-US" sz="3200" spc="-1" strike="noStrike">
-              <a:solidFill>
-                <a:srgbClr val="2c3e50"/>
-              </a:solidFill>
-              <a:latin typeface="Source Sans Pro Semibold"/>
-            </a:endParaRPr>
           </a:p>
         </p:txBody>
       </p:sp>
     </p:spTree>
   </p:cSld>
+  <p:clrMapOvr>
+    <a:masterClrMapping/>
+  </p:clrMapOvr>
   <p:timing>
     <p:tnLst>
       <p:par>
-        <p:cTn id="9" dur="indefinite" restart="never" nodeType="tmRoot">
+        <p:cTn id="1" dur="indefinite" restart="never" nodeType="tmRoot">
           <p:childTnLst>
             <p:seq>
-              <p:cTn id="10" nodeType="mainSeq"/>
+              <p:cTn id="2" nodeType="mainSeq"/>
               <p:prevCondLst>
-                <p:cond delay="0" evt="onPrev">
+                <p:cond evt="onPrev" delay="0">
                   <p:tgtEl>
                     <p:sldTgt/>
                   </p:tgtEl>
                 </p:cond>
               </p:prevCondLst>
               <p:nextCondLst>
-                <p:cond delay="0" evt="onNext">
+                <p:cond evt="onNext" delay="0">
                   <p:tgtEl>
                     <p:sldTgt/>
                   </p:tgtEl>
@@ -6471,7 +7633,7 @@
 </file>
 
 <file path=ppt/slides/slide6.xml><?xml version="1.0" encoding="utf-8"?>
-<p:sld xmlns:a="http://schemas.openxmlformats.org/drawingml/2006/main" xmlns:p="http://schemas.openxmlformats.org/presentationml/2006/main" xmlns:r="http://schemas.openxmlformats.org/officeDocument/2006/relationships" xmlns:p14="http://schemas.microsoft.com/office/powerpoint/2010/main" xmlns:p15="http://schemas.microsoft.com/office/powerpoint/2012/main" xmlns:mc="http://schemas.openxmlformats.org/markup-compatibility/2006">
+<p:sld xmlns:a="http://schemas.openxmlformats.org/drawingml/2006/main" xmlns:r="http://schemas.openxmlformats.org/officeDocument/2006/relationships" xmlns:p="http://schemas.openxmlformats.org/presentationml/2006/main">
   <p:cSld>
     <p:spTree>
       <p:nvGrpSpPr>
@@ -6507,24 +7669,19 @@
           </a:ln>
         </p:spPr>
         <p:txBody>
-          <a:bodyPr lIns="0" rIns="0" tIns="0" bIns="0" anchor="ctr"/>
+          <a:bodyPr lIns="0" tIns="0" rIns="0" bIns="0" anchor="ctr"/>
+          <a:lstStyle/>
           <a:p>
             <a:pPr algn="ctr"/>
             <a:r>
-              <a:rPr b="1" lang="en-US" sz="3600" spc="-1" strike="noStrike">
+              <a:rPr lang="en-US" sz="3600" b="1" strike="noStrike" spc="-1">
                 <a:solidFill>
-                  <a:srgbClr val="ffffff"/>
+                  <a:srgbClr val="FFFFFF"/>
                 </a:solidFill>
                 <a:latin typeface="Source Sans Pro Black"/>
               </a:rPr>
               <a:t>Upcoming changes</a:t>
             </a:r>
-            <a:endParaRPr b="1" lang="en-US" sz="3600" spc="-1" strike="noStrike">
-              <a:solidFill>
-                <a:srgbClr val="ffffff"/>
-              </a:solidFill>
-              <a:latin typeface="Source Sans Pro Black"/>
-            </a:endParaRPr>
           </a:p>
         </p:txBody>
       </p:sp>
@@ -6548,36 +7705,31 @@
           </a:ln>
         </p:spPr>
         <p:txBody>
-          <a:bodyPr lIns="0" rIns="0" tIns="0" bIns="0">
+          <a:bodyPr lIns="0" tIns="0" rIns="0" bIns="0">
             <a:normAutofit/>
           </a:bodyPr>
+          <a:lstStyle/>
           <a:p>
             <a:pPr marL="432000" indent="-324000">
               <a:spcAft>
                 <a:spcPts val="1414"/>
               </a:spcAft>
               <a:buClr>
-                <a:srgbClr val="2c3e50"/>
+                <a:srgbClr val="2C3E50"/>
               </a:buClr>
               <a:buSzPct val="45000"/>
               <a:buFont typeface="Wingdings" charset="2"/>
               <a:buChar char=""/>
             </a:pPr>
             <a:r>
-              <a:rPr b="1" lang="en-US" sz="3200" spc="-1" strike="noStrike">
+              <a:rPr lang="en-US" sz="3200" b="1" strike="noStrike" spc="-1">
                 <a:solidFill>
-                  <a:srgbClr val="2c3e50"/>
+                  <a:srgbClr val="2C3E50"/>
                 </a:solidFill>
                 <a:latin typeface="Source Sans Pro Semibold"/>
               </a:rPr>
               <a:t>Migrate to a server-side programming language and a transactional SQL solution.</a:t>
             </a:r>
-            <a:endParaRPr b="1" lang="en-US" sz="3200" spc="-1" strike="noStrike">
-              <a:solidFill>
-                <a:srgbClr val="2c3e50"/>
-              </a:solidFill>
-              <a:latin typeface="Source Sans Pro Semibold"/>
-            </a:endParaRPr>
           </a:p>
           <a:p>
             <a:pPr marL="432000" indent="-324000">
@@ -6585,27 +7737,21 @@
                 <a:spcPts val="1414"/>
               </a:spcAft>
               <a:buClr>
-                <a:srgbClr val="2c3e50"/>
+                <a:srgbClr val="2C3E50"/>
               </a:buClr>
               <a:buSzPct val="45000"/>
               <a:buFont typeface="Wingdings" charset="2"/>
               <a:buChar char=""/>
             </a:pPr>
             <a:r>
-              <a:rPr b="1" lang="en-US" sz="3200" spc="-1" strike="noStrike">
+              <a:rPr lang="en-US" sz="3200" b="1" strike="noStrike" spc="-1">
                 <a:solidFill>
-                  <a:srgbClr val="2c3e50"/>
+                  <a:srgbClr val="2C3E50"/>
                 </a:solidFill>
                 <a:latin typeface="Source Sans Pro Semibold"/>
               </a:rPr>
               <a:t>Adjust git.sh to pull on change and not incrementally by using a seeding notification</a:t>
             </a:r>
-            <a:endParaRPr b="1" lang="en-US" sz="3200" spc="-1" strike="noStrike">
-              <a:solidFill>
-                <a:srgbClr val="2c3e50"/>
-              </a:solidFill>
-              <a:latin typeface="Source Sans Pro Semibold"/>
-            </a:endParaRPr>
           </a:p>
           <a:p>
             <a:pPr marL="432000" indent="-324000">
@@ -6613,48 +7759,45 @@
                 <a:spcPts val="1414"/>
               </a:spcAft>
               <a:buClr>
-                <a:srgbClr val="2c3e50"/>
+                <a:srgbClr val="2C3E50"/>
               </a:buClr>
               <a:buSzPct val="45000"/>
               <a:buFont typeface="Wingdings" charset="2"/>
               <a:buChar char=""/>
             </a:pPr>
             <a:r>
-              <a:rPr b="1" lang="en-US" sz="3200" spc="-1" strike="noStrike">
+              <a:rPr lang="en-US" sz="3200" b="1" strike="noStrike" spc="-1">
                 <a:solidFill>
-                  <a:srgbClr val="2c3e50"/>
+                  <a:srgbClr val="2C3E50"/>
                 </a:solidFill>
                 <a:latin typeface="Source Sans Pro Semibold"/>
               </a:rPr>
               <a:t>Improve user data search by implementing an interface to assist in communicating with common social media or sales applications</a:t>
             </a:r>
-            <a:endParaRPr b="1" lang="en-US" sz="3200" spc="-1" strike="noStrike">
-              <a:solidFill>
-                <a:srgbClr val="2c3e50"/>
-              </a:solidFill>
-              <a:latin typeface="Source Sans Pro Semibold"/>
-            </a:endParaRPr>
           </a:p>
         </p:txBody>
       </p:sp>
     </p:spTree>
   </p:cSld>
+  <p:clrMapOvr>
+    <a:masterClrMapping/>
+  </p:clrMapOvr>
   <p:timing>
     <p:tnLst>
       <p:par>
-        <p:cTn id="11" dur="indefinite" restart="never" nodeType="tmRoot">
+        <p:cTn id="1" dur="indefinite" restart="never" nodeType="tmRoot">
           <p:childTnLst>
             <p:seq>
-              <p:cTn id="12" nodeType="mainSeq"/>
+              <p:cTn id="2" nodeType="mainSeq"/>
               <p:prevCondLst>
-                <p:cond delay="0" evt="onPrev">
+                <p:cond evt="onPrev" delay="0">
                   <p:tgtEl>
                     <p:sldTgt/>
                   </p:tgtEl>
                 </p:cond>
               </p:prevCondLst>
               <p:nextCondLst>
-                <p:cond delay="0" evt="onNext">
+                <p:cond evt="onNext" delay="0">
                   <p:tgtEl>
                     <p:sldTgt/>
                   </p:tgtEl>
@@ -6889,6 +8032,8 @@
       </a:bgFillStyleLst>
     </a:fmtScheme>
   </a:themeElements>
+  <a:objectDefaults/>
+  <a:extraClrSchemeLst/>
 </a:theme>
 </file>
 
@@ -7112,6 +8257,8 @@
       </a:bgFillStyleLst>
     </a:fmtScheme>
   </a:themeElements>
+  <a:objectDefaults/>
+  <a:extraClrSchemeLst/>
 </a:theme>
 </file>
 
@@ -7335,5 +8482,7 @@
       </a:bgFillStyleLst>
     </a:fmtScheme>
   </a:themeElements>
+  <a:objectDefaults/>
+  <a:extraClrSchemeLst/>
 </a:theme>
 </file>